--- a/lec/anninbon10.pptx
+++ b/lec/anninbon10.pptx
@@ -5,31 +5,32 @@
     <p:sldMasterId id="2147483706" r:id="rId1"/>
   </p:sldMasterIdLst>
   <p:notesMasterIdLst>
-    <p:notesMasterId r:id="rId21"/>
+    <p:notesMasterId r:id="rId22"/>
   </p:notesMasterIdLst>
   <p:handoutMasterIdLst>
-    <p:handoutMasterId r:id="rId22"/>
+    <p:handoutMasterId r:id="rId23"/>
   </p:handoutMasterIdLst>
   <p:sldIdLst>
     <p:sldId id="552" r:id="rId2"/>
     <p:sldId id="650" r:id="rId3"/>
-    <p:sldId id="673" r:id="rId4"/>
-    <p:sldId id="675" r:id="rId5"/>
-    <p:sldId id="676" r:id="rId6"/>
-    <p:sldId id="677" r:id="rId7"/>
-    <p:sldId id="678" r:id="rId8"/>
-    <p:sldId id="679" r:id="rId9"/>
-    <p:sldId id="680" r:id="rId10"/>
-    <p:sldId id="681" r:id="rId11"/>
-    <p:sldId id="682" r:id="rId12"/>
-    <p:sldId id="683" r:id="rId13"/>
-    <p:sldId id="684" r:id="rId14"/>
-    <p:sldId id="685" r:id="rId15"/>
-    <p:sldId id="686" r:id="rId16"/>
-    <p:sldId id="687" r:id="rId17"/>
-    <p:sldId id="688" r:id="rId18"/>
-    <p:sldId id="689" r:id="rId19"/>
-    <p:sldId id="690" r:id="rId20"/>
+    <p:sldId id="691" r:id="rId4"/>
+    <p:sldId id="673" r:id="rId5"/>
+    <p:sldId id="675" r:id="rId6"/>
+    <p:sldId id="676" r:id="rId7"/>
+    <p:sldId id="677" r:id="rId8"/>
+    <p:sldId id="678" r:id="rId9"/>
+    <p:sldId id="679" r:id="rId10"/>
+    <p:sldId id="680" r:id="rId11"/>
+    <p:sldId id="681" r:id="rId12"/>
+    <p:sldId id="682" r:id="rId13"/>
+    <p:sldId id="683" r:id="rId14"/>
+    <p:sldId id="684" r:id="rId15"/>
+    <p:sldId id="685" r:id="rId16"/>
+    <p:sldId id="686" r:id="rId17"/>
+    <p:sldId id="687" r:id="rId18"/>
+    <p:sldId id="688" r:id="rId19"/>
+    <p:sldId id="689" r:id="rId20"/>
+    <p:sldId id="690" r:id="rId21"/>
   </p:sldIdLst>
   <p:sldSz cx="9144000" cy="6858000" type="screen4x3"/>
   <p:notesSz cx="7099300" cy="10234613"/>
@@ -165,6 +166,7 @@
           <p14:sldIdLst>
             <p14:sldId id="552"/>
             <p14:sldId id="650"/>
+            <p14:sldId id="691"/>
             <p14:sldId id="673"/>
             <p14:sldId id="675"/>
             <p14:sldId id="676"/>
@@ -2487,6 +2489,269 @@
           <p:cNvPr id="2" name="コンテンツ プレースホルダー 1">
             <a:extLst>
               <a:ext uri="{FF2B5EF4-FFF2-40B4-BE49-F238E27FC236}">
+                <a16:creationId xmlns:a16="http://schemas.microsoft.com/office/drawing/2014/main" id="{3809B6EA-0340-4A09-9C7A-67535D5CB6FB}"/>
+              </a:ext>
+            </a:extLst>
+          </p:cNvPr>
+          <p:cNvSpPr>
+            <a:spLocks noGrp="1"/>
+          </p:cNvSpPr>
+          <p:nvPr>
+            <p:ph idx="1"/>
+          </p:nvPr>
+        </p:nvSpPr>
+        <p:spPr/>
+        <p:txBody>
+          <a:bodyPr/>
+          <a:lstStyle/>
+          <a:p>
+            <a:r>
+              <a:rPr kumimoji="1" lang="en-US" altLang="ja-JP"/>
+              <a:t>HTTP/1.1 Web</a:t>
+            </a:r>
+            <a:r>
+              <a:rPr kumimoji="1" lang="ja-JP" altLang="en-US"/>
+              <a:t>ページを取得する標準プロトコル</a:t>
+            </a:r>
+            <a:r>
+              <a:rPr kumimoji="1" lang="en-US" altLang="ja-JP"/>
+              <a:t>(1997)</a:t>
+            </a:r>
+          </a:p>
+          <a:p>
+            <a:pPr lvl="1"/>
+            <a:r>
+              <a:rPr kumimoji="1" lang="ja-JP" altLang="en-US"/>
+              <a:t>高速通信には向かない</a:t>
+            </a:r>
+            <a:endParaRPr kumimoji="1" lang="en-US" altLang="ja-JP"/>
+          </a:p>
+          <a:p>
+            <a:pPr lvl="1"/>
+            <a:r>
+              <a:rPr kumimoji="1" lang="en-US" altLang="ja-JP"/>
+              <a:t>2012</a:t>
+            </a:r>
+            <a:r>
+              <a:rPr kumimoji="1" lang="ja-JP" altLang="en-US"/>
+              <a:t>年</a:t>
+            </a:r>
+            <a:r>
+              <a:rPr kumimoji="1" lang="en-US" altLang="ja-JP"/>
+              <a:t>Google</a:t>
+            </a:r>
+            <a:r>
+              <a:rPr kumimoji="1" lang="ja-JP" altLang="en-US"/>
+              <a:t>が</a:t>
+            </a:r>
+            <a:r>
+              <a:rPr kumimoji="1" lang="en-US" altLang="ja-JP"/>
+              <a:t>SPDY(</a:t>
+            </a:r>
+            <a:r>
+              <a:rPr kumimoji="1" lang="ja-JP" altLang="en-US"/>
+              <a:t>スピーディー</a:t>
+            </a:r>
+            <a:r>
+              <a:rPr kumimoji="1" lang="en-US" altLang="ja-JP"/>
+              <a:t>)</a:t>
+            </a:r>
+            <a:r>
+              <a:rPr kumimoji="1" lang="ja-JP" altLang="en-US"/>
+              <a:t>を提案→</a:t>
+            </a:r>
+            <a:r>
+              <a:rPr kumimoji="1" lang="en-US" altLang="ja-JP"/>
+              <a:t>HTTP/2</a:t>
+            </a:r>
+            <a:r>
+              <a:rPr kumimoji="1" lang="ja-JP" altLang="en-US"/>
+              <a:t>に標準化</a:t>
+            </a:r>
+            <a:endParaRPr kumimoji="1" lang="en-US" altLang="ja-JP"/>
+          </a:p>
+          <a:p>
+            <a:r>
+              <a:rPr kumimoji="1" lang="ja-JP" altLang="en-US"/>
+              <a:t>特長</a:t>
+            </a:r>
+            <a:endParaRPr kumimoji="1" lang="en-US" altLang="ja-JP"/>
+          </a:p>
+          <a:p>
+            <a:pPr lvl="1"/>
+            <a:r>
+              <a:rPr kumimoji="1" lang="ja-JP" altLang="en-US"/>
+              <a:t>ストリーム</a:t>
+            </a:r>
+            <a:r>
+              <a:rPr kumimoji="1" lang="en-US" altLang="ja-JP"/>
+              <a:t>(</a:t>
+            </a:r>
+            <a:r>
+              <a:rPr kumimoji="1" lang="ja-JP" altLang="en-US"/>
+              <a:t>データ要求と受け取りの仕組み</a:t>
+            </a:r>
+            <a:r>
+              <a:rPr kumimoji="1" lang="en-US" altLang="ja-JP"/>
+              <a:t>) </a:t>
+            </a:r>
+            <a:r>
+              <a:rPr kumimoji="1" lang="ja-JP" altLang="en-US"/>
+              <a:t>の多重化</a:t>
+            </a:r>
+            <a:endParaRPr kumimoji="1" lang="en-US" altLang="ja-JP"/>
+          </a:p>
+          <a:p>
+            <a:pPr lvl="1"/>
+            <a:r>
+              <a:rPr kumimoji="1" lang="ja-JP" altLang="en-US"/>
+              <a:t>テキストベースからバイナリベースへ</a:t>
+            </a:r>
+          </a:p>
+        </p:txBody>
+      </p:sp>
+      <p:sp>
+        <p:nvSpPr>
+          <p:cNvPr id="3" name="スライド番号プレースホルダー 2">
+            <a:extLst>
+              <a:ext uri="{FF2B5EF4-FFF2-40B4-BE49-F238E27FC236}">
+                <a16:creationId xmlns:a16="http://schemas.microsoft.com/office/drawing/2014/main" id="{FDE6556C-B909-4FBA-8951-0773695CF650}"/>
+              </a:ext>
+            </a:extLst>
+          </p:cNvPr>
+          <p:cNvSpPr>
+            <a:spLocks noGrp="1"/>
+          </p:cNvSpPr>
+          <p:nvPr>
+            <p:ph type="sldNum" sz="quarter" idx="12"/>
+          </p:nvPr>
+        </p:nvSpPr>
+        <p:spPr/>
+        <p:txBody>
+          <a:bodyPr/>
+          <a:lstStyle/>
+          <a:p>
+            <a:pPr>
+              <a:defRPr/>
+            </a:pPr>
+            <a:r>
+              <a:rPr lang="en-US" altLang="ja-JP"/>
+              <a:t>    </a:t>
+            </a:r>
+            <a:fld id="{B2782DEB-472A-4FE5-AC34-C17109CF5A91}" type="slidenum">
+              <a:rPr lang="en-US" altLang="ja-JP" smtClean="0"/>
+              <a:pPr>
+                <a:defRPr/>
+              </a:pPr>
+              <a:t>10</a:t>
+            </a:fld>
+            <a:r>
+              <a:rPr lang="en-US" altLang="ja-JP"/>
+              <a:t> / 24</a:t>
+            </a:r>
+          </a:p>
+        </p:txBody>
+      </p:sp>
+      <p:sp>
+        <p:nvSpPr>
+          <p:cNvPr id="4" name="タイトル 3">
+            <a:extLst>
+              <a:ext uri="{FF2B5EF4-FFF2-40B4-BE49-F238E27FC236}">
+                <a16:creationId xmlns:a16="http://schemas.microsoft.com/office/drawing/2014/main" id="{091BDF3D-9260-4091-94C8-6EF7D11EB41F}"/>
+              </a:ext>
+            </a:extLst>
+          </p:cNvPr>
+          <p:cNvSpPr>
+            <a:spLocks noGrp="1"/>
+          </p:cNvSpPr>
+          <p:nvPr>
+            <p:ph type="title"/>
+          </p:nvPr>
+        </p:nvSpPr>
+        <p:spPr/>
+        <p:txBody>
+          <a:bodyPr/>
+          <a:lstStyle/>
+          <a:p>
+            <a:r>
+              <a:rPr kumimoji="1" lang="en-US" altLang="ja-JP"/>
+              <a:t>HTTP/2</a:t>
+            </a:r>
+            <a:endParaRPr kumimoji="1" lang="ja-JP" altLang="en-US"/>
+          </a:p>
+        </p:txBody>
+      </p:sp>
+      <p:pic>
+        <p:nvPicPr>
+          <p:cNvPr id="6" name="図 5">
+            <a:extLst>
+              <a:ext uri="{FF2B5EF4-FFF2-40B4-BE49-F238E27FC236}">
+                <a16:creationId xmlns:a16="http://schemas.microsoft.com/office/drawing/2014/main" id="{CEAC0EA1-11A7-410A-88C4-0F9847C86D33}"/>
+              </a:ext>
+            </a:extLst>
+          </p:cNvPr>
+          <p:cNvPicPr>
+            <a:picLocks noChangeAspect="1"/>
+          </p:cNvPicPr>
+          <p:nvPr/>
+        </p:nvPicPr>
+        <p:blipFill>
+          <a:blip r:embed="rId2">
+            <a:extLst>
+              <a:ext uri="{28A0092B-C50C-407E-A947-70E740481C1C}">
+                <a14:useLocalDpi xmlns:a14="http://schemas.microsoft.com/office/drawing/2010/main" val="0"/>
+              </a:ext>
+            </a:extLst>
+          </a:blip>
+          <a:stretch>
+            <a:fillRect/>
+          </a:stretch>
+        </p:blipFill>
+        <p:spPr>
+          <a:xfrm>
+            <a:off x="1475656" y="3681024"/>
+            <a:ext cx="5760640" cy="3168351"/>
+          </a:xfrm>
+          <a:prstGeom prst="rect">
+            <a:avLst/>
+          </a:prstGeom>
+        </p:spPr>
+      </p:pic>
+    </p:spTree>
+    <p:extLst>
+      <p:ext uri="{BB962C8B-B14F-4D97-AF65-F5344CB8AC3E}">
+        <p14:creationId xmlns:p14="http://schemas.microsoft.com/office/powerpoint/2010/main" val="3482214171"/>
+      </p:ext>
+    </p:extLst>
+  </p:cSld>
+  <p:clrMapOvr>
+    <a:masterClrMapping/>
+  </p:clrMapOvr>
+</p:sld>
+</file>
+
+<file path=ppt/slides/slide11.xml><?xml version="1.0" encoding="utf-8"?>
+<p:sld xmlns:a="http://schemas.openxmlformats.org/drawingml/2006/main" xmlns:r="http://schemas.openxmlformats.org/officeDocument/2006/relationships" xmlns:p="http://schemas.openxmlformats.org/presentationml/2006/main">
+  <p:cSld>
+    <p:spTree>
+      <p:nvGrpSpPr>
+        <p:cNvPr id="1" name=""/>
+        <p:cNvGrpSpPr/>
+        <p:nvPr/>
+      </p:nvGrpSpPr>
+      <p:grpSpPr>
+        <a:xfrm>
+          <a:off x="0" y="0"/>
+          <a:ext cx="0" cy="0"/>
+          <a:chOff x="0" y="0"/>
+          <a:chExt cx="0" cy="0"/>
+        </a:xfrm>
+      </p:grpSpPr>
+      <p:sp>
+        <p:nvSpPr>
+          <p:cNvPr id="2" name="コンテンツ プレースホルダー 1">
+            <a:extLst>
+              <a:ext uri="{FF2B5EF4-FFF2-40B4-BE49-F238E27FC236}">
                 <a16:creationId xmlns:a16="http://schemas.microsoft.com/office/drawing/2014/main" id="{1F382A53-4E6B-4F4D-B6B4-87917EC07DD3}"/>
               </a:ext>
             </a:extLst>
@@ -2646,7 +2911,7 @@
               <a:pPr>
                 <a:defRPr/>
               </a:pPr>
-              <a:t>10</a:t>
+              <a:t>11</a:t>
             </a:fld>
             <a:r>
               <a:rPr lang="en-US" altLang="ja-JP"/>
@@ -2745,7 +3010,7 @@
 </p:sld>
 </file>
 
-<file path=ppt/slides/slide11.xml><?xml version="1.0" encoding="utf-8"?>
+<file path=ppt/slides/slide12.xml><?xml version="1.0" encoding="utf-8"?>
 <p:sld xmlns:a="http://schemas.openxmlformats.org/drawingml/2006/main" xmlns:r="http://schemas.openxmlformats.org/officeDocument/2006/relationships" xmlns:p="http://schemas.openxmlformats.org/presentationml/2006/main">
   <p:cSld>
     <p:spTree>
@@ -3032,7 +3297,7 @@
               <a:pPr>
                 <a:defRPr/>
               </a:pPr>
-              <a:t>11</a:t>
+              <a:t>12</a:t>
             </a:fld>
             <a:r>
               <a:rPr lang="en-US" altLang="ja-JP"/>
@@ -3087,7 +3352,7 @@
 </p:sld>
 </file>
 
-<file path=ppt/slides/slide12.xml><?xml version="1.0" encoding="utf-8"?>
+<file path=ppt/slides/slide13.xml><?xml version="1.0" encoding="utf-8"?>
 <p:sld xmlns:a="http://schemas.openxmlformats.org/drawingml/2006/main" xmlns:r="http://schemas.openxmlformats.org/officeDocument/2006/relationships" xmlns:p="http://schemas.openxmlformats.org/presentationml/2006/main">
   <p:cSld>
     <p:spTree>
@@ -3284,7 +3549,7 @@
               <a:pPr>
                 <a:defRPr/>
               </a:pPr>
-              <a:t>12</a:t>
+              <a:t>13</a:t>
             </a:fld>
             <a:r>
               <a:rPr lang="en-US" altLang="ja-JP"/>
@@ -3371,7 +3636,7 @@
 </p:sld>
 </file>
 
-<file path=ppt/slides/slide13.xml><?xml version="1.0" encoding="utf-8"?>
+<file path=ppt/slides/slide14.xml><?xml version="1.0" encoding="utf-8"?>
 <p:sld xmlns:a="http://schemas.openxmlformats.org/drawingml/2006/main" xmlns:r="http://schemas.openxmlformats.org/officeDocument/2006/relationships" xmlns:p="http://schemas.openxmlformats.org/presentationml/2006/main">
   <p:cSld>
     <p:spTree>
@@ -3629,7 +3894,7 @@
               <a:pPr>
                 <a:defRPr/>
               </a:pPr>
-              <a:t>13</a:t>
+              <a:t>14</a:t>
             </a:fld>
             <a:r>
               <a:rPr lang="en-US" altLang="ja-JP"/>
@@ -3720,7 +3985,7 @@
 </p:sld>
 </file>
 
-<file path=ppt/slides/slide14.xml><?xml version="1.0" encoding="utf-8"?>
+<file path=ppt/slides/slide15.xml><?xml version="1.0" encoding="utf-8"?>
 <p:sld xmlns:a="http://schemas.openxmlformats.org/drawingml/2006/main" xmlns:r="http://schemas.openxmlformats.org/officeDocument/2006/relationships" xmlns:p="http://schemas.openxmlformats.org/presentationml/2006/main">
   <p:cSld>
     <p:spTree>
@@ -3981,7 +4246,7 @@
               <a:pPr>
                 <a:defRPr/>
               </a:pPr>
-              <a:t>14</a:t>
+              <a:t>15</a:t>
             </a:fld>
             <a:r>
               <a:rPr lang="en-US" altLang="ja-JP"/>
@@ -4031,7 +4296,7 @@
 </p:sld>
 </file>
 
-<file path=ppt/slides/slide15.xml><?xml version="1.0" encoding="utf-8"?>
+<file path=ppt/slides/slide16.xml><?xml version="1.0" encoding="utf-8"?>
 <p:sld xmlns:a="http://schemas.openxmlformats.org/drawingml/2006/main" xmlns:r="http://schemas.openxmlformats.org/officeDocument/2006/relationships" xmlns:p="http://schemas.openxmlformats.org/presentationml/2006/main">
   <p:cSld>
     <p:spTree>
@@ -4309,7 +4574,7 @@
               <a:pPr>
                 <a:defRPr/>
               </a:pPr>
-              <a:t>15</a:t>
+              <a:t>16</a:t>
             </a:fld>
             <a:r>
               <a:rPr lang="en-US" altLang="ja-JP"/>
@@ -4360,7 +4625,7 @@
 </p:sld>
 </file>
 
-<file path=ppt/slides/slide16.xml><?xml version="1.0" encoding="utf-8"?>
+<file path=ppt/slides/slide17.xml><?xml version="1.0" encoding="utf-8"?>
 <p:sld xmlns:a="http://schemas.openxmlformats.org/drawingml/2006/main" xmlns:r="http://schemas.openxmlformats.org/officeDocument/2006/relationships" xmlns:p="http://schemas.openxmlformats.org/presentationml/2006/main">
   <p:cSld>
     <p:spTree>
@@ -4544,7 +4809,7 @@
               <a:pPr>
                 <a:defRPr/>
               </a:pPr>
-              <a:t>16</a:t>
+              <a:t>17</a:t>
             </a:fld>
             <a:r>
               <a:rPr lang="en-US" altLang="ja-JP"/>
@@ -4653,7 +4918,7 @@
 </p:sld>
 </file>
 
-<file path=ppt/slides/slide17.xml><?xml version="1.0" encoding="utf-8"?>
+<file path=ppt/slides/slide18.xml><?xml version="1.0" encoding="utf-8"?>
 <p:sld xmlns:a="http://schemas.openxmlformats.org/drawingml/2006/main" xmlns:r="http://schemas.openxmlformats.org/officeDocument/2006/relationships" xmlns:p="http://schemas.openxmlformats.org/presentationml/2006/main">
   <p:cSld>
     <p:spTree>
@@ -4819,7 +5084,7 @@
               <a:pPr>
                 <a:defRPr/>
               </a:pPr>
-              <a:t>17</a:t>
+              <a:t>18</a:t>
             </a:fld>
             <a:r>
               <a:rPr lang="en-US" altLang="ja-JP"/>
@@ -4906,7 +5171,7 @@
 </p:sld>
 </file>
 
-<file path=ppt/slides/slide18.xml><?xml version="1.0" encoding="utf-8"?>
+<file path=ppt/slides/slide19.xml><?xml version="1.0" encoding="utf-8"?>
 <p:sld xmlns:a="http://schemas.openxmlformats.org/drawingml/2006/main" xmlns:r="http://schemas.openxmlformats.org/officeDocument/2006/relationships" xmlns:p="http://schemas.openxmlformats.org/presentationml/2006/main">
   <p:cSld>
     <p:spTree>
@@ -5051,7 +5316,7 @@
               <a:pPr>
                 <a:defRPr/>
               </a:pPr>
-              <a:t>18</a:t>
+              <a:t>19</a:t>
             </a:fld>
             <a:r>
               <a:rPr lang="en-US" altLang="ja-JP"/>
@@ -5129,276 +5394,6 @@
     <p:extLst>
       <p:ext uri="{BB962C8B-B14F-4D97-AF65-F5344CB8AC3E}">
         <p14:creationId xmlns:p14="http://schemas.microsoft.com/office/powerpoint/2010/main" val="1803328256"/>
-      </p:ext>
-    </p:extLst>
-  </p:cSld>
-  <p:clrMapOvr>
-    <a:masterClrMapping/>
-  </p:clrMapOvr>
-</p:sld>
-</file>
-
-<file path=ppt/slides/slide19.xml><?xml version="1.0" encoding="utf-8"?>
-<p:sld xmlns:a="http://schemas.openxmlformats.org/drawingml/2006/main" xmlns:r="http://schemas.openxmlformats.org/officeDocument/2006/relationships" xmlns:p="http://schemas.openxmlformats.org/presentationml/2006/main">
-  <p:cSld>
-    <p:spTree>
-      <p:nvGrpSpPr>
-        <p:cNvPr id="1" name=""/>
-        <p:cNvGrpSpPr/>
-        <p:nvPr/>
-      </p:nvGrpSpPr>
-      <p:grpSpPr>
-        <a:xfrm>
-          <a:off x="0" y="0"/>
-          <a:ext cx="0" cy="0"/>
-          <a:chOff x="0" y="0"/>
-          <a:chExt cx="0" cy="0"/>
-        </a:xfrm>
-      </p:grpSpPr>
-      <p:sp>
-        <p:nvSpPr>
-          <p:cNvPr id="2" name="コンテンツ プレースホルダー 1">
-            <a:extLst>
-              <a:ext uri="{FF2B5EF4-FFF2-40B4-BE49-F238E27FC236}">
-                <a16:creationId xmlns:a16="http://schemas.microsoft.com/office/drawing/2014/main" id="{DB94340B-9218-4281-BB79-618343A57F22}"/>
-              </a:ext>
-            </a:extLst>
-          </p:cNvPr>
-          <p:cNvSpPr>
-            <a:spLocks noGrp="1"/>
-          </p:cNvSpPr>
-          <p:nvPr>
-            <p:ph idx="1"/>
-          </p:nvPr>
-        </p:nvSpPr>
-        <p:spPr/>
-        <p:txBody>
-          <a:bodyPr/>
-          <a:lstStyle/>
-          <a:p>
-            <a:r>
-              <a:rPr kumimoji="1" lang="en-US" altLang="ja-JP"/>
-              <a:t>Vanhoef</a:t>
-            </a:r>
-            <a:r>
-              <a:rPr kumimoji="1" lang="ja-JP" altLang="en-US"/>
-              <a:t>と</a:t>
-            </a:r>
-            <a:r>
-              <a:rPr kumimoji="1" lang="en-US" altLang="ja-JP"/>
-              <a:t>Ronen</a:t>
-            </a:r>
-            <a:r>
-              <a:rPr kumimoji="1" lang="ja-JP" altLang="en-US"/>
-              <a:t>による</a:t>
-            </a:r>
-            <a:r>
-              <a:rPr kumimoji="1" lang="en-US" altLang="ja-JP"/>
-              <a:t>SAE</a:t>
-            </a:r>
-            <a:r>
-              <a:rPr kumimoji="1" lang="ja-JP" altLang="en-US"/>
-              <a:t>の脆弱な実装報告</a:t>
-            </a:r>
-            <a:endParaRPr kumimoji="1" lang="en-US" altLang="ja-JP"/>
-          </a:p>
-          <a:p>
-            <a:pPr lvl="1"/>
-            <a:r>
-              <a:rPr kumimoji="1" lang="ja-JP" altLang="en-US"/>
-              <a:t>楕円曲線の秘密鍵の値に依存した実行速度の差を利用</a:t>
-            </a:r>
-            <a:endParaRPr kumimoji="1" lang="en-US" altLang="ja-JP"/>
-          </a:p>
-          <a:p>
-            <a:pPr lvl="1"/>
-            <a:r>
-              <a:rPr kumimoji="1" lang="ja-JP" altLang="en-US"/>
-              <a:t>サイドチャネル攻撃</a:t>
-            </a:r>
-            <a:endParaRPr kumimoji="1" lang="en-US" altLang="ja-JP"/>
-          </a:p>
-          <a:p>
-            <a:pPr lvl="2"/>
-            <a:r>
-              <a:rPr kumimoji="1" lang="ja-JP" altLang="en-US"/>
-              <a:t>他にダウングレード攻撃や実装不備など</a:t>
-            </a:r>
-            <a:endParaRPr kumimoji="1" lang="en-US" altLang="ja-JP"/>
-          </a:p>
-          <a:p>
-            <a:pPr lvl="1"/>
-            <a:r>
-              <a:rPr lang="en-US" altLang="ja-JP"/>
-              <a:t>2020</a:t>
-            </a:r>
-            <a:r>
-              <a:rPr lang="ja-JP" altLang="en-US"/>
-              <a:t>年対策済み</a:t>
-            </a:r>
-            <a:endParaRPr lang="en-US" altLang="ja-JP"/>
-          </a:p>
-          <a:p>
-            <a:r>
-              <a:rPr kumimoji="1" lang="en-US" altLang="ja-JP"/>
-              <a:t>FragAttacks (2021</a:t>
-            </a:r>
-            <a:r>
-              <a:rPr kumimoji="1" lang="ja-JP" altLang="en-US"/>
-              <a:t>年</a:t>
-            </a:r>
-            <a:r>
-              <a:rPr kumimoji="1" lang="en-US" altLang="ja-JP"/>
-              <a:t>5</a:t>
-            </a:r>
-            <a:r>
-              <a:rPr kumimoji="1" lang="ja-JP" altLang="en-US"/>
-              <a:t>月</a:t>
-            </a:r>
-            <a:r>
-              <a:rPr kumimoji="1" lang="en-US" altLang="ja-JP"/>
-              <a:t>) by Vanhoef</a:t>
-            </a:r>
-          </a:p>
-          <a:p>
-            <a:pPr lvl="1"/>
-            <a:r>
-              <a:rPr kumimoji="1" lang="ja-JP" altLang="en-US"/>
-              <a:t>フレームアグリケーション</a:t>
-            </a:r>
-            <a:endParaRPr kumimoji="1" lang="en-US" altLang="ja-JP"/>
-          </a:p>
-          <a:p>
-            <a:pPr lvl="2"/>
-            <a:r>
-              <a:rPr kumimoji="1" lang="ja-JP" altLang="en-US"/>
-              <a:t>複数の</a:t>
-            </a:r>
-            <a:r>
-              <a:rPr kumimoji="1" lang="en-US" altLang="ja-JP"/>
-              <a:t>(</a:t>
-            </a:r>
-            <a:r>
-              <a:rPr kumimoji="1" lang="ja-JP" altLang="en-US"/>
-              <a:t>無線</a:t>
-            </a:r>
-            <a:r>
-              <a:rPr kumimoji="1" lang="en-US" altLang="ja-JP"/>
-              <a:t>LAN)</a:t>
-            </a:r>
-            <a:r>
-              <a:rPr kumimoji="1" lang="ja-JP" altLang="en-US"/>
-              <a:t>フレームを一つに集約する機能</a:t>
-            </a:r>
-            <a:endParaRPr kumimoji="1" lang="en-US" altLang="ja-JP"/>
-          </a:p>
-          <a:p>
-            <a:pPr lvl="2"/>
-            <a:r>
-              <a:rPr kumimoji="1" lang="ja-JP" altLang="en-US"/>
-              <a:t>集約されているかを確認するフラグは暗号化保護の対象外</a:t>
-            </a:r>
-            <a:endParaRPr kumimoji="1" lang="en-US" altLang="ja-JP"/>
-          </a:p>
-          <a:p>
-            <a:pPr lvl="2"/>
-            <a:r>
-              <a:rPr kumimoji="1" lang="ja-JP" altLang="en-US"/>
-              <a:t>このフラグを改竄して攻撃パケットを挿入</a:t>
-            </a:r>
-            <a:endParaRPr kumimoji="1" lang="en-US" altLang="ja-JP"/>
-          </a:p>
-          <a:p>
-            <a:pPr lvl="2"/>
-            <a:r>
-              <a:rPr kumimoji="1" lang="ja-JP" altLang="en-US"/>
-              <a:t>悪用は困難</a:t>
-            </a:r>
-            <a:endParaRPr kumimoji="1" lang="en-US" altLang="ja-JP"/>
-          </a:p>
-          <a:p>
-            <a:endParaRPr kumimoji="1" lang="ja-JP" altLang="en-US"/>
-          </a:p>
-        </p:txBody>
-      </p:sp>
-      <p:sp>
-        <p:nvSpPr>
-          <p:cNvPr id="3" name="スライド番号プレースホルダー 2">
-            <a:extLst>
-              <a:ext uri="{FF2B5EF4-FFF2-40B4-BE49-F238E27FC236}">
-                <a16:creationId xmlns:a16="http://schemas.microsoft.com/office/drawing/2014/main" id="{01D2404D-3075-49AE-A0DE-97380F03E023}"/>
-              </a:ext>
-            </a:extLst>
-          </p:cNvPr>
-          <p:cNvSpPr>
-            <a:spLocks noGrp="1"/>
-          </p:cNvSpPr>
-          <p:nvPr>
-            <p:ph type="sldNum" sz="quarter" idx="12"/>
-          </p:nvPr>
-        </p:nvSpPr>
-        <p:spPr/>
-        <p:txBody>
-          <a:bodyPr/>
-          <a:lstStyle/>
-          <a:p>
-            <a:pPr>
-              <a:defRPr/>
-            </a:pPr>
-            <a:r>
-              <a:rPr lang="en-US" altLang="ja-JP"/>
-              <a:t>    </a:t>
-            </a:r>
-            <a:fld id="{B2782DEB-472A-4FE5-AC34-C17109CF5A91}" type="slidenum">
-              <a:rPr lang="en-US" altLang="ja-JP" smtClean="0"/>
-              <a:pPr>
-                <a:defRPr/>
-              </a:pPr>
-              <a:t>19</a:t>
-            </a:fld>
-            <a:r>
-              <a:rPr lang="en-US" altLang="ja-JP"/>
-              <a:t> / 24</a:t>
-            </a:r>
-          </a:p>
-        </p:txBody>
-      </p:sp>
-      <p:sp>
-        <p:nvSpPr>
-          <p:cNvPr id="4" name="タイトル 3">
-            <a:extLst>
-              <a:ext uri="{FF2B5EF4-FFF2-40B4-BE49-F238E27FC236}">
-                <a16:creationId xmlns:a16="http://schemas.microsoft.com/office/drawing/2014/main" id="{B24F030C-EC5A-45AA-9FED-F0D9B5BD27E5}"/>
-              </a:ext>
-            </a:extLst>
-          </p:cNvPr>
-          <p:cNvSpPr>
-            <a:spLocks noGrp="1"/>
-          </p:cNvSpPr>
-          <p:nvPr>
-            <p:ph type="title"/>
-          </p:nvPr>
-        </p:nvSpPr>
-        <p:spPr/>
-        <p:txBody>
-          <a:bodyPr/>
-          <a:lstStyle/>
-          <a:p>
-            <a:r>
-              <a:rPr kumimoji="1" lang="en-US" altLang="ja-JP"/>
-              <a:t>Dragonblood (2019)</a:t>
-            </a:r>
-            <a:r>
-              <a:rPr kumimoji="1" lang="ja-JP" altLang="en-US"/>
-              <a:t>とその後</a:t>
-            </a:r>
-          </a:p>
-        </p:txBody>
-      </p:sp>
-    </p:spTree>
-    <p:extLst>
-      <p:ext uri="{BB962C8B-B14F-4D97-AF65-F5344CB8AC3E}">
-        <p14:creationId xmlns:p14="http://schemas.microsoft.com/office/powerpoint/2010/main" val="326068823"/>
       </p:ext>
     </p:extLst>
   </p:cSld>
@@ -5921,7 +5916,509 @@
 </p:sld>
 </file>
 
+<file path=ppt/slides/slide20.xml><?xml version="1.0" encoding="utf-8"?>
+<p:sld xmlns:a="http://schemas.openxmlformats.org/drawingml/2006/main" xmlns:r="http://schemas.openxmlformats.org/officeDocument/2006/relationships" xmlns:p="http://schemas.openxmlformats.org/presentationml/2006/main">
+  <p:cSld>
+    <p:spTree>
+      <p:nvGrpSpPr>
+        <p:cNvPr id="1" name=""/>
+        <p:cNvGrpSpPr/>
+        <p:nvPr/>
+      </p:nvGrpSpPr>
+      <p:grpSpPr>
+        <a:xfrm>
+          <a:off x="0" y="0"/>
+          <a:ext cx="0" cy="0"/>
+          <a:chOff x="0" y="0"/>
+          <a:chExt cx="0" cy="0"/>
+        </a:xfrm>
+      </p:grpSpPr>
+      <p:sp>
+        <p:nvSpPr>
+          <p:cNvPr id="2" name="コンテンツ プレースホルダー 1">
+            <a:extLst>
+              <a:ext uri="{FF2B5EF4-FFF2-40B4-BE49-F238E27FC236}">
+                <a16:creationId xmlns:a16="http://schemas.microsoft.com/office/drawing/2014/main" id="{DB94340B-9218-4281-BB79-618343A57F22}"/>
+              </a:ext>
+            </a:extLst>
+          </p:cNvPr>
+          <p:cNvSpPr>
+            <a:spLocks noGrp="1"/>
+          </p:cNvSpPr>
+          <p:nvPr>
+            <p:ph idx="1"/>
+          </p:nvPr>
+        </p:nvSpPr>
+        <p:spPr/>
+        <p:txBody>
+          <a:bodyPr/>
+          <a:lstStyle/>
+          <a:p>
+            <a:r>
+              <a:rPr kumimoji="1" lang="en-US" altLang="ja-JP"/>
+              <a:t>Vanhoef</a:t>
+            </a:r>
+            <a:r>
+              <a:rPr kumimoji="1" lang="ja-JP" altLang="en-US"/>
+              <a:t>と</a:t>
+            </a:r>
+            <a:r>
+              <a:rPr kumimoji="1" lang="en-US" altLang="ja-JP"/>
+              <a:t>Ronen</a:t>
+            </a:r>
+            <a:r>
+              <a:rPr kumimoji="1" lang="ja-JP" altLang="en-US"/>
+              <a:t>による</a:t>
+            </a:r>
+            <a:r>
+              <a:rPr kumimoji="1" lang="en-US" altLang="ja-JP"/>
+              <a:t>SAE</a:t>
+            </a:r>
+            <a:r>
+              <a:rPr kumimoji="1" lang="ja-JP" altLang="en-US"/>
+              <a:t>の脆弱な実装報告</a:t>
+            </a:r>
+            <a:endParaRPr kumimoji="1" lang="en-US" altLang="ja-JP"/>
+          </a:p>
+          <a:p>
+            <a:pPr lvl="1"/>
+            <a:r>
+              <a:rPr kumimoji="1" lang="ja-JP" altLang="en-US"/>
+              <a:t>楕円曲線の秘密鍵の値に依存した実行速度の差を利用</a:t>
+            </a:r>
+            <a:endParaRPr kumimoji="1" lang="en-US" altLang="ja-JP"/>
+          </a:p>
+          <a:p>
+            <a:pPr lvl="1"/>
+            <a:r>
+              <a:rPr kumimoji="1" lang="ja-JP" altLang="en-US"/>
+              <a:t>サイドチャネル攻撃</a:t>
+            </a:r>
+            <a:endParaRPr kumimoji="1" lang="en-US" altLang="ja-JP"/>
+          </a:p>
+          <a:p>
+            <a:pPr lvl="2"/>
+            <a:r>
+              <a:rPr kumimoji="1" lang="ja-JP" altLang="en-US"/>
+              <a:t>他にダウングレード攻撃や実装不備など</a:t>
+            </a:r>
+            <a:endParaRPr kumimoji="1" lang="en-US" altLang="ja-JP"/>
+          </a:p>
+          <a:p>
+            <a:pPr lvl="1"/>
+            <a:r>
+              <a:rPr lang="en-US" altLang="ja-JP"/>
+              <a:t>2020</a:t>
+            </a:r>
+            <a:r>
+              <a:rPr lang="ja-JP" altLang="en-US"/>
+              <a:t>年対策済み</a:t>
+            </a:r>
+            <a:endParaRPr lang="en-US" altLang="ja-JP"/>
+          </a:p>
+          <a:p>
+            <a:r>
+              <a:rPr kumimoji="1" lang="en-US" altLang="ja-JP"/>
+              <a:t>FragAttacks (2021</a:t>
+            </a:r>
+            <a:r>
+              <a:rPr kumimoji="1" lang="ja-JP" altLang="en-US"/>
+              <a:t>年</a:t>
+            </a:r>
+            <a:r>
+              <a:rPr kumimoji="1" lang="en-US" altLang="ja-JP"/>
+              <a:t>5</a:t>
+            </a:r>
+            <a:r>
+              <a:rPr kumimoji="1" lang="ja-JP" altLang="en-US"/>
+              <a:t>月</a:t>
+            </a:r>
+            <a:r>
+              <a:rPr kumimoji="1" lang="en-US" altLang="ja-JP"/>
+              <a:t>) by Vanhoef</a:t>
+            </a:r>
+          </a:p>
+          <a:p>
+            <a:pPr lvl="1"/>
+            <a:r>
+              <a:rPr kumimoji="1" lang="ja-JP" altLang="en-US"/>
+              <a:t>フレームアグリケーション</a:t>
+            </a:r>
+            <a:endParaRPr kumimoji="1" lang="en-US" altLang="ja-JP"/>
+          </a:p>
+          <a:p>
+            <a:pPr lvl="2"/>
+            <a:r>
+              <a:rPr kumimoji="1" lang="ja-JP" altLang="en-US"/>
+              <a:t>複数の</a:t>
+            </a:r>
+            <a:r>
+              <a:rPr kumimoji="1" lang="en-US" altLang="ja-JP"/>
+              <a:t>(</a:t>
+            </a:r>
+            <a:r>
+              <a:rPr kumimoji="1" lang="ja-JP" altLang="en-US"/>
+              <a:t>無線</a:t>
+            </a:r>
+            <a:r>
+              <a:rPr kumimoji="1" lang="en-US" altLang="ja-JP"/>
+              <a:t>LAN)</a:t>
+            </a:r>
+            <a:r>
+              <a:rPr kumimoji="1" lang="ja-JP" altLang="en-US"/>
+              <a:t>フレームを一つに集約する機能</a:t>
+            </a:r>
+            <a:endParaRPr kumimoji="1" lang="en-US" altLang="ja-JP"/>
+          </a:p>
+          <a:p>
+            <a:pPr lvl="2"/>
+            <a:r>
+              <a:rPr kumimoji="1" lang="ja-JP" altLang="en-US"/>
+              <a:t>集約されているかを確認するフラグは暗号化保護の対象外</a:t>
+            </a:r>
+            <a:endParaRPr kumimoji="1" lang="en-US" altLang="ja-JP"/>
+          </a:p>
+          <a:p>
+            <a:pPr lvl="2"/>
+            <a:r>
+              <a:rPr kumimoji="1" lang="ja-JP" altLang="en-US"/>
+              <a:t>このフラグを改竄して攻撃パケットを挿入</a:t>
+            </a:r>
+            <a:endParaRPr kumimoji="1" lang="en-US" altLang="ja-JP"/>
+          </a:p>
+          <a:p>
+            <a:pPr lvl="2"/>
+            <a:r>
+              <a:rPr kumimoji="1" lang="ja-JP" altLang="en-US"/>
+              <a:t>悪用は困難</a:t>
+            </a:r>
+            <a:endParaRPr kumimoji="1" lang="en-US" altLang="ja-JP"/>
+          </a:p>
+          <a:p>
+            <a:endParaRPr kumimoji="1" lang="ja-JP" altLang="en-US"/>
+          </a:p>
+        </p:txBody>
+      </p:sp>
+      <p:sp>
+        <p:nvSpPr>
+          <p:cNvPr id="3" name="スライド番号プレースホルダー 2">
+            <a:extLst>
+              <a:ext uri="{FF2B5EF4-FFF2-40B4-BE49-F238E27FC236}">
+                <a16:creationId xmlns:a16="http://schemas.microsoft.com/office/drawing/2014/main" id="{01D2404D-3075-49AE-A0DE-97380F03E023}"/>
+              </a:ext>
+            </a:extLst>
+          </p:cNvPr>
+          <p:cNvSpPr>
+            <a:spLocks noGrp="1"/>
+          </p:cNvSpPr>
+          <p:nvPr>
+            <p:ph type="sldNum" sz="quarter" idx="12"/>
+          </p:nvPr>
+        </p:nvSpPr>
+        <p:spPr/>
+        <p:txBody>
+          <a:bodyPr/>
+          <a:lstStyle/>
+          <a:p>
+            <a:pPr>
+              <a:defRPr/>
+            </a:pPr>
+            <a:r>
+              <a:rPr lang="en-US" altLang="ja-JP"/>
+              <a:t>    </a:t>
+            </a:r>
+            <a:fld id="{B2782DEB-472A-4FE5-AC34-C17109CF5A91}" type="slidenum">
+              <a:rPr lang="en-US" altLang="ja-JP" smtClean="0"/>
+              <a:pPr>
+                <a:defRPr/>
+              </a:pPr>
+              <a:t>20</a:t>
+            </a:fld>
+            <a:r>
+              <a:rPr lang="en-US" altLang="ja-JP"/>
+              <a:t> / 24</a:t>
+            </a:r>
+          </a:p>
+        </p:txBody>
+      </p:sp>
+      <p:sp>
+        <p:nvSpPr>
+          <p:cNvPr id="4" name="タイトル 3">
+            <a:extLst>
+              <a:ext uri="{FF2B5EF4-FFF2-40B4-BE49-F238E27FC236}">
+                <a16:creationId xmlns:a16="http://schemas.microsoft.com/office/drawing/2014/main" id="{B24F030C-EC5A-45AA-9FED-F0D9B5BD27E5}"/>
+              </a:ext>
+            </a:extLst>
+          </p:cNvPr>
+          <p:cNvSpPr>
+            <a:spLocks noGrp="1"/>
+          </p:cNvSpPr>
+          <p:nvPr>
+            <p:ph type="title"/>
+          </p:nvPr>
+        </p:nvSpPr>
+        <p:spPr/>
+        <p:txBody>
+          <a:bodyPr/>
+          <a:lstStyle/>
+          <a:p>
+            <a:r>
+              <a:rPr kumimoji="1" lang="en-US" altLang="ja-JP"/>
+              <a:t>Dragonblood (2019)</a:t>
+            </a:r>
+            <a:r>
+              <a:rPr kumimoji="1" lang="ja-JP" altLang="en-US"/>
+              <a:t>とその後</a:t>
+            </a:r>
+          </a:p>
+        </p:txBody>
+      </p:sp>
+    </p:spTree>
+    <p:extLst>
+      <p:ext uri="{BB962C8B-B14F-4D97-AF65-F5344CB8AC3E}">
+        <p14:creationId xmlns:p14="http://schemas.microsoft.com/office/powerpoint/2010/main" val="326068823"/>
+      </p:ext>
+    </p:extLst>
+  </p:cSld>
+  <p:clrMapOvr>
+    <a:masterClrMapping/>
+  </p:clrMapOvr>
+</p:sld>
+</file>
+
 <file path=ppt/slides/slide3.xml><?xml version="1.0" encoding="utf-8"?>
+<p:sld xmlns:a="http://schemas.openxmlformats.org/drawingml/2006/main" xmlns:r="http://schemas.openxmlformats.org/officeDocument/2006/relationships" xmlns:p="http://schemas.openxmlformats.org/presentationml/2006/main">
+  <p:cSld>
+    <p:spTree>
+      <p:nvGrpSpPr>
+        <p:cNvPr id="1" name=""/>
+        <p:cNvGrpSpPr/>
+        <p:nvPr/>
+      </p:nvGrpSpPr>
+      <p:grpSpPr>
+        <a:xfrm>
+          <a:off x="0" y="0"/>
+          <a:ext cx="0" cy="0"/>
+          <a:chOff x="0" y="0"/>
+          <a:chExt cx="0" cy="0"/>
+        </a:xfrm>
+      </p:grpSpPr>
+      <p:sp>
+        <p:nvSpPr>
+          <p:cNvPr id="2" name="コンテンツ プレースホルダー 1">
+            <a:extLst>
+              <a:ext uri="{FF2B5EF4-FFF2-40B4-BE49-F238E27FC236}">
+                <a16:creationId xmlns:a16="http://schemas.microsoft.com/office/drawing/2014/main" id="{4BAD4662-8288-4617-83F9-67F234AC46F6}"/>
+              </a:ext>
+            </a:extLst>
+          </p:cNvPr>
+          <p:cNvSpPr>
+            <a:spLocks noGrp="1"/>
+          </p:cNvSpPr>
+          <p:nvPr>
+            <p:ph idx="1"/>
+          </p:nvPr>
+        </p:nvSpPr>
+        <p:spPr/>
+        <p:txBody>
+          <a:bodyPr/>
+          <a:lstStyle/>
+          <a:p>
+            <a:r>
+              <a:rPr kumimoji="1" lang="en-US" altLang="ja-JP"/>
+              <a:t>PKC : </a:t>
+            </a:r>
+            <a:r>
+              <a:rPr kumimoji="1" lang="ja-JP" altLang="en-US"/>
+              <a:t>公開情報を扱う暗号技術全般</a:t>
+            </a:r>
+            <a:endParaRPr kumimoji="1" lang="en-US" altLang="ja-JP"/>
+          </a:p>
+          <a:p>
+            <a:r>
+              <a:rPr kumimoji="1" lang="en-US" altLang="ja-JP"/>
+              <a:t>PKE : </a:t>
+            </a:r>
+            <a:r>
+              <a:rPr kumimoji="1" lang="ja-JP" altLang="en-US"/>
+              <a:t>公開鍵で暗号化して秘密鍵で復号する暗号方式</a:t>
+            </a:r>
+            <a:endParaRPr kumimoji="1" lang="en-US" altLang="ja-JP"/>
+          </a:p>
+          <a:p>
+            <a:r>
+              <a:rPr lang="en-US" altLang="ja-JP"/>
+              <a:t>TLS 1.3 = ECDH</a:t>
+            </a:r>
+            <a:r>
+              <a:rPr lang="ja-JP" altLang="en-US"/>
+              <a:t>鍵共有 </a:t>
+            </a:r>
+            <a:r>
+              <a:rPr lang="en-US" altLang="ja-JP"/>
+              <a:t>+ </a:t>
+            </a:r>
+            <a:r>
+              <a:rPr lang="ja-JP" altLang="en-US"/>
+              <a:t>署名</a:t>
+            </a:r>
+            <a:r>
+              <a:rPr lang="en-US" altLang="ja-JP"/>
+              <a:t>(ECDSA/EdDSA)</a:t>
+            </a:r>
+            <a:br>
+              <a:rPr lang="en-US" altLang="ja-JP"/>
+            </a:br>
+            <a:r>
+              <a:rPr lang="en-US" altLang="ja-JP"/>
+              <a:t>+ HKDF(HMAC/SHA-256) + AEAD(AES-GCM</a:t>
+            </a:r>
+            <a:r>
+              <a:rPr lang="ja-JP" altLang="en-US"/>
+              <a:t>など</a:t>
+            </a:r>
+            <a:r>
+              <a:rPr lang="en-US" altLang="ja-JP"/>
+              <a:t>)</a:t>
+            </a:r>
+          </a:p>
+          <a:p>
+            <a:pPr lvl="1"/>
+            <a:r>
+              <a:rPr kumimoji="1" lang="en-US" altLang="ja-JP"/>
+              <a:t>PKE</a:t>
+            </a:r>
+            <a:r>
+              <a:rPr kumimoji="1" lang="ja-JP" altLang="en-US"/>
+              <a:t>は使われない</a:t>
+            </a:r>
+          </a:p>
+        </p:txBody>
+      </p:sp>
+      <p:sp>
+        <p:nvSpPr>
+          <p:cNvPr id="3" name="スライド番号プレースホルダー 2">
+            <a:extLst>
+              <a:ext uri="{FF2B5EF4-FFF2-40B4-BE49-F238E27FC236}">
+                <a16:creationId xmlns:a16="http://schemas.microsoft.com/office/drawing/2014/main" id="{3D218114-CBAE-4A07-A430-1F0DCEEE1F1E}"/>
+              </a:ext>
+            </a:extLst>
+          </p:cNvPr>
+          <p:cNvSpPr>
+            <a:spLocks noGrp="1"/>
+          </p:cNvSpPr>
+          <p:nvPr>
+            <p:ph type="sldNum" sz="quarter" idx="12"/>
+          </p:nvPr>
+        </p:nvSpPr>
+        <p:spPr/>
+        <p:txBody>
+          <a:bodyPr/>
+          <a:lstStyle/>
+          <a:p>
+            <a:pPr>
+              <a:defRPr/>
+            </a:pPr>
+            <a:r>
+              <a:rPr lang="en-US" altLang="ja-JP"/>
+              <a:t>    </a:t>
+            </a:r>
+            <a:fld id="{B2782DEB-472A-4FE5-AC34-C17109CF5A91}" type="slidenum">
+              <a:rPr lang="en-US" altLang="ja-JP" smtClean="0"/>
+              <a:pPr>
+                <a:defRPr/>
+              </a:pPr>
+              <a:t>3</a:t>
+            </a:fld>
+            <a:r>
+              <a:rPr lang="en-US" altLang="ja-JP"/>
+              <a:t> / 24</a:t>
+            </a:r>
+          </a:p>
+        </p:txBody>
+      </p:sp>
+      <p:sp>
+        <p:nvSpPr>
+          <p:cNvPr id="4" name="タイトル 3">
+            <a:extLst>
+              <a:ext uri="{FF2B5EF4-FFF2-40B4-BE49-F238E27FC236}">
+                <a16:creationId xmlns:a16="http://schemas.microsoft.com/office/drawing/2014/main" id="{C48E63BD-9422-41D1-BCC7-445C1581A9A8}"/>
+              </a:ext>
+            </a:extLst>
+          </p:cNvPr>
+          <p:cNvSpPr>
+            <a:spLocks noGrp="1"/>
+          </p:cNvSpPr>
+          <p:nvPr>
+            <p:ph type="title"/>
+          </p:nvPr>
+        </p:nvSpPr>
+        <p:spPr/>
+        <p:txBody>
+          <a:bodyPr/>
+          <a:lstStyle/>
+          <a:p>
+            <a:r>
+              <a:rPr kumimoji="1" lang="en-US" altLang="ja-JP"/>
+              <a:t>TLS 1.3</a:t>
+            </a:r>
+            <a:r>
+              <a:rPr kumimoji="1" lang="ja-JP" altLang="en-US"/>
+              <a:t>の暗号技術の復習</a:t>
+            </a:r>
+          </a:p>
+        </p:txBody>
+      </p:sp>
+      <p:pic>
+        <p:nvPicPr>
+          <p:cNvPr id="5" name="図 4">
+            <a:extLst>
+              <a:ext uri="{FF2B5EF4-FFF2-40B4-BE49-F238E27FC236}">
+                <a16:creationId xmlns:a16="http://schemas.microsoft.com/office/drawing/2014/main" id="{7EF27496-B549-4C7E-B7BA-7FF5E9DA6BB2}"/>
+              </a:ext>
+            </a:extLst>
+          </p:cNvPr>
+          <p:cNvPicPr>
+            <a:picLocks noChangeAspect="1"/>
+          </p:cNvPicPr>
+          <p:nvPr/>
+        </p:nvPicPr>
+        <p:blipFill>
+          <a:blip r:embed="rId2">
+            <a:extLst>
+              <a:ext uri="{28A0092B-C50C-407E-A947-70E740481C1C}">
+                <a14:useLocalDpi xmlns:a14="http://schemas.microsoft.com/office/drawing/2010/main" val="0"/>
+              </a:ext>
+            </a:extLst>
+          </a:blip>
+          <a:stretch>
+            <a:fillRect/>
+          </a:stretch>
+        </p:blipFill>
+        <p:spPr>
+          <a:xfrm>
+            <a:off x="661216" y="3343160"/>
+            <a:ext cx="6935120" cy="3398208"/>
+          </a:xfrm>
+          <a:prstGeom prst="rect">
+            <a:avLst/>
+          </a:prstGeom>
+        </p:spPr>
+      </p:pic>
+    </p:spTree>
+    <p:extLst>
+      <p:ext uri="{BB962C8B-B14F-4D97-AF65-F5344CB8AC3E}">
+        <p14:creationId xmlns:p14="http://schemas.microsoft.com/office/powerpoint/2010/main" val="2868331225"/>
+      </p:ext>
+    </p:extLst>
+  </p:cSld>
+  <p:clrMapOvr>
+    <a:masterClrMapping/>
+  </p:clrMapOvr>
+</p:sld>
+</file>
+
+<file path=ppt/slides/slide4.xml><?xml version="1.0" encoding="utf-8"?>
 <p:sld xmlns:a="http://schemas.openxmlformats.org/drawingml/2006/main" xmlns:r="http://schemas.openxmlformats.org/officeDocument/2006/relationships" xmlns:p="http://schemas.openxmlformats.org/presentationml/2006/main">
   <p:cSld>
     <p:spTree>
@@ -6165,7 +6662,7 @@
               <a:pPr>
                 <a:defRPr/>
               </a:pPr>
-              <a:t>3</a:t>
+              <a:t>4</a:t>
             </a:fld>
             <a:r>
               <a:rPr lang="en-US" altLang="ja-JP"/>
@@ -6262,7 +6759,7 @@
 </p:sld>
 </file>
 
-<file path=ppt/slides/slide4.xml><?xml version="1.0" encoding="utf-8"?>
+<file path=ppt/slides/slide5.xml><?xml version="1.0" encoding="utf-8"?>
 <p:sld xmlns:a="http://schemas.openxmlformats.org/drawingml/2006/main" xmlns:r="http://schemas.openxmlformats.org/officeDocument/2006/relationships" xmlns:p="http://schemas.openxmlformats.org/presentationml/2006/main">
   <p:cSld>
     <p:spTree>
@@ -6524,7 +7021,7 @@
               <a:pPr>
                 <a:defRPr/>
               </a:pPr>
-              <a:t>4</a:t>
+              <a:t>5</a:t>
             </a:fld>
             <a:r>
               <a:rPr lang="en-US" altLang="ja-JP"/>
@@ -6587,7 +7084,7 @@
 </p:sld>
 </file>
 
-<file path=ppt/slides/slide5.xml><?xml version="1.0" encoding="utf-8"?>
+<file path=ppt/slides/slide6.xml><?xml version="1.0" encoding="utf-8"?>
 <p:sld xmlns:a="http://schemas.openxmlformats.org/drawingml/2006/main" xmlns:r="http://schemas.openxmlformats.org/officeDocument/2006/relationships" xmlns:p="http://schemas.openxmlformats.org/presentationml/2006/main">
   <p:cSld>
     <p:spTree>
@@ -6762,7 +7259,7 @@
               <a:pPr>
                 <a:defRPr/>
               </a:pPr>
-              <a:t>5</a:t>
+              <a:t>6</a:t>
             </a:fld>
             <a:r>
               <a:rPr lang="en-US" altLang="ja-JP"/>
@@ -6849,7 +7346,7 @@
 </p:sld>
 </file>
 
-<file path=ppt/slides/slide6.xml><?xml version="1.0" encoding="utf-8"?>
+<file path=ppt/slides/slide7.xml><?xml version="1.0" encoding="utf-8"?>
 <p:sld xmlns:a="http://schemas.openxmlformats.org/drawingml/2006/main" xmlns:r="http://schemas.openxmlformats.org/officeDocument/2006/relationships" xmlns:p="http://schemas.openxmlformats.org/presentationml/2006/main">
   <p:cSld>
     <p:spTree>
@@ -7068,7 +7565,7 @@
               <a:pPr>
                 <a:defRPr/>
               </a:pPr>
-              <a:t>6</a:t>
+              <a:t>7</a:t>
             </a:fld>
             <a:r>
               <a:rPr lang="en-US" altLang="ja-JP"/>
@@ -7155,7 +7652,7 @@
 </p:sld>
 </file>
 
-<file path=ppt/slides/slide7.xml><?xml version="1.0" encoding="utf-8"?>
+<file path=ppt/slides/slide8.xml><?xml version="1.0" encoding="utf-8"?>
 <p:sld xmlns:a="http://schemas.openxmlformats.org/drawingml/2006/main" xmlns:r="http://schemas.openxmlformats.org/officeDocument/2006/relationships" xmlns:p="http://schemas.openxmlformats.org/presentationml/2006/main">
   <p:cSld>
     <p:spTree>
@@ -7309,7 +7806,7 @@
               <a:pPr>
                 <a:defRPr/>
               </a:pPr>
-              <a:t>7</a:t>
+              <a:t>8</a:t>
             </a:fld>
             <a:r>
               <a:rPr lang="en-US" altLang="ja-JP"/>
@@ -7598,7 +8095,7 @@
 </p:sld>
 </file>
 
-<file path=ppt/slides/slide8.xml><?xml version="1.0" encoding="utf-8"?>
+<file path=ppt/slides/slide9.xml><?xml version="1.0" encoding="utf-8"?>
 <p:sld xmlns:a="http://schemas.openxmlformats.org/drawingml/2006/main" xmlns:r="http://schemas.openxmlformats.org/officeDocument/2006/relationships" xmlns:p="http://schemas.openxmlformats.org/presentationml/2006/main">
   <p:cSld>
     <p:spTree>
@@ -7764,7 +8261,7 @@
               <a:pPr>
                 <a:defRPr/>
               </a:pPr>
-              <a:t>8</a:t>
+              <a:t>9</a:t>
             </a:fld>
             <a:r>
               <a:rPr lang="en-US" altLang="ja-JP"/>
@@ -7845,269 +8342,6 @@
     <p:extLst>
       <p:ext uri="{BB962C8B-B14F-4D97-AF65-F5344CB8AC3E}">
         <p14:creationId xmlns:p14="http://schemas.microsoft.com/office/powerpoint/2010/main" val="3235654314"/>
-      </p:ext>
-    </p:extLst>
-  </p:cSld>
-  <p:clrMapOvr>
-    <a:masterClrMapping/>
-  </p:clrMapOvr>
-</p:sld>
-</file>
-
-<file path=ppt/slides/slide9.xml><?xml version="1.0" encoding="utf-8"?>
-<p:sld xmlns:a="http://schemas.openxmlformats.org/drawingml/2006/main" xmlns:r="http://schemas.openxmlformats.org/officeDocument/2006/relationships" xmlns:p="http://schemas.openxmlformats.org/presentationml/2006/main">
-  <p:cSld>
-    <p:spTree>
-      <p:nvGrpSpPr>
-        <p:cNvPr id="1" name=""/>
-        <p:cNvGrpSpPr/>
-        <p:nvPr/>
-      </p:nvGrpSpPr>
-      <p:grpSpPr>
-        <a:xfrm>
-          <a:off x="0" y="0"/>
-          <a:ext cx="0" cy="0"/>
-          <a:chOff x="0" y="0"/>
-          <a:chExt cx="0" cy="0"/>
-        </a:xfrm>
-      </p:grpSpPr>
-      <p:sp>
-        <p:nvSpPr>
-          <p:cNvPr id="2" name="コンテンツ プレースホルダー 1">
-            <a:extLst>
-              <a:ext uri="{FF2B5EF4-FFF2-40B4-BE49-F238E27FC236}">
-                <a16:creationId xmlns:a16="http://schemas.microsoft.com/office/drawing/2014/main" id="{3809B6EA-0340-4A09-9C7A-67535D5CB6FB}"/>
-              </a:ext>
-            </a:extLst>
-          </p:cNvPr>
-          <p:cNvSpPr>
-            <a:spLocks noGrp="1"/>
-          </p:cNvSpPr>
-          <p:nvPr>
-            <p:ph idx="1"/>
-          </p:nvPr>
-        </p:nvSpPr>
-        <p:spPr/>
-        <p:txBody>
-          <a:bodyPr/>
-          <a:lstStyle/>
-          <a:p>
-            <a:r>
-              <a:rPr kumimoji="1" lang="en-US" altLang="ja-JP"/>
-              <a:t>HTTP/1.1 Web</a:t>
-            </a:r>
-            <a:r>
-              <a:rPr kumimoji="1" lang="ja-JP" altLang="en-US"/>
-              <a:t>ページを取得する標準プロトコル</a:t>
-            </a:r>
-            <a:r>
-              <a:rPr kumimoji="1" lang="en-US" altLang="ja-JP"/>
-              <a:t>(1997)</a:t>
-            </a:r>
-          </a:p>
-          <a:p>
-            <a:pPr lvl="1"/>
-            <a:r>
-              <a:rPr kumimoji="1" lang="ja-JP" altLang="en-US"/>
-              <a:t>高速通信には向かない</a:t>
-            </a:r>
-            <a:endParaRPr kumimoji="1" lang="en-US" altLang="ja-JP"/>
-          </a:p>
-          <a:p>
-            <a:pPr lvl="1"/>
-            <a:r>
-              <a:rPr kumimoji="1" lang="en-US" altLang="ja-JP"/>
-              <a:t>2012</a:t>
-            </a:r>
-            <a:r>
-              <a:rPr kumimoji="1" lang="ja-JP" altLang="en-US"/>
-              <a:t>年</a:t>
-            </a:r>
-            <a:r>
-              <a:rPr kumimoji="1" lang="en-US" altLang="ja-JP"/>
-              <a:t>Google</a:t>
-            </a:r>
-            <a:r>
-              <a:rPr kumimoji="1" lang="ja-JP" altLang="en-US"/>
-              <a:t>が</a:t>
-            </a:r>
-            <a:r>
-              <a:rPr kumimoji="1" lang="en-US" altLang="ja-JP"/>
-              <a:t>SPDY(</a:t>
-            </a:r>
-            <a:r>
-              <a:rPr kumimoji="1" lang="ja-JP" altLang="en-US"/>
-              <a:t>スピーディー</a:t>
-            </a:r>
-            <a:r>
-              <a:rPr kumimoji="1" lang="en-US" altLang="ja-JP"/>
-              <a:t>)</a:t>
-            </a:r>
-            <a:r>
-              <a:rPr kumimoji="1" lang="ja-JP" altLang="en-US"/>
-              <a:t>を提案→</a:t>
-            </a:r>
-            <a:r>
-              <a:rPr kumimoji="1" lang="en-US" altLang="ja-JP"/>
-              <a:t>HTTP/2</a:t>
-            </a:r>
-            <a:r>
-              <a:rPr kumimoji="1" lang="ja-JP" altLang="en-US"/>
-              <a:t>に標準化</a:t>
-            </a:r>
-            <a:endParaRPr kumimoji="1" lang="en-US" altLang="ja-JP"/>
-          </a:p>
-          <a:p>
-            <a:r>
-              <a:rPr kumimoji="1" lang="ja-JP" altLang="en-US"/>
-              <a:t>特長</a:t>
-            </a:r>
-            <a:endParaRPr kumimoji="1" lang="en-US" altLang="ja-JP"/>
-          </a:p>
-          <a:p>
-            <a:pPr lvl="1"/>
-            <a:r>
-              <a:rPr kumimoji="1" lang="ja-JP" altLang="en-US"/>
-              <a:t>ストリーム</a:t>
-            </a:r>
-            <a:r>
-              <a:rPr kumimoji="1" lang="en-US" altLang="ja-JP"/>
-              <a:t>(</a:t>
-            </a:r>
-            <a:r>
-              <a:rPr kumimoji="1" lang="ja-JP" altLang="en-US"/>
-              <a:t>データ要求と受け取りの仕組み</a:t>
-            </a:r>
-            <a:r>
-              <a:rPr kumimoji="1" lang="en-US" altLang="ja-JP"/>
-              <a:t>) </a:t>
-            </a:r>
-            <a:r>
-              <a:rPr kumimoji="1" lang="ja-JP" altLang="en-US"/>
-              <a:t>の多重化</a:t>
-            </a:r>
-            <a:endParaRPr kumimoji="1" lang="en-US" altLang="ja-JP"/>
-          </a:p>
-          <a:p>
-            <a:pPr lvl="1"/>
-            <a:r>
-              <a:rPr kumimoji="1" lang="ja-JP" altLang="en-US"/>
-              <a:t>テキストベースからバイナリベースへ</a:t>
-            </a:r>
-          </a:p>
-        </p:txBody>
-      </p:sp>
-      <p:sp>
-        <p:nvSpPr>
-          <p:cNvPr id="3" name="スライド番号プレースホルダー 2">
-            <a:extLst>
-              <a:ext uri="{FF2B5EF4-FFF2-40B4-BE49-F238E27FC236}">
-                <a16:creationId xmlns:a16="http://schemas.microsoft.com/office/drawing/2014/main" id="{FDE6556C-B909-4FBA-8951-0773695CF650}"/>
-              </a:ext>
-            </a:extLst>
-          </p:cNvPr>
-          <p:cNvSpPr>
-            <a:spLocks noGrp="1"/>
-          </p:cNvSpPr>
-          <p:nvPr>
-            <p:ph type="sldNum" sz="quarter" idx="12"/>
-          </p:nvPr>
-        </p:nvSpPr>
-        <p:spPr/>
-        <p:txBody>
-          <a:bodyPr/>
-          <a:lstStyle/>
-          <a:p>
-            <a:pPr>
-              <a:defRPr/>
-            </a:pPr>
-            <a:r>
-              <a:rPr lang="en-US" altLang="ja-JP"/>
-              <a:t>    </a:t>
-            </a:r>
-            <a:fld id="{B2782DEB-472A-4FE5-AC34-C17109CF5A91}" type="slidenum">
-              <a:rPr lang="en-US" altLang="ja-JP" smtClean="0"/>
-              <a:pPr>
-                <a:defRPr/>
-              </a:pPr>
-              <a:t>9</a:t>
-            </a:fld>
-            <a:r>
-              <a:rPr lang="en-US" altLang="ja-JP"/>
-              <a:t> / 24</a:t>
-            </a:r>
-          </a:p>
-        </p:txBody>
-      </p:sp>
-      <p:sp>
-        <p:nvSpPr>
-          <p:cNvPr id="4" name="タイトル 3">
-            <a:extLst>
-              <a:ext uri="{FF2B5EF4-FFF2-40B4-BE49-F238E27FC236}">
-                <a16:creationId xmlns:a16="http://schemas.microsoft.com/office/drawing/2014/main" id="{091BDF3D-9260-4091-94C8-6EF7D11EB41F}"/>
-              </a:ext>
-            </a:extLst>
-          </p:cNvPr>
-          <p:cNvSpPr>
-            <a:spLocks noGrp="1"/>
-          </p:cNvSpPr>
-          <p:nvPr>
-            <p:ph type="title"/>
-          </p:nvPr>
-        </p:nvSpPr>
-        <p:spPr/>
-        <p:txBody>
-          <a:bodyPr/>
-          <a:lstStyle/>
-          <a:p>
-            <a:r>
-              <a:rPr kumimoji="1" lang="en-US" altLang="ja-JP"/>
-              <a:t>HTTP/2</a:t>
-            </a:r>
-            <a:endParaRPr kumimoji="1" lang="ja-JP" altLang="en-US"/>
-          </a:p>
-        </p:txBody>
-      </p:sp>
-      <p:pic>
-        <p:nvPicPr>
-          <p:cNvPr id="6" name="図 5">
-            <a:extLst>
-              <a:ext uri="{FF2B5EF4-FFF2-40B4-BE49-F238E27FC236}">
-                <a16:creationId xmlns:a16="http://schemas.microsoft.com/office/drawing/2014/main" id="{CEAC0EA1-11A7-410A-88C4-0F9847C86D33}"/>
-              </a:ext>
-            </a:extLst>
-          </p:cNvPr>
-          <p:cNvPicPr>
-            <a:picLocks noChangeAspect="1"/>
-          </p:cNvPicPr>
-          <p:nvPr/>
-        </p:nvPicPr>
-        <p:blipFill>
-          <a:blip r:embed="rId2">
-            <a:extLst>
-              <a:ext uri="{28A0092B-C50C-407E-A947-70E740481C1C}">
-                <a14:useLocalDpi xmlns:a14="http://schemas.microsoft.com/office/drawing/2010/main" val="0"/>
-              </a:ext>
-            </a:extLst>
-          </a:blip>
-          <a:stretch>
-            <a:fillRect/>
-          </a:stretch>
-        </p:blipFill>
-        <p:spPr>
-          <a:xfrm>
-            <a:off x="1475656" y="3681024"/>
-            <a:ext cx="5760640" cy="3168351"/>
-          </a:xfrm>
-          <a:prstGeom prst="rect">
-            <a:avLst/>
-          </a:prstGeom>
-        </p:spPr>
-      </p:pic>
-    </p:spTree>
-    <p:extLst>
-      <p:ext uri="{BB962C8B-B14F-4D97-AF65-F5344CB8AC3E}">
-        <p14:creationId xmlns:p14="http://schemas.microsoft.com/office/powerpoint/2010/main" val="3482214171"/>
       </p:ext>
     </p:extLst>
   </p:cSld>

--- a/lec/anninbon10.pptx
+++ b/lec/anninbon10.pptx
@@ -5,10 +5,10 @@
     <p:sldMasterId id="2147483706" r:id="rId1"/>
   </p:sldMasterIdLst>
   <p:notesMasterIdLst>
-    <p:notesMasterId r:id="rId22"/>
+    <p:notesMasterId r:id="rId24"/>
   </p:notesMasterIdLst>
   <p:handoutMasterIdLst>
-    <p:handoutMasterId r:id="rId23"/>
+    <p:handoutMasterId r:id="rId25"/>
   </p:handoutMasterIdLst>
   <p:sldIdLst>
     <p:sldId id="552" r:id="rId2"/>
@@ -16,21 +16,23 @@
     <p:sldId id="691" r:id="rId4"/>
     <p:sldId id="673" r:id="rId5"/>
     <p:sldId id="675" r:id="rId6"/>
-    <p:sldId id="676" r:id="rId7"/>
-    <p:sldId id="677" r:id="rId8"/>
-    <p:sldId id="678" r:id="rId9"/>
-    <p:sldId id="679" r:id="rId10"/>
-    <p:sldId id="680" r:id="rId11"/>
-    <p:sldId id="681" r:id="rId12"/>
-    <p:sldId id="682" r:id="rId13"/>
-    <p:sldId id="683" r:id="rId14"/>
-    <p:sldId id="684" r:id="rId15"/>
-    <p:sldId id="685" r:id="rId16"/>
-    <p:sldId id="686" r:id="rId17"/>
-    <p:sldId id="687" r:id="rId18"/>
-    <p:sldId id="688" r:id="rId19"/>
-    <p:sldId id="689" r:id="rId20"/>
-    <p:sldId id="690" r:id="rId21"/>
+    <p:sldId id="692" r:id="rId7"/>
+    <p:sldId id="676" r:id="rId8"/>
+    <p:sldId id="677" r:id="rId9"/>
+    <p:sldId id="678" r:id="rId10"/>
+    <p:sldId id="679" r:id="rId11"/>
+    <p:sldId id="680" r:id="rId12"/>
+    <p:sldId id="681" r:id="rId13"/>
+    <p:sldId id="682" r:id="rId14"/>
+    <p:sldId id="683" r:id="rId15"/>
+    <p:sldId id="693" r:id="rId16"/>
+    <p:sldId id="684" r:id="rId17"/>
+    <p:sldId id="685" r:id="rId18"/>
+    <p:sldId id="686" r:id="rId19"/>
+    <p:sldId id="687" r:id="rId20"/>
+    <p:sldId id="688" r:id="rId21"/>
+    <p:sldId id="689" r:id="rId22"/>
+    <p:sldId id="690" r:id="rId23"/>
   </p:sldIdLst>
   <p:sldSz cx="9144000" cy="6858000" type="screen4x3"/>
   <p:notesSz cx="7099300" cy="10234613"/>
@@ -169,6 +171,7 @@
             <p14:sldId id="691"/>
             <p14:sldId id="673"/>
             <p14:sldId id="675"/>
+            <p14:sldId id="692"/>
             <p14:sldId id="676"/>
             <p14:sldId id="677"/>
             <p14:sldId id="678"/>
@@ -177,6 +180,7 @@
             <p14:sldId id="681"/>
             <p14:sldId id="682"/>
             <p14:sldId id="683"/>
+            <p14:sldId id="693"/>
             <p14:sldId id="684"/>
             <p14:sldId id="685"/>
             <p14:sldId id="686"/>
@@ -2489,7 +2493,7 @@
           <p:cNvPr id="2" name="コンテンツ プレースホルダー 1">
             <a:extLst>
               <a:ext uri="{FF2B5EF4-FFF2-40B4-BE49-F238E27FC236}">
-                <a16:creationId xmlns:a16="http://schemas.microsoft.com/office/drawing/2014/main" id="{3809B6EA-0340-4A09-9C7A-67535D5CB6FB}"/>
+                <a16:creationId xmlns:a16="http://schemas.microsoft.com/office/drawing/2014/main" id="{A0254326-D99D-4BDD-89C3-30FDE11DA374}"/>
               </a:ext>
             </a:extLst>
           </p:cNvPr>
@@ -2506,23 +2510,27 @@
           <a:lstStyle/>
           <a:p>
             <a:r>
-              <a:rPr kumimoji="1" lang="en-US" altLang="ja-JP"/>
-              <a:t>HTTP/1.1 Web</a:t>
-            </a:r>
-            <a:r>
-              <a:rPr kumimoji="1" lang="ja-JP" altLang="en-US"/>
-              <a:t>ページを取得する標準プロトコル</a:t>
-            </a:r>
-            <a:r>
-              <a:rPr kumimoji="1" lang="en-US" altLang="ja-JP"/>
-              <a:t>(1997)</a:t>
-            </a:r>
+              <a:rPr kumimoji="1" lang="ja-JP" altLang="en-US"/>
+              <a:t>ブロードバンドルーター</a:t>
+            </a:r>
+            <a:endParaRPr kumimoji="1" lang="en-US" altLang="ja-JP"/>
           </a:p>
           <a:p>
             <a:pPr lvl="1"/>
             <a:r>
-              <a:rPr kumimoji="1" lang="ja-JP" altLang="en-US"/>
-              <a:t>高速通信には向かない</a:t>
+              <a:rPr lang="en-US" altLang="ja-JP"/>
+              <a:t>LAN</a:t>
+            </a:r>
+            <a:r>
+              <a:rPr lang="ja-JP" altLang="en-US"/>
+              <a:t>とインターネットを相互接続するための機能を持つ</a:t>
+            </a:r>
+            <a:endParaRPr lang="en-US" altLang="ja-JP"/>
+          </a:p>
+          <a:p>
+            <a:r>
+              <a:rPr kumimoji="1" lang="ja-JP" altLang="en-US"/>
+              <a:t>プロトコル</a:t>
             </a:r>
             <a:endParaRPr kumimoji="1" lang="en-US" altLang="ja-JP"/>
           </a:p>
@@ -2530,83 +2538,69 @@
             <a:pPr lvl="1"/>
             <a:r>
               <a:rPr kumimoji="1" lang="en-US" altLang="ja-JP"/>
-              <a:t>2012</a:t>
-            </a:r>
-            <a:r>
-              <a:rPr kumimoji="1" lang="ja-JP" altLang="en-US"/>
-              <a:t>年</a:t>
-            </a:r>
-            <a:r>
-              <a:rPr kumimoji="1" lang="en-US" altLang="ja-JP"/>
-              <a:t>Google</a:t>
-            </a:r>
-            <a:r>
-              <a:rPr kumimoji="1" lang="ja-JP" altLang="en-US"/>
-              <a:t>が</a:t>
-            </a:r>
-            <a:r>
-              <a:rPr kumimoji="1" lang="en-US" altLang="ja-JP"/>
-              <a:t>SPDY(</a:t>
-            </a:r>
-            <a:r>
-              <a:rPr kumimoji="1" lang="ja-JP" altLang="en-US"/>
-              <a:t>スピーディー</a:t>
-            </a:r>
-            <a:r>
-              <a:rPr kumimoji="1" lang="en-US" altLang="ja-JP"/>
-              <a:t>)</a:t>
-            </a:r>
-            <a:r>
-              <a:rPr kumimoji="1" lang="ja-JP" altLang="en-US"/>
-              <a:t>を提案→</a:t>
-            </a:r>
-            <a:r>
-              <a:rPr kumimoji="1" lang="en-US" altLang="ja-JP"/>
-              <a:t>HTTP/2</a:t>
-            </a:r>
-            <a:r>
-              <a:rPr kumimoji="1" lang="ja-JP" altLang="en-US"/>
-              <a:t>に標準化</a:t>
+              <a:t>DNS</a:t>
+            </a:r>
+          </a:p>
+          <a:p>
+            <a:pPr lvl="2"/>
+            <a:r>
+              <a:rPr kumimoji="1" lang="ja-JP" altLang="en-US"/>
+              <a:t>ドメイン名</a:t>
+            </a:r>
+            <a:br>
+              <a:rPr lang="en-US" altLang="ja-JP"/>
+            </a:br>
+            <a:r>
+              <a:rPr kumimoji="1" lang="ja-JP" altLang="en-US"/>
+              <a:t>→</a:t>
+            </a:r>
+            <a:r>
+              <a:rPr kumimoji="1" lang="en-US" altLang="ja-JP"/>
+              <a:t>IP</a:t>
+            </a:r>
+            <a:r>
+              <a:rPr kumimoji="1" lang="ja-JP" altLang="en-US"/>
+              <a:t>アドレス</a:t>
             </a:r>
             <a:endParaRPr kumimoji="1" lang="en-US" altLang="ja-JP"/>
           </a:p>
           <a:p>
-            <a:r>
-              <a:rPr kumimoji="1" lang="ja-JP" altLang="en-US"/>
-              <a:t>特長</a:t>
+            <a:pPr lvl="1"/>
+            <a:r>
+              <a:rPr lang="en-US" altLang="ja-JP"/>
+              <a:t>ARP</a:t>
+            </a:r>
+          </a:p>
+          <a:p>
+            <a:pPr lvl="2"/>
+            <a:r>
+              <a:rPr kumimoji="1" lang="en-US" altLang="ja-JP"/>
+              <a:t>IP</a:t>
+            </a:r>
+            <a:r>
+              <a:rPr kumimoji="1" lang="ja-JP" altLang="en-US"/>
+              <a:t>アドレス</a:t>
+            </a:r>
+            <a:br>
+              <a:rPr kumimoji="1" lang="en-US" altLang="ja-JP"/>
+            </a:br>
+            <a:r>
+              <a:rPr kumimoji="1" lang="ja-JP" altLang="en-US"/>
+              <a:t>→</a:t>
+            </a:r>
+            <a:r>
+              <a:rPr kumimoji="1" lang="en-US" altLang="ja-JP"/>
+              <a:t>MAC</a:t>
+            </a:r>
+            <a:r>
+              <a:rPr kumimoji="1" lang="ja-JP" altLang="en-US"/>
+              <a:t>アドレス</a:t>
             </a:r>
             <a:endParaRPr kumimoji="1" lang="en-US" altLang="ja-JP"/>
           </a:p>
           <a:p>
             <a:pPr lvl="1"/>
-            <a:r>
-              <a:rPr kumimoji="1" lang="ja-JP" altLang="en-US"/>
-              <a:t>ストリーム</a:t>
-            </a:r>
-            <a:r>
-              <a:rPr kumimoji="1" lang="en-US" altLang="ja-JP"/>
-              <a:t>(</a:t>
-            </a:r>
-            <a:r>
-              <a:rPr kumimoji="1" lang="ja-JP" altLang="en-US"/>
-              <a:t>データ要求と受け取りの仕組み</a:t>
-            </a:r>
-            <a:r>
-              <a:rPr kumimoji="1" lang="en-US" altLang="ja-JP"/>
-              <a:t>) </a:t>
-            </a:r>
-            <a:r>
-              <a:rPr kumimoji="1" lang="ja-JP" altLang="en-US"/>
-              <a:t>の多重化</a:t>
-            </a:r>
-            <a:endParaRPr kumimoji="1" lang="en-US" altLang="ja-JP"/>
-          </a:p>
-          <a:p>
-            <a:pPr lvl="1"/>
-            <a:r>
-              <a:rPr kumimoji="1" lang="ja-JP" altLang="en-US"/>
-              <a:t>テキストベースからバイナリベースへ</a:t>
-            </a:r>
+            <a:endParaRPr kumimoji="1" lang="ja-JP" altLang="en-US"/>
           </a:p>
         </p:txBody>
       </p:sp>
@@ -2615,7 +2609,7 @@
           <p:cNvPr id="3" name="スライド番号プレースホルダー 2">
             <a:extLst>
               <a:ext uri="{FF2B5EF4-FFF2-40B4-BE49-F238E27FC236}">
-                <a16:creationId xmlns:a16="http://schemas.microsoft.com/office/drawing/2014/main" id="{FDE6556C-B909-4FBA-8951-0773695CF650}"/>
+                <a16:creationId xmlns:a16="http://schemas.microsoft.com/office/drawing/2014/main" id="{54844CE4-0606-4B4C-AD83-9B05FE04E1DC}"/>
               </a:ext>
             </a:extLst>
           </p:cNvPr>
@@ -2657,7 +2651,7 @@
           <p:cNvPr id="4" name="タイトル 3">
             <a:extLst>
               <a:ext uri="{FF2B5EF4-FFF2-40B4-BE49-F238E27FC236}">
-                <a16:creationId xmlns:a16="http://schemas.microsoft.com/office/drawing/2014/main" id="{091BDF3D-9260-4091-94C8-6EF7D11EB41F}"/>
+                <a16:creationId xmlns:a16="http://schemas.microsoft.com/office/drawing/2014/main" id="{AF76D7CD-E853-40BC-950F-5E67BB3489F9}"/>
               </a:ext>
             </a:extLst>
           </p:cNvPr>
@@ -2675,9 +2669,12 @@
           <a:p>
             <a:r>
               <a:rPr kumimoji="1" lang="en-US" altLang="ja-JP"/>
-              <a:t>HTTP/2</a:t>
-            </a:r>
-            <a:endParaRPr kumimoji="1" lang="ja-JP" altLang="en-US"/>
+              <a:t>LAN</a:t>
+            </a:r>
+            <a:r>
+              <a:rPr kumimoji="1" lang="ja-JP" altLang="en-US"/>
+              <a:t>からインターネットへ</a:t>
+            </a:r>
           </a:p>
         </p:txBody>
       </p:sp>
@@ -2686,7 +2683,7 @@
           <p:cNvPr id="6" name="図 5">
             <a:extLst>
               <a:ext uri="{FF2B5EF4-FFF2-40B4-BE49-F238E27FC236}">
-                <a16:creationId xmlns:a16="http://schemas.microsoft.com/office/drawing/2014/main" id="{CEAC0EA1-11A7-410A-88C4-0F9847C86D33}"/>
+                <a16:creationId xmlns:a16="http://schemas.microsoft.com/office/drawing/2014/main" id="{0B3990CB-52DF-456D-82A5-66ADDB3153AF}"/>
               </a:ext>
             </a:extLst>
           </p:cNvPr>
@@ -2709,8 +2706,8 @@
         </p:blipFill>
         <p:spPr>
           <a:xfrm>
-            <a:off x="1475656" y="3681024"/>
-            <a:ext cx="5760640" cy="3168351"/>
+            <a:off x="3203848" y="1720991"/>
+            <a:ext cx="5688632" cy="4566529"/>
           </a:xfrm>
           <a:prstGeom prst="rect">
             <a:avLst/>
@@ -2720,7 +2717,7 @@
     </p:spTree>
     <p:extLst>
       <p:ext uri="{BB962C8B-B14F-4D97-AF65-F5344CB8AC3E}">
-        <p14:creationId xmlns:p14="http://schemas.microsoft.com/office/powerpoint/2010/main" val="3482214171"/>
+        <p14:creationId xmlns:p14="http://schemas.microsoft.com/office/powerpoint/2010/main" val="3235654314"/>
       </p:ext>
     </p:extLst>
   </p:cSld>
@@ -2752,7 +2749,7 @@
           <p:cNvPr id="2" name="コンテンツ プレースホルダー 1">
             <a:extLst>
               <a:ext uri="{FF2B5EF4-FFF2-40B4-BE49-F238E27FC236}">
-                <a16:creationId xmlns:a16="http://schemas.microsoft.com/office/drawing/2014/main" id="{1F382A53-4E6B-4F4D-B6B4-87917EC07DD3}"/>
+                <a16:creationId xmlns:a16="http://schemas.microsoft.com/office/drawing/2014/main" id="{3809B6EA-0340-4A09-9C7A-67535D5CB6FB}"/>
               </a:ext>
             </a:extLst>
           </p:cNvPr>
@@ -2770,111 +2767,106 @@
           <a:p>
             <a:r>
               <a:rPr kumimoji="1" lang="en-US" altLang="ja-JP"/>
-              <a:t>TCP</a:t>
-            </a:r>
-            <a:r>
-              <a:rPr kumimoji="1" lang="ja-JP" altLang="en-US"/>
-              <a:t>の</a:t>
-            </a:r>
-            <a:r>
-              <a:rPr kumimoji="1" lang="en-US" altLang="ja-JP"/>
-              <a:t>3-way</a:t>
-            </a:r>
-            <a:r>
-              <a:rPr kumimoji="1" lang="ja-JP" altLang="en-US"/>
-              <a:t>ハンドェイク</a:t>
+              <a:t>HTTP/1.1 Web</a:t>
+            </a:r>
+            <a:r>
+              <a:rPr kumimoji="1" lang="ja-JP" altLang="en-US"/>
+              <a:t>ページを取得する標準プロトコル</a:t>
+            </a:r>
+            <a:r>
+              <a:rPr kumimoji="1" lang="en-US" altLang="ja-JP"/>
+              <a:t>(1997)</a:t>
+            </a:r>
+          </a:p>
+          <a:p>
+            <a:pPr lvl="1"/>
+            <a:r>
+              <a:rPr kumimoji="1" lang="ja-JP" altLang="en-US"/>
+              <a:t>高速通信には向かない</a:t>
             </a:r>
             <a:endParaRPr kumimoji="1" lang="en-US" altLang="ja-JP"/>
           </a:p>
           <a:p>
-            <a:endParaRPr lang="en-US" altLang="ja-JP"/>
-          </a:p>
-          <a:p>
+            <a:pPr lvl="1"/>
+            <a:r>
+              <a:rPr kumimoji="1" lang="en-US" altLang="ja-JP"/>
+              <a:t>2012</a:t>
+            </a:r>
+            <a:r>
+              <a:rPr kumimoji="1" lang="ja-JP" altLang="en-US"/>
+              <a:t>年</a:t>
+            </a:r>
+            <a:r>
+              <a:rPr kumimoji="1" lang="en-US" altLang="ja-JP"/>
+              <a:t>Google</a:t>
+            </a:r>
+            <a:r>
+              <a:rPr kumimoji="1" lang="ja-JP" altLang="en-US"/>
+              <a:t>が</a:t>
+            </a:r>
+            <a:r>
+              <a:rPr kumimoji="1" lang="en-US" altLang="ja-JP"/>
+              <a:t>SPDY(</a:t>
+            </a:r>
+            <a:r>
+              <a:rPr kumimoji="1" lang="ja-JP" altLang="en-US"/>
+              <a:t>スピーディー</a:t>
+            </a:r>
+            <a:r>
+              <a:rPr kumimoji="1" lang="en-US" altLang="ja-JP"/>
+              <a:t>)</a:t>
+            </a:r>
+            <a:r>
+              <a:rPr kumimoji="1" lang="ja-JP" altLang="en-US"/>
+              <a:t>を提案→</a:t>
+            </a:r>
+            <a:r>
+              <a:rPr kumimoji="1" lang="en-US" altLang="ja-JP"/>
+              <a:t>HTTP/2</a:t>
+            </a:r>
+            <a:r>
+              <a:rPr kumimoji="1" lang="ja-JP" altLang="en-US"/>
+              <a:t>に標準化</a:t>
+            </a:r>
             <a:endParaRPr kumimoji="1" lang="en-US" altLang="ja-JP"/>
           </a:p>
           <a:p>
-            <a:endParaRPr lang="en-US" altLang="ja-JP"/>
-          </a:p>
-          <a:p>
+            <a:r>
+              <a:rPr kumimoji="1" lang="ja-JP" altLang="en-US"/>
+              <a:t>特長</a:t>
+            </a:r>
             <a:endParaRPr kumimoji="1" lang="en-US" altLang="ja-JP"/>
           </a:p>
           <a:p>
             <a:pPr lvl="1"/>
-            <a:endParaRPr lang="en-US" altLang="ja-JP"/>
+            <a:r>
+              <a:rPr kumimoji="1" lang="ja-JP" altLang="en-US"/>
+              <a:t>ストリーム</a:t>
+            </a:r>
+            <a:r>
+              <a:rPr kumimoji="1" lang="en-US" altLang="ja-JP"/>
+              <a:t>(</a:t>
+            </a:r>
+            <a:r>
+              <a:rPr kumimoji="1" lang="ja-JP" altLang="en-US"/>
+              <a:t>データ要求と受け取りの仕組み</a:t>
+            </a:r>
+            <a:r>
+              <a:rPr kumimoji="1" lang="en-US" altLang="ja-JP"/>
+              <a:t>) </a:t>
+            </a:r>
+            <a:r>
+              <a:rPr kumimoji="1" lang="ja-JP" altLang="en-US"/>
+              <a:t>の多重化</a:t>
+            </a:r>
+            <a:endParaRPr kumimoji="1" lang="en-US" altLang="ja-JP"/>
           </a:p>
           <a:p>
             <a:pPr lvl="1"/>
             <a:r>
-              <a:rPr kumimoji="1" lang="en-US" altLang="ja-JP"/>
-              <a:t>TLS 1.3</a:t>
-            </a:r>
-            <a:r>
-              <a:rPr kumimoji="1" lang="ja-JP" altLang="en-US"/>
-              <a:t>は</a:t>
-            </a:r>
-            <a:r>
-              <a:rPr kumimoji="1" lang="en-US" altLang="ja-JP"/>
-              <a:t>TLS 1.2</a:t>
-            </a:r>
-            <a:r>
-              <a:rPr kumimoji="1" lang="ja-JP" altLang="en-US"/>
-              <a:t>から通信回数削減</a:t>
-            </a:r>
-            <a:endParaRPr kumimoji="1" lang="en-US" altLang="ja-JP"/>
-          </a:p>
-          <a:p>
-            <a:pPr lvl="2"/>
-            <a:r>
-              <a:rPr kumimoji="1" lang="en-US" altLang="ja-JP"/>
-              <a:t>but TCP</a:t>
-            </a:r>
-            <a:r>
-              <a:rPr kumimoji="1" lang="ja-JP" altLang="en-US"/>
-              <a:t>のハンドシェイクは変わらず</a:t>
-            </a:r>
-            <a:endParaRPr kumimoji="1" lang="en-US" altLang="ja-JP"/>
-          </a:p>
-          <a:p>
-            <a:r>
-              <a:rPr kumimoji="1" lang="en-US" altLang="ja-JP"/>
-              <a:t>HOL(Head-Of-Line blocking)</a:t>
-            </a:r>
-            <a:r>
-              <a:rPr kumimoji="1" lang="ja-JP" altLang="en-US"/>
-              <a:t>ブロッキング</a:t>
-            </a:r>
-            <a:endParaRPr kumimoji="1" lang="en-US" altLang="ja-JP"/>
-          </a:p>
-          <a:p>
-            <a:pPr lvl="1"/>
-            <a:r>
-              <a:rPr lang="en-US" altLang="ja-JP"/>
-              <a:t>HTTP/2</a:t>
-            </a:r>
-            <a:r>
-              <a:rPr lang="ja-JP" altLang="en-US"/>
-              <a:t>でストリームの多重化</a:t>
-            </a:r>
-            <a:endParaRPr lang="en-US" altLang="ja-JP"/>
-          </a:p>
-          <a:p>
-            <a:pPr lvl="1"/>
-            <a:r>
-              <a:rPr lang="en-US" altLang="ja-JP"/>
-              <a:t>but TCP</a:t>
-            </a:r>
-            <a:r>
-              <a:rPr lang="ja-JP" altLang="en-US"/>
-              <a:t>パケットの一部が欠損すると</a:t>
-            </a:r>
-            <a:br>
-              <a:rPr lang="en-US" altLang="ja-JP"/>
-            </a:br>
-            <a:r>
-              <a:rPr lang="ja-JP" altLang="en-US"/>
-              <a:t>再送されるまでストリーム全体が止まる</a:t>
-            </a:r>
-            <a:endParaRPr kumimoji="1" lang="ja-JP" altLang="en-US"/>
+              <a:rPr kumimoji="1" lang="ja-JP" altLang="en-US"/>
+              <a:t>テキストベースからバイナリベースへ</a:t>
+            </a:r>
           </a:p>
         </p:txBody>
       </p:sp>
@@ -2883,7 +2875,7 @@
           <p:cNvPr id="3" name="スライド番号プレースホルダー 2">
             <a:extLst>
               <a:ext uri="{FF2B5EF4-FFF2-40B4-BE49-F238E27FC236}">
-                <a16:creationId xmlns:a16="http://schemas.microsoft.com/office/drawing/2014/main" id="{54ECBBBD-AD04-42B3-A53F-5A794547AA4A}"/>
+                <a16:creationId xmlns:a16="http://schemas.microsoft.com/office/drawing/2014/main" id="{FDE6556C-B909-4FBA-8951-0773695CF650}"/>
               </a:ext>
             </a:extLst>
           </p:cNvPr>
@@ -2925,7 +2917,7 @@
           <p:cNvPr id="4" name="タイトル 3">
             <a:extLst>
               <a:ext uri="{FF2B5EF4-FFF2-40B4-BE49-F238E27FC236}">
-                <a16:creationId xmlns:a16="http://schemas.microsoft.com/office/drawing/2014/main" id="{0295F400-0AAB-4844-9DD5-81E0C519F7A6}"/>
+                <a16:creationId xmlns:a16="http://schemas.microsoft.com/office/drawing/2014/main" id="{091BDF3D-9260-4091-94C8-6EF7D11EB41F}"/>
               </a:ext>
             </a:extLst>
           </p:cNvPr>
@@ -2942,20 +2934,8 @@
           <a:lstStyle/>
           <a:p>
             <a:r>
-              <a:rPr lang="en-US" altLang="ja-JP"/>
-              <a:t>TCP</a:t>
-            </a:r>
-            <a:r>
-              <a:rPr lang="ja-JP" altLang="en-US"/>
-              <a:t>と</a:t>
-            </a:r>
-            <a:r>
-              <a:rPr lang="en-US" altLang="ja-JP"/>
-              <a:t>UDP</a:t>
-            </a:r>
-            <a:r>
-              <a:rPr lang="ja-JP" altLang="en-US"/>
-              <a:t>の接続が始まるまで</a:t>
+              <a:rPr kumimoji="1" lang="en-US" altLang="ja-JP"/>
+              <a:t>HTTP/2</a:t>
             </a:r>
             <a:endParaRPr kumimoji="1" lang="ja-JP" altLang="en-US"/>
           </a:p>
@@ -2966,7 +2946,7 @@
           <p:cNvPr id="6" name="図 5">
             <a:extLst>
               <a:ext uri="{FF2B5EF4-FFF2-40B4-BE49-F238E27FC236}">
-                <a16:creationId xmlns:a16="http://schemas.microsoft.com/office/drawing/2014/main" id="{2C70979B-6012-46C5-ADE0-1D2473E8D04A}"/>
+                <a16:creationId xmlns:a16="http://schemas.microsoft.com/office/drawing/2014/main" id="{CEAC0EA1-11A7-410A-88C4-0F9847C86D33}"/>
               </a:ext>
             </a:extLst>
           </p:cNvPr>
@@ -2989,8 +2969,8 @@
         </p:blipFill>
         <p:spPr>
           <a:xfrm>
-            <a:off x="1115615" y="1196752"/>
-            <a:ext cx="6105025" cy="2808312"/>
+            <a:off x="1475656" y="3681024"/>
+            <a:ext cx="5760640" cy="3168351"/>
           </a:xfrm>
           <a:prstGeom prst="rect">
             <a:avLst/>
@@ -3000,7 +2980,7 @@
     </p:spTree>
     <p:extLst>
       <p:ext uri="{BB962C8B-B14F-4D97-AF65-F5344CB8AC3E}">
-        <p14:creationId xmlns:p14="http://schemas.microsoft.com/office/powerpoint/2010/main" val="681690321"/>
+        <p14:creationId xmlns:p14="http://schemas.microsoft.com/office/powerpoint/2010/main" val="3482214171"/>
       </p:ext>
     </p:extLst>
   </p:cSld>
@@ -3032,7 +3012,7 @@
           <p:cNvPr id="2" name="コンテンツ プレースホルダー 1">
             <a:extLst>
               <a:ext uri="{FF2B5EF4-FFF2-40B4-BE49-F238E27FC236}">
-                <a16:creationId xmlns:a16="http://schemas.microsoft.com/office/drawing/2014/main" id="{8E922195-4483-4101-B52E-957CD6BBF033}"/>
+                <a16:creationId xmlns:a16="http://schemas.microsoft.com/office/drawing/2014/main" id="{1F382A53-4E6B-4F4D-B6B4-87917EC07DD3}"/>
               </a:ext>
             </a:extLst>
           </p:cNvPr>
@@ -3049,216 +3029,110 @@
           <a:lstStyle/>
           <a:p>
             <a:r>
-              <a:rPr kumimoji="1" lang="ja-JP" altLang="en-US"/>
-              <a:t>通信開始</a:t>
+              <a:rPr kumimoji="1" lang="en-US" altLang="ja-JP"/>
+              <a:t>TCP</a:t>
+            </a:r>
+            <a:r>
+              <a:rPr kumimoji="1" lang="ja-JP" altLang="en-US"/>
+              <a:t>の</a:t>
+            </a:r>
+            <a:r>
+              <a:rPr kumimoji="1" lang="en-US" altLang="ja-JP"/>
+              <a:t>3-way</a:t>
+            </a:r>
+            <a:r>
+              <a:rPr kumimoji="1" lang="ja-JP" altLang="en-US"/>
+              <a:t>ハンドェイク</a:t>
             </a:r>
             <a:endParaRPr kumimoji="1" lang="en-US" altLang="ja-JP"/>
           </a:p>
           <a:p>
+            <a:endParaRPr lang="en-US" altLang="ja-JP"/>
+          </a:p>
+          <a:p>
+            <a:endParaRPr kumimoji="1" lang="en-US" altLang="ja-JP"/>
+          </a:p>
+          <a:p>
+            <a:endParaRPr lang="en-US" altLang="ja-JP"/>
+          </a:p>
+          <a:p>
+            <a:endParaRPr kumimoji="1" lang="en-US" altLang="ja-JP"/>
+          </a:p>
+          <a:p>
             <a:pPr lvl="1"/>
-            <a:r>
-              <a:rPr kumimoji="1" lang="en-US" altLang="ja-JP"/>
-              <a:t>TCP</a:t>
-            </a:r>
-            <a:r>
-              <a:rPr kumimoji="1" lang="ja-JP" altLang="en-US"/>
-              <a:t>における</a:t>
-            </a:r>
-            <a:r>
-              <a:rPr kumimoji="1" lang="en-US" altLang="ja-JP"/>
-              <a:t>3-way</a:t>
-            </a:r>
-            <a:r>
-              <a:rPr kumimoji="1" lang="ja-JP" altLang="en-US"/>
-              <a:t>ハンドシェイクと</a:t>
-            </a:r>
-            <a:r>
-              <a:rPr kumimoji="1" lang="en-US" altLang="ja-JP"/>
-              <a:t>TLS</a:t>
-            </a:r>
-            <a:r>
-              <a:rPr kumimoji="1" lang="ja-JP" altLang="en-US"/>
-              <a:t>の</a:t>
-            </a:r>
-            <a:r>
-              <a:rPr kumimoji="1" lang="en-US" altLang="ja-JP"/>
-              <a:t>Client/ServerHello</a:t>
-            </a:r>
-          </a:p>
-          <a:p>
-            <a:r>
-              <a:rPr kumimoji="1" lang="ja-JP" altLang="en-US"/>
-              <a:t>信頼性</a:t>
+            <a:endParaRPr lang="en-US" altLang="ja-JP"/>
+          </a:p>
+          <a:p>
+            <a:pPr lvl="1"/>
+            <a:r>
+              <a:rPr kumimoji="1" lang="en-US" altLang="ja-JP"/>
+              <a:t>TLS 1.3</a:t>
+            </a:r>
+            <a:r>
+              <a:rPr kumimoji="1" lang="ja-JP" altLang="en-US"/>
+              <a:t>は</a:t>
+            </a:r>
+            <a:r>
+              <a:rPr kumimoji="1" lang="en-US" altLang="ja-JP"/>
+              <a:t>TLS 1.2</a:t>
+            </a:r>
+            <a:r>
+              <a:rPr kumimoji="1" lang="ja-JP" altLang="en-US"/>
+              <a:t>から通信回数削減</a:t>
             </a:r>
             <a:endParaRPr kumimoji="1" lang="en-US" altLang="ja-JP"/>
           </a:p>
           <a:p>
+            <a:pPr lvl="2"/>
+            <a:r>
+              <a:rPr kumimoji="1" lang="en-US" altLang="ja-JP"/>
+              <a:t>but TCP</a:t>
+            </a:r>
+            <a:r>
+              <a:rPr kumimoji="1" lang="ja-JP" altLang="en-US"/>
+              <a:t>のハンドシェイクは変わらず</a:t>
+            </a:r>
+            <a:endParaRPr kumimoji="1" lang="en-US" altLang="ja-JP"/>
+          </a:p>
+          <a:p>
+            <a:r>
+              <a:rPr kumimoji="1" lang="en-US" altLang="ja-JP"/>
+              <a:t>HOL(Head-Of-Line blocking)</a:t>
+            </a:r>
+            <a:r>
+              <a:rPr kumimoji="1" lang="ja-JP" altLang="en-US"/>
+              <a:t>ブロッキング</a:t>
+            </a:r>
+            <a:endParaRPr kumimoji="1" lang="en-US" altLang="ja-JP"/>
+          </a:p>
+          <a:p>
             <a:pPr lvl="1"/>
             <a:r>
               <a:rPr lang="en-US" altLang="ja-JP"/>
-              <a:t>TCP</a:t>
+              <a:t>HTTP/2</a:t>
             </a:r>
             <a:r>
               <a:rPr lang="ja-JP" altLang="en-US"/>
-              <a:t>のチェックサムと</a:t>
-            </a:r>
-            <a:r>
-              <a:rPr kumimoji="1" lang="en-US" altLang="ja-JP"/>
-              <a:t>TLS</a:t>
-            </a:r>
-            <a:r>
-              <a:rPr kumimoji="1" lang="ja-JP" altLang="en-US"/>
-              <a:t>の</a:t>
-            </a:r>
-            <a:r>
-              <a:rPr kumimoji="1" lang="en-US" altLang="ja-JP"/>
-              <a:t>AEAD</a:t>
-            </a:r>
-          </a:p>
-          <a:p>
-            <a:r>
-              <a:rPr lang="en-US" altLang="ja-JP"/>
-              <a:t>QUIC ; </a:t>
-            </a:r>
-            <a:r>
-              <a:rPr kumimoji="1" lang="en-US" altLang="ja-JP"/>
-              <a:t>2012</a:t>
-            </a:r>
-            <a:r>
-              <a:rPr kumimoji="1" lang="ja-JP" altLang="en-US"/>
-              <a:t>頃から</a:t>
-            </a:r>
-            <a:r>
-              <a:rPr kumimoji="1" lang="en-US" altLang="ja-JP"/>
-              <a:t>Google</a:t>
-            </a:r>
-            <a:r>
-              <a:rPr kumimoji="1" lang="ja-JP" altLang="en-US"/>
-              <a:t>が提唱</a:t>
-            </a:r>
-            <a:endParaRPr kumimoji="1" lang="en-US" altLang="ja-JP"/>
+              <a:t>でストリームの多重化</a:t>
+            </a:r>
+            <a:endParaRPr lang="en-US" altLang="ja-JP"/>
           </a:p>
           <a:p>
             <a:pPr lvl="1"/>
             <a:r>
               <a:rPr lang="en-US" altLang="ja-JP"/>
-              <a:t>TCP</a:t>
+              <a:t>but TCP</a:t>
             </a:r>
             <a:r>
               <a:rPr lang="ja-JP" altLang="en-US"/>
-              <a:t>ベースから</a:t>
-            </a:r>
-            <a:r>
-              <a:rPr lang="en-US" altLang="ja-JP"/>
-              <a:t>UDP</a:t>
-            </a:r>
+              <a:t>パケットの一部が欠損すると</a:t>
+            </a:r>
+            <a:br>
+              <a:rPr lang="en-US" altLang="ja-JP"/>
+            </a:br>
             <a:r>
               <a:rPr lang="ja-JP" altLang="en-US"/>
-              <a:t>ベースへ</a:t>
-            </a:r>
-            <a:endParaRPr lang="en-US" altLang="ja-JP"/>
-          </a:p>
-          <a:p>
-            <a:pPr lvl="2"/>
-            <a:r>
-              <a:rPr kumimoji="1" lang="ja-JP" altLang="en-US"/>
-              <a:t>データ欠損などは</a:t>
-            </a:r>
-            <a:r>
-              <a:rPr kumimoji="1" lang="en-US" altLang="ja-JP"/>
-              <a:t>QUIC</a:t>
-            </a:r>
-            <a:r>
-              <a:rPr kumimoji="1" lang="ja-JP" altLang="en-US"/>
-              <a:t>のレイヤで保証</a:t>
-            </a:r>
-            <a:endParaRPr kumimoji="1" lang="en-US" altLang="ja-JP"/>
-          </a:p>
-          <a:p>
-            <a:pPr lvl="1"/>
-            <a:r>
-              <a:rPr kumimoji="1" lang="ja-JP" altLang="en-US"/>
-              <a:t>コネクションを</a:t>
-            </a:r>
-            <a:r>
-              <a:rPr kumimoji="1" lang="en-US" altLang="ja-JP"/>
-              <a:t>Connection ID</a:t>
-            </a:r>
-            <a:r>
-              <a:rPr kumimoji="1" lang="ja-JP" altLang="en-US"/>
-              <a:t>と呼ばれる識別子で管理</a:t>
-            </a:r>
-            <a:endParaRPr kumimoji="1" lang="en-US" altLang="ja-JP"/>
-          </a:p>
-          <a:p>
-            <a:pPr lvl="2"/>
-            <a:r>
-              <a:rPr kumimoji="1" lang="ja-JP" altLang="en-US"/>
-              <a:t>複数のストリームを持つ・ストリームごとに独立</a:t>
-            </a:r>
-            <a:endParaRPr kumimoji="1" lang="en-US" altLang="ja-JP"/>
-          </a:p>
-          <a:p>
-            <a:pPr lvl="1"/>
-            <a:r>
-              <a:rPr kumimoji="1" lang="ja-JP" altLang="en-US"/>
-              <a:t>コネクションマイグレーション</a:t>
-            </a:r>
-            <a:endParaRPr kumimoji="1" lang="en-US" altLang="ja-JP"/>
-          </a:p>
-          <a:p>
-            <a:pPr lvl="2"/>
-            <a:r>
-              <a:rPr kumimoji="1" lang="en-US" altLang="ja-JP"/>
-              <a:t>IP</a:t>
-            </a:r>
-            <a:r>
-              <a:rPr kumimoji="1" lang="ja-JP" altLang="en-US"/>
-              <a:t>アドレスが変わってもハンドシェイクのやり直しが不要</a:t>
-            </a:r>
-            <a:endParaRPr kumimoji="1" lang="en-US" altLang="ja-JP"/>
-          </a:p>
-          <a:p>
-            <a:pPr lvl="1"/>
-            <a:r>
-              <a:rPr kumimoji="1" lang="ja-JP" altLang="en-US"/>
-              <a:t>ユーザアプリケーション</a:t>
-            </a:r>
-            <a:r>
-              <a:rPr kumimoji="1" lang="en-US" altLang="ja-JP"/>
-              <a:t>(</a:t>
-            </a:r>
-            <a:r>
-              <a:rPr kumimoji="1" lang="ja-JP" altLang="en-US"/>
-              <a:t>ライブラリ</a:t>
-            </a:r>
-            <a:r>
-              <a:rPr kumimoji="1" lang="en-US" altLang="ja-JP"/>
-              <a:t>)</a:t>
-            </a:r>
-            <a:r>
-              <a:rPr kumimoji="1" lang="ja-JP" altLang="en-US"/>
-              <a:t>で改良</a:t>
-            </a:r>
-            <a:endParaRPr kumimoji="1" lang="en-US" altLang="ja-JP"/>
-          </a:p>
-          <a:p>
-            <a:pPr lvl="2"/>
-            <a:r>
-              <a:rPr lang="en-US" altLang="ja-JP"/>
-              <a:t>TCP</a:t>
-            </a:r>
-            <a:r>
-              <a:rPr lang="ja-JP" altLang="en-US"/>
-              <a:t>は</a:t>
-            </a:r>
-            <a:r>
-              <a:rPr lang="en-US" altLang="ja-JP"/>
-              <a:t>OS</a:t>
-            </a:r>
-            <a:r>
-              <a:rPr lang="ja-JP" altLang="en-US"/>
-              <a:t>の仕事だったので改良・実験しづらい</a:t>
+              <a:t>再送されるまでストリーム全体が止まる</a:t>
             </a:r>
             <a:endParaRPr kumimoji="1" lang="ja-JP" altLang="en-US"/>
           </a:p>
@@ -3269,7 +3143,7 @@
           <p:cNvPr id="3" name="スライド番号プレースホルダー 2">
             <a:extLst>
               <a:ext uri="{FF2B5EF4-FFF2-40B4-BE49-F238E27FC236}">
-                <a16:creationId xmlns:a16="http://schemas.microsoft.com/office/drawing/2014/main" id="{44BDDE7B-2929-4B4F-BB57-51FEE1C9A22E}"/>
+                <a16:creationId xmlns:a16="http://schemas.microsoft.com/office/drawing/2014/main" id="{54ECBBBD-AD04-42B3-A53F-5A794547AA4A}"/>
               </a:ext>
             </a:extLst>
           </p:cNvPr>
@@ -3311,7 +3185,7 @@
           <p:cNvPr id="4" name="タイトル 3">
             <a:extLst>
               <a:ext uri="{FF2B5EF4-FFF2-40B4-BE49-F238E27FC236}">
-                <a16:creationId xmlns:a16="http://schemas.microsoft.com/office/drawing/2014/main" id="{CF805071-9851-44F9-A40F-4905669F99F4}"/>
+                <a16:creationId xmlns:a16="http://schemas.microsoft.com/office/drawing/2014/main" id="{0295F400-0AAB-4844-9DD5-81E0C519F7A6}"/>
               </a:ext>
             </a:extLst>
           </p:cNvPr>
@@ -3328,21 +3202,65 @@
           <a:lstStyle/>
           <a:p>
             <a:r>
-              <a:rPr kumimoji="1" lang="ja-JP" altLang="en-US"/>
-              <a:t>冗長性を排除した</a:t>
-            </a:r>
-            <a:r>
-              <a:rPr kumimoji="1" lang="en-US" altLang="ja-JP"/>
-              <a:t>QUIC</a:t>
+              <a:rPr lang="en-US" altLang="ja-JP"/>
+              <a:t>TCP</a:t>
+            </a:r>
+            <a:r>
+              <a:rPr lang="ja-JP" altLang="en-US"/>
+              <a:t>と</a:t>
+            </a:r>
+            <a:r>
+              <a:rPr lang="en-US" altLang="ja-JP"/>
+              <a:t>UDP</a:t>
+            </a:r>
+            <a:r>
+              <a:rPr lang="ja-JP" altLang="en-US"/>
+              <a:t>の接続が始まるまで</a:t>
             </a:r>
             <a:endParaRPr kumimoji="1" lang="ja-JP" altLang="en-US"/>
           </a:p>
         </p:txBody>
       </p:sp>
+      <p:pic>
+        <p:nvPicPr>
+          <p:cNvPr id="6" name="図 5">
+            <a:extLst>
+              <a:ext uri="{FF2B5EF4-FFF2-40B4-BE49-F238E27FC236}">
+                <a16:creationId xmlns:a16="http://schemas.microsoft.com/office/drawing/2014/main" id="{2C70979B-6012-46C5-ADE0-1D2473E8D04A}"/>
+              </a:ext>
+            </a:extLst>
+          </p:cNvPr>
+          <p:cNvPicPr>
+            <a:picLocks noChangeAspect="1"/>
+          </p:cNvPicPr>
+          <p:nvPr/>
+        </p:nvPicPr>
+        <p:blipFill>
+          <a:blip r:embed="rId2">
+            <a:extLst>
+              <a:ext uri="{28A0092B-C50C-407E-A947-70E740481C1C}">
+                <a14:useLocalDpi xmlns:a14="http://schemas.microsoft.com/office/drawing/2010/main" val="0"/>
+              </a:ext>
+            </a:extLst>
+          </a:blip>
+          <a:stretch>
+            <a:fillRect/>
+          </a:stretch>
+        </p:blipFill>
+        <p:spPr>
+          <a:xfrm>
+            <a:off x="1115615" y="1196752"/>
+            <a:ext cx="6105025" cy="2808312"/>
+          </a:xfrm>
+          <a:prstGeom prst="rect">
+            <a:avLst/>
+          </a:prstGeom>
+        </p:spPr>
+      </p:pic>
     </p:spTree>
     <p:extLst>
       <p:ext uri="{BB962C8B-B14F-4D97-AF65-F5344CB8AC3E}">
-        <p14:creationId xmlns:p14="http://schemas.microsoft.com/office/powerpoint/2010/main" val="721074080"/>
+        <p14:creationId xmlns:p14="http://schemas.microsoft.com/office/powerpoint/2010/main" val="681690321"/>
       </p:ext>
     </p:extLst>
   </p:cSld>
@@ -3374,7 +3292,7 @@
           <p:cNvPr id="2" name="コンテンツ プレースホルダー 1">
             <a:extLst>
               <a:ext uri="{FF2B5EF4-FFF2-40B4-BE49-F238E27FC236}">
-                <a16:creationId xmlns:a16="http://schemas.microsoft.com/office/drawing/2014/main" id="{BAF9B325-EBC6-4F93-9F82-8961F2E4B288}"/>
+                <a16:creationId xmlns:a16="http://schemas.microsoft.com/office/drawing/2014/main" id="{8E922195-4483-4101-B52E-957CD6BBF033}"/>
               </a:ext>
             </a:extLst>
           </p:cNvPr>
@@ -3391,126 +3309,216 @@
           <a:lstStyle/>
           <a:p>
             <a:r>
+              <a:rPr kumimoji="1" lang="ja-JP" altLang="en-US"/>
+              <a:t>通信開始</a:t>
+            </a:r>
+            <a:endParaRPr kumimoji="1" lang="en-US" altLang="ja-JP"/>
+          </a:p>
+          <a:p>
+            <a:pPr lvl="1"/>
+            <a:r>
+              <a:rPr kumimoji="1" lang="en-US" altLang="ja-JP"/>
+              <a:t>TCP</a:t>
+            </a:r>
+            <a:r>
+              <a:rPr kumimoji="1" lang="ja-JP" altLang="en-US"/>
+              <a:t>における</a:t>
+            </a:r>
+            <a:r>
+              <a:rPr kumimoji="1" lang="en-US" altLang="ja-JP"/>
+              <a:t>3-way</a:t>
+            </a:r>
+            <a:r>
+              <a:rPr kumimoji="1" lang="ja-JP" altLang="en-US"/>
+              <a:t>ハンドシェイクと</a:t>
+            </a:r>
+            <a:r>
+              <a:rPr kumimoji="1" lang="en-US" altLang="ja-JP"/>
+              <a:t>TLS</a:t>
+            </a:r>
+            <a:r>
+              <a:rPr kumimoji="1" lang="ja-JP" altLang="en-US"/>
+              <a:t>の</a:t>
+            </a:r>
+            <a:r>
+              <a:rPr kumimoji="1" lang="en-US" altLang="ja-JP"/>
+              <a:t>Client/ServerHello</a:t>
+            </a:r>
+          </a:p>
+          <a:p>
+            <a:r>
+              <a:rPr kumimoji="1" lang="ja-JP" altLang="en-US"/>
+              <a:t>信頼性</a:t>
+            </a:r>
+            <a:endParaRPr kumimoji="1" lang="en-US" altLang="ja-JP"/>
+          </a:p>
+          <a:p>
+            <a:pPr lvl="1"/>
+            <a:r>
+              <a:rPr lang="en-US" altLang="ja-JP"/>
+              <a:t>TCP</a:t>
+            </a:r>
+            <a:r>
+              <a:rPr lang="ja-JP" altLang="en-US"/>
+              <a:t>のチェックサムと</a:t>
+            </a:r>
+            <a:r>
+              <a:rPr kumimoji="1" lang="en-US" altLang="ja-JP"/>
+              <a:t>TLS</a:t>
+            </a:r>
+            <a:r>
+              <a:rPr kumimoji="1" lang="ja-JP" altLang="en-US"/>
+              <a:t>の</a:t>
+            </a:r>
+            <a:r>
+              <a:rPr kumimoji="1" lang="en-US" altLang="ja-JP"/>
+              <a:t>AEAD</a:t>
+            </a:r>
+          </a:p>
+          <a:p>
+            <a:r>
+              <a:rPr lang="en-US" altLang="ja-JP"/>
+              <a:t>QUIC ; </a:t>
+            </a:r>
+            <a:r>
+              <a:rPr kumimoji="1" lang="en-US" altLang="ja-JP"/>
+              <a:t>2012</a:t>
+            </a:r>
+            <a:r>
+              <a:rPr kumimoji="1" lang="ja-JP" altLang="en-US"/>
+              <a:t>頃から</a:t>
+            </a:r>
+            <a:r>
+              <a:rPr kumimoji="1" lang="en-US" altLang="ja-JP"/>
+              <a:t>Google</a:t>
+            </a:r>
+            <a:r>
+              <a:rPr kumimoji="1" lang="ja-JP" altLang="en-US"/>
+              <a:t>が提唱</a:t>
+            </a:r>
+            <a:endParaRPr kumimoji="1" lang="en-US" altLang="ja-JP"/>
+          </a:p>
+          <a:p>
+            <a:pPr lvl="1"/>
+            <a:r>
+              <a:rPr lang="en-US" altLang="ja-JP"/>
+              <a:t>TCP</a:t>
+            </a:r>
+            <a:r>
+              <a:rPr lang="ja-JP" altLang="en-US"/>
+              <a:t>ベースから</a:t>
+            </a:r>
+            <a:r>
+              <a:rPr lang="en-US" altLang="ja-JP"/>
+              <a:t>UDP</a:t>
+            </a:r>
+            <a:r>
+              <a:rPr lang="ja-JP" altLang="en-US"/>
+              <a:t>ベースへ</a:t>
+            </a:r>
+            <a:endParaRPr lang="en-US" altLang="ja-JP"/>
+          </a:p>
+          <a:p>
+            <a:pPr lvl="2"/>
+            <a:r>
+              <a:rPr kumimoji="1" lang="ja-JP" altLang="en-US"/>
+              <a:t>データ欠損などは</a:t>
+            </a:r>
+            <a:r>
               <a:rPr kumimoji="1" lang="en-US" altLang="ja-JP"/>
               <a:t>QUIC</a:t>
             </a:r>
             <a:r>
               <a:rPr kumimoji="1" lang="ja-JP" altLang="en-US"/>
-              <a:t>の標準化</a:t>
-            </a:r>
-            <a:r>
-              <a:rPr kumimoji="1" lang="en-US" altLang="ja-JP"/>
-              <a:t>(2018)</a:t>
-            </a:r>
+              <a:t>のレイヤで保証</a:t>
+            </a:r>
+            <a:endParaRPr kumimoji="1" lang="en-US" altLang="ja-JP"/>
           </a:p>
           <a:p>
             <a:pPr lvl="1"/>
             <a:r>
-              <a:rPr lang="en-US" altLang="ja-JP"/>
-              <a:t>HTTP/2</a:t>
+              <a:rPr kumimoji="1" lang="ja-JP" altLang="en-US"/>
+              <a:t>コネクションを</a:t>
+            </a:r>
+            <a:r>
+              <a:rPr kumimoji="1" lang="en-US" altLang="ja-JP"/>
+              <a:t>Connection ID</a:t>
+            </a:r>
+            <a:r>
+              <a:rPr kumimoji="1" lang="ja-JP" altLang="en-US"/>
+              <a:t>と呼ばれる識別子で管理</a:t>
+            </a:r>
+            <a:endParaRPr kumimoji="1" lang="en-US" altLang="ja-JP"/>
+          </a:p>
+          <a:p>
+            <a:pPr lvl="2"/>
+            <a:r>
+              <a:rPr kumimoji="1" lang="ja-JP" altLang="en-US"/>
+              <a:t>複数のストリームを持つ・ストリームごとに独立</a:t>
+            </a:r>
+            <a:endParaRPr kumimoji="1" lang="en-US" altLang="ja-JP"/>
+          </a:p>
+          <a:p>
+            <a:pPr lvl="1"/>
+            <a:r>
+              <a:rPr kumimoji="1" lang="ja-JP" altLang="en-US"/>
+              <a:t>コネクションマイグレーション</a:t>
+            </a:r>
+            <a:endParaRPr kumimoji="1" lang="en-US" altLang="ja-JP"/>
+          </a:p>
+          <a:p>
+            <a:pPr lvl="2"/>
+            <a:r>
+              <a:rPr kumimoji="1" lang="en-US" altLang="ja-JP"/>
+              <a:t>IP</a:t>
+            </a:r>
+            <a:r>
+              <a:rPr kumimoji="1" lang="ja-JP" altLang="en-US"/>
+              <a:t>アドレスが変わってもハンドシェイクのやり直しが不要</a:t>
+            </a:r>
+            <a:endParaRPr kumimoji="1" lang="en-US" altLang="ja-JP"/>
+          </a:p>
+          <a:p>
+            <a:pPr lvl="1"/>
+            <a:r>
+              <a:rPr kumimoji="1" lang="ja-JP" altLang="en-US"/>
+              <a:t>ユーザアプリケーション</a:t>
+            </a:r>
+            <a:r>
+              <a:rPr kumimoji="1" lang="en-US" altLang="ja-JP"/>
+              <a:t>(</a:t>
+            </a:r>
+            <a:r>
+              <a:rPr kumimoji="1" lang="ja-JP" altLang="en-US"/>
+              <a:t>ライブラリ</a:t>
+            </a:r>
+            <a:r>
+              <a:rPr kumimoji="1" lang="en-US" altLang="ja-JP"/>
+              <a:t>)</a:t>
+            </a:r>
+            <a:r>
+              <a:rPr kumimoji="1" lang="ja-JP" altLang="en-US"/>
+              <a:t>で改良</a:t>
+            </a:r>
+            <a:endParaRPr kumimoji="1" lang="en-US" altLang="ja-JP"/>
+          </a:p>
+          <a:p>
+            <a:pPr lvl="2"/>
+            <a:r>
+              <a:rPr lang="en-US" altLang="ja-JP"/>
+              <a:t>TCP</a:t>
             </a:r>
             <a:r>
               <a:rPr lang="ja-JP" altLang="en-US"/>
-              <a:t>ベースに</a:t>
-            </a:r>
-            <a:r>
-              <a:rPr lang="en-US" altLang="ja-JP"/>
-              <a:t>TLS 1.3</a:t>
+              <a:t>は</a:t>
+            </a:r>
+            <a:r>
+              <a:rPr lang="en-US" altLang="ja-JP"/>
+              <a:t>OS</a:t>
             </a:r>
             <a:r>
               <a:rPr lang="ja-JP" altLang="en-US"/>
-              <a:t>で秘匿性と完全性を担保</a:t>
-            </a:r>
-            <a:endParaRPr lang="en-US" altLang="ja-JP"/>
-          </a:p>
-          <a:p>
-            <a:pPr lvl="1"/>
-            <a:r>
-              <a:rPr kumimoji="1" lang="en-US" altLang="ja-JP"/>
-              <a:t>TCP</a:t>
-            </a:r>
-            <a:r>
-              <a:rPr kumimoji="1" lang="ja-JP" altLang="en-US"/>
-              <a:t>から</a:t>
-            </a:r>
-            <a:r>
-              <a:rPr kumimoji="1" lang="en-US" altLang="ja-JP"/>
-              <a:t>UDP(443)</a:t>
-            </a:r>
-            <a:r>
-              <a:rPr kumimoji="1" lang="ja-JP" altLang="en-US"/>
-              <a:t>へ変更することにより通信の高速化</a:t>
-            </a:r>
-            <a:endParaRPr kumimoji="1" lang="en-US" altLang="ja-JP"/>
-          </a:p>
-          <a:p>
-            <a:r>
-              <a:rPr lang="en-US" altLang="ja-JP"/>
-              <a:t>QUIC</a:t>
-            </a:r>
-            <a:r>
-              <a:rPr lang="ja-JP" altLang="en-US"/>
-              <a:t>と</a:t>
-            </a:r>
-            <a:r>
-              <a:rPr lang="en-US" altLang="ja-JP"/>
-              <a:t>TLS</a:t>
-            </a:r>
-            <a:r>
-              <a:rPr lang="ja-JP" altLang="en-US"/>
-              <a:t>の役割分担</a:t>
-            </a:r>
-            <a:endParaRPr lang="en-US" altLang="ja-JP"/>
-          </a:p>
-          <a:p>
-            <a:pPr lvl="1"/>
-            <a:r>
-              <a:rPr lang="en-US" altLang="ja-JP"/>
-              <a:t>TLS</a:t>
-            </a:r>
-            <a:r>
-              <a:rPr lang="ja-JP" altLang="en-US"/>
-              <a:t>と</a:t>
-            </a:r>
-            <a:r>
-              <a:rPr lang="en-US" altLang="ja-JP"/>
-              <a:t>QUIC</a:t>
-            </a:r>
-            <a:r>
-              <a:rPr lang="ja-JP" altLang="en-US"/>
-              <a:t>の両方で暗号機能が重複</a:t>
-            </a:r>
-            <a:endParaRPr kumimoji="1" lang="en-US" altLang="ja-JP"/>
-          </a:p>
-          <a:p>
-            <a:pPr lvl="1"/>
-            <a:r>
-              <a:rPr kumimoji="1" lang="en-US" altLang="ja-JP"/>
-              <a:t>TLS</a:t>
-            </a:r>
-            <a:r>
-              <a:rPr kumimoji="1" lang="ja-JP" altLang="en-US"/>
-              <a:t>が鍵を交換し認証するハンドシェイクに専念</a:t>
-            </a:r>
-            <a:endParaRPr kumimoji="1" lang="en-US" altLang="ja-JP"/>
-          </a:p>
-          <a:p>
-            <a:pPr lvl="1"/>
-            <a:r>
-              <a:rPr lang="en-US" altLang="ja-JP"/>
-              <a:t>QUIC</a:t>
-            </a:r>
-            <a:r>
-              <a:rPr lang="ja-JP" altLang="en-US"/>
-              <a:t>が</a:t>
-            </a:r>
-            <a:r>
-              <a:rPr lang="en-US" altLang="ja-JP"/>
-              <a:t>TLS</a:t>
-            </a:r>
-            <a:r>
-              <a:rPr lang="ja-JP" altLang="en-US"/>
-              <a:t>の暗号化機能を利用</a:t>
+              <a:t>の仕事だったので改良・実験しづらい</a:t>
             </a:r>
             <a:endParaRPr kumimoji="1" lang="ja-JP" altLang="en-US"/>
           </a:p>
@@ -3521,7 +3529,7 @@
           <p:cNvPr id="3" name="スライド番号プレースホルダー 2">
             <a:extLst>
               <a:ext uri="{FF2B5EF4-FFF2-40B4-BE49-F238E27FC236}">
-                <a16:creationId xmlns:a16="http://schemas.microsoft.com/office/drawing/2014/main" id="{B0CEB7B3-03FB-4D67-9358-9EC9ED9EB72B}"/>
+                <a16:creationId xmlns:a16="http://schemas.microsoft.com/office/drawing/2014/main" id="{44BDDE7B-2929-4B4F-BB57-51FEE1C9A22E}"/>
               </a:ext>
             </a:extLst>
           </p:cNvPr>
@@ -3550,6 +3558,258 @@
                 <a:defRPr/>
               </a:pPr>
               <a:t>13</a:t>
+            </a:fld>
+            <a:r>
+              <a:rPr lang="en-US" altLang="ja-JP"/>
+              <a:t> / 24</a:t>
+            </a:r>
+          </a:p>
+        </p:txBody>
+      </p:sp>
+      <p:sp>
+        <p:nvSpPr>
+          <p:cNvPr id="4" name="タイトル 3">
+            <a:extLst>
+              <a:ext uri="{FF2B5EF4-FFF2-40B4-BE49-F238E27FC236}">
+                <a16:creationId xmlns:a16="http://schemas.microsoft.com/office/drawing/2014/main" id="{CF805071-9851-44F9-A40F-4905669F99F4}"/>
+              </a:ext>
+            </a:extLst>
+          </p:cNvPr>
+          <p:cNvSpPr>
+            <a:spLocks noGrp="1"/>
+          </p:cNvSpPr>
+          <p:nvPr>
+            <p:ph type="title"/>
+          </p:nvPr>
+        </p:nvSpPr>
+        <p:spPr/>
+        <p:txBody>
+          <a:bodyPr/>
+          <a:lstStyle/>
+          <a:p>
+            <a:r>
+              <a:rPr kumimoji="1" lang="ja-JP" altLang="en-US"/>
+              <a:t>冗長性を排除した</a:t>
+            </a:r>
+            <a:r>
+              <a:rPr kumimoji="1" lang="en-US" altLang="ja-JP"/>
+              <a:t>QUIC</a:t>
+            </a:r>
+            <a:endParaRPr kumimoji="1" lang="ja-JP" altLang="en-US"/>
+          </a:p>
+        </p:txBody>
+      </p:sp>
+    </p:spTree>
+    <p:extLst>
+      <p:ext uri="{BB962C8B-B14F-4D97-AF65-F5344CB8AC3E}">
+        <p14:creationId xmlns:p14="http://schemas.microsoft.com/office/powerpoint/2010/main" val="721074080"/>
+      </p:ext>
+    </p:extLst>
+  </p:cSld>
+  <p:clrMapOvr>
+    <a:masterClrMapping/>
+  </p:clrMapOvr>
+</p:sld>
+</file>
+
+<file path=ppt/slides/slide14.xml><?xml version="1.0" encoding="utf-8"?>
+<p:sld xmlns:a="http://schemas.openxmlformats.org/drawingml/2006/main" xmlns:r="http://schemas.openxmlformats.org/officeDocument/2006/relationships" xmlns:p="http://schemas.openxmlformats.org/presentationml/2006/main">
+  <p:cSld>
+    <p:spTree>
+      <p:nvGrpSpPr>
+        <p:cNvPr id="1" name=""/>
+        <p:cNvGrpSpPr/>
+        <p:nvPr/>
+      </p:nvGrpSpPr>
+      <p:grpSpPr>
+        <a:xfrm>
+          <a:off x="0" y="0"/>
+          <a:ext cx="0" cy="0"/>
+          <a:chOff x="0" y="0"/>
+          <a:chExt cx="0" cy="0"/>
+        </a:xfrm>
+      </p:grpSpPr>
+      <p:sp>
+        <p:nvSpPr>
+          <p:cNvPr id="2" name="コンテンツ プレースホルダー 1">
+            <a:extLst>
+              <a:ext uri="{FF2B5EF4-FFF2-40B4-BE49-F238E27FC236}">
+                <a16:creationId xmlns:a16="http://schemas.microsoft.com/office/drawing/2014/main" id="{BAF9B325-EBC6-4F93-9F82-8961F2E4B288}"/>
+              </a:ext>
+            </a:extLst>
+          </p:cNvPr>
+          <p:cNvSpPr>
+            <a:spLocks noGrp="1"/>
+          </p:cNvSpPr>
+          <p:nvPr>
+            <p:ph idx="1"/>
+          </p:nvPr>
+        </p:nvSpPr>
+        <p:spPr/>
+        <p:txBody>
+          <a:bodyPr/>
+          <a:lstStyle/>
+          <a:p>
+            <a:r>
+              <a:rPr kumimoji="1" lang="en-US" altLang="ja-JP"/>
+              <a:t>QUIC</a:t>
+            </a:r>
+            <a:r>
+              <a:rPr kumimoji="1" lang="ja-JP" altLang="en-US"/>
+              <a:t>の標準化</a:t>
+            </a:r>
+            <a:r>
+              <a:rPr kumimoji="1" lang="en-US" altLang="ja-JP"/>
+              <a:t>(2018)</a:t>
+            </a:r>
+          </a:p>
+          <a:p>
+            <a:pPr lvl="1"/>
+            <a:r>
+              <a:rPr lang="en-US" altLang="ja-JP"/>
+              <a:t>HTTP/2</a:t>
+            </a:r>
+            <a:r>
+              <a:rPr lang="ja-JP" altLang="en-US"/>
+              <a:t>ベースに</a:t>
+            </a:r>
+            <a:r>
+              <a:rPr lang="en-US" altLang="ja-JP"/>
+              <a:t>TLS 1.3</a:t>
+            </a:r>
+            <a:r>
+              <a:rPr lang="ja-JP" altLang="en-US"/>
+              <a:t>で秘匿性と完全性を担保</a:t>
+            </a:r>
+            <a:endParaRPr lang="en-US" altLang="ja-JP"/>
+          </a:p>
+          <a:p>
+            <a:pPr lvl="1"/>
+            <a:r>
+              <a:rPr kumimoji="1" lang="en-US" altLang="ja-JP"/>
+              <a:t>TCP</a:t>
+            </a:r>
+            <a:r>
+              <a:rPr kumimoji="1" lang="ja-JP" altLang="en-US"/>
+              <a:t>から</a:t>
+            </a:r>
+            <a:r>
+              <a:rPr kumimoji="1" lang="en-US" altLang="ja-JP"/>
+              <a:t>UDP(443)</a:t>
+            </a:r>
+            <a:r>
+              <a:rPr kumimoji="1" lang="ja-JP" altLang="en-US"/>
+              <a:t>へ変更することにより通信の高速化</a:t>
+            </a:r>
+            <a:endParaRPr kumimoji="1" lang="en-US" altLang="ja-JP"/>
+          </a:p>
+          <a:p>
+            <a:r>
+              <a:rPr lang="en-US" altLang="ja-JP"/>
+              <a:t>QUIC</a:t>
+            </a:r>
+            <a:r>
+              <a:rPr lang="ja-JP" altLang="en-US"/>
+              <a:t>と</a:t>
+            </a:r>
+            <a:r>
+              <a:rPr lang="en-US" altLang="ja-JP"/>
+              <a:t>TLS</a:t>
+            </a:r>
+            <a:r>
+              <a:rPr lang="ja-JP" altLang="en-US"/>
+              <a:t>の役割分担</a:t>
+            </a:r>
+            <a:endParaRPr lang="en-US" altLang="ja-JP"/>
+          </a:p>
+          <a:p>
+            <a:pPr lvl="1"/>
+            <a:r>
+              <a:rPr lang="en-US" altLang="ja-JP"/>
+              <a:t>TLS</a:t>
+            </a:r>
+            <a:r>
+              <a:rPr lang="ja-JP" altLang="en-US"/>
+              <a:t>と</a:t>
+            </a:r>
+            <a:r>
+              <a:rPr lang="en-US" altLang="ja-JP"/>
+              <a:t>QUIC</a:t>
+            </a:r>
+            <a:r>
+              <a:rPr lang="ja-JP" altLang="en-US"/>
+              <a:t>の両方で暗号機能が重複</a:t>
+            </a:r>
+            <a:endParaRPr kumimoji="1" lang="en-US" altLang="ja-JP"/>
+          </a:p>
+          <a:p>
+            <a:pPr lvl="1"/>
+            <a:r>
+              <a:rPr kumimoji="1" lang="en-US" altLang="ja-JP"/>
+              <a:t>TLS</a:t>
+            </a:r>
+            <a:r>
+              <a:rPr kumimoji="1" lang="ja-JP" altLang="en-US"/>
+              <a:t>が鍵を交換し認証するハンドシェイクに専念</a:t>
+            </a:r>
+            <a:endParaRPr kumimoji="1" lang="en-US" altLang="ja-JP"/>
+          </a:p>
+          <a:p>
+            <a:pPr lvl="1"/>
+            <a:r>
+              <a:rPr lang="en-US" altLang="ja-JP"/>
+              <a:t>QUIC</a:t>
+            </a:r>
+            <a:r>
+              <a:rPr lang="ja-JP" altLang="en-US"/>
+              <a:t>が</a:t>
+            </a:r>
+            <a:r>
+              <a:rPr lang="en-US" altLang="ja-JP"/>
+              <a:t>TLS</a:t>
+            </a:r>
+            <a:r>
+              <a:rPr lang="ja-JP" altLang="en-US"/>
+              <a:t>の暗号化機能を利用</a:t>
+            </a:r>
+            <a:endParaRPr kumimoji="1" lang="ja-JP" altLang="en-US"/>
+          </a:p>
+        </p:txBody>
+      </p:sp>
+      <p:sp>
+        <p:nvSpPr>
+          <p:cNvPr id="3" name="スライド番号プレースホルダー 2">
+            <a:extLst>
+              <a:ext uri="{FF2B5EF4-FFF2-40B4-BE49-F238E27FC236}">
+                <a16:creationId xmlns:a16="http://schemas.microsoft.com/office/drawing/2014/main" id="{B0CEB7B3-03FB-4D67-9358-9EC9ED9EB72B}"/>
+              </a:ext>
+            </a:extLst>
+          </p:cNvPr>
+          <p:cNvSpPr>
+            <a:spLocks noGrp="1"/>
+          </p:cNvSpPr>
+          <p:nvPr>
+            <p:ph type="sldNum" sz="quarter" idx="12"/>
+          </p:nvPr>
+        </p:nvSpPr>
+        <p:spPr/>
+        <p:txBody>
+          <a:bodyPr/>
+          <a:lstStyle/>
+          <a:p>
+            <a:pPr>
+              <a:defRPr/>
+            </a:pPr>
+            <a:r>
+              <a:rPr lang="en-US" altLang="ja-JP"/>
+              <a:t>    </a:t>
+            </a:r>
+            <a:fld id="{B2782DEB-472A-4FE5-AC34-C17109CF5A91}" type="slidenum">
+              <a:rPr lang="en-US" altLang="ja-JP" smtClean="0"/>
+              <a:pPr>
+                <a:defRPr/>
+              </a:pPr>
+              <a:t>14</a:t>
             </a:fld>
             <a:r>
               <a:rPr lang="en-US" altLang="ja-JP"/>
@@ -3636,7 +3896,197 @@
 </p:sld>
 </file>
 
-<file path=ppt/slides/slide14.xml><?xml version="1.0" encoding="utf-8"?>
+<file path=ppt/slides/slide15.xml><?xml version="1.0" encoding="utf-8"?>
+<p:sld xmlns:a="http://schemas.openxmlformats.org/drawingml/2006/main" xmlns:r="http://schemas.openxmlformats.org/officeDocument/2006/relationships" xmlns:p="http://schemas.openxmlformats.org/presentationml/2006/main">
+  <p:cSld>
+    <p:spTree>
+      <p:nvGrpSpPr>
+        <p:cNvPr id="1" name=""/>
+        <p:cNvGrpSpPr/>
+        <p:nvPr/>
+      </p:nvGrpSpPr>
+      <p:grpSpPr>
+        <a:xfrm>
+          <a:off x="0" y="0"/>
+          <a:ext cx="0" cy="0"/>
+          <a:chOff x="0" y="0"/>
+          <a:chExt cx="0" cy="0"/>
+        </a:xfrm>
+      </p:grpSpPr>
+      <p:sp>
+        <p:nvSpPr>
+          <p:cNvPr id="2" name="コンテンツ プレースホルダー 1">
+            <a:extLst>
+              <a:ext uri="{FF2B5EF4-FFF2-40B4-BE49-F238E27FC236}">
+                <a16:creationId xmlns:a16="http://schemas.microsoft.com/office/drawing/2014/main" id="{63A3D536-25FB-4C2A-9C37-28F0872AA04C}"/>
+              </a:ext>
+            </a:extLst>
+          </p:cNvPr>
+          <p:cNvSpPr>
+            <a:spLocks noGrp="1"/>
+          </p:cNvSpPr>
+          <p:nvPr>
+            <p:ph idx="1"/>
+          </p:nvPr>
+        </p:nvSpPr>
+        <p:spPr/>
+        <p:txBody>
+          <a:bodyPr/>
+          <a:lstStyle/>
+          <a:p>
+            <a:r>
+              <a:rPr lang="ja-JP" altLang="en-US"/>
+              <a:t>山本 和彦「</a:t>
+            </a:r>
+            <a:r>
+              <a:rPr lang="en-US" altLang="ja-JP"/>
+              <a:t>QUIC</a:t>
+            </a:r>
+            <a:r>
+              <a:rPr lang="ja-JP" altLang="en-US"/>
+              <a:t>をゆっくり解説」</a:t>
+            </a:r>
+            <a:endParaRPr lang="en-US" altLang="ja-JP"/>
+          </a:p>
+          <a:p>
+            <a:pPr lvl="1"/>
+            <a:r>
+              <a:rPr kumimoji="1" lang="en-US" altLang="ja-JP">
+                <a:hlinkClick r:id="rId2"/>
+              </a:rPr>
+              <a:t>https://eng-blog.iij.ad.jp/archives/author/kazu</a:t>
+            </a:r>
+            <a:endParaRPr kumimoji="1" lang="en-US" altLang="ja-JP"/>
+          </a:p>
+          <a:p>
+            <a:r>
+              <a:rPr kumimoji="1" lang="ja-JP" altLang="en-US"/>
+              <a:t>後藤ゆき「</a:t>
+            </a:r>
+            <a:r>
+              <a:rPr kumimoji="1" lang="en-US" altLang="ja-JP"/>
+              <a:t>HTTP/3</a:t>
+            </a:r>
+            <a:r>
+              <a:rPr kumimoji="1" lang="ja-JP" altLang="en-US"/>
+              <a:t>入門」</a:t>
+            </a:r>
+            <a:endParaRPr kumimoji="1" lang="en-US" altLang="ja-JP"/>
+          </a:p>
+          <a:p>
+            <a:pPr lvl="1"/>
+            <a:r>
+              <a:rPr kumimoji="1" lang="en-US" altLang="ja-JP"/>
+              <a:t>WEB+DB PRESS vol.123</a:t>
+            </a:r>
+            <a:r>
+              <a:rPr lang="en-US" altLang="ja-JP"/>
+              <a:t>(</a:t>
+            </a:r>
+            <a:r>
+              <a:rPr kumimoji="1" lang="ja-JP" altLang="en-US"/>
+              <a:t>技術評論社</a:t>
+            </a:r>
+            <a:r>
+              <a:rPr kumimoji="1" lang="en-US" altLang="ja-JP"/>
+              <a:t>2021</a:t>
+            </a:r>
+            <a:r>
+              <a:rPr kumimoji="1" lang="ja-JP" altLang="en-US"/>
+              <a:t>年</a:t>
+            </a:r>
+            <a:r>
+              <a:rPr kumimoji="1" lang="en-US" altLang="ja-JP"/>
+              <a:t>)</a:t>
+            </a:r>
+            <a:endParaRPr kumimoji="1" lang="ja-JP" altLang="en-US"/>
+          </a:p>
+        </p:txBody>
+      </p:sp>
+      <p:sp>
+        <p:nvSpPr>
+          <p:cNvPr id="3" name="スライド番号プレースホルダー 2">
+            <a:extLst>
+              <a:ext uri="{FF2B5EF4-FFF2-40B4-BE49-F238E27FC236}">
+                <a16:creationId xmlns:a16="http://schemas.microsoft.com/office/drawing/2014/main" id="{36ED6155-3E6A-4A84-AA19-3F286CF0009C}"/>
+              </a:ext>
+            </a:extLst>
+          </p:cNvPr>
+          <p:cNvSpPr>
+            <a:spLocks noGrp="1"/>
+          </p:cNvSpPr>
+          <p:nvPr>
+            <p:ph type="sldNum" sz="quarter" idx="12"/>
+          </p:nvPr>
+        </p:nvSpPr>
+        <p:spPr/>
+        <p:txBody>
+          <a:bodyPr/>
+          <a:lstStyle/>
+          <a:p>
+            <a:pPr>
+              <a:defRPr/>
+            </a:pPr>
+            <a:r>
+              <a:rPr lang="en-US" altLang="ja-JP"/>
+              <a:t>    </a:t>
+            </a:r>
+            <a:fld id="{B2782DEB-472A-4FE5-AC34-C17109CF5A91}" type="slidenum">
+              <a:rPr lang="en-US" altLang="ja-JP" smtClean="0"/>
+              <a:pPr>
+                <a:defRPr/>
+              </a:pPr>
+              <a:t>15</a:t>
+            </a:fld>
+            <a:r>
+              <a:rPr lang="en-US" altLang="ja-JP"/>
+              <a:t> / 24</a:t>
+            </a:r>
+          </a:p>
+        </p:txBody>
+      </p:sp>
+      <p:sp>
+        <p:nvSpPr>
+          <p:cNvPr id="4" name="タイトル 3">
+            <a:extLst>
+              <a:ext uri="{FF2B5EF4-FFF2-40B4-BE49-F238E27FC236}">
+                <a16:creationId xmlns:a16="http://schemas.microsoft.com/office/drawing/2014/main" id="{00FFA60A-63F3-42FB-A347-70C4DE64678B}"/>
+              </a:ext>
+            </a:extLst>
+          </p:cNvPr>
+          <p:cNvSpPr>
+            <a:spLocks noGrp="1"/>
+          </p:cNvSpPr>
+          <p:nvPr>
+            <p:ph type="title"/>
+          </p:nvPr>
+        </p:nvSpPr>
+        <p:spPr/>
+        <p:txBody>
+          <a:bodyPr/>
+          <a:lstStyle/>
+          <a:p>
+            <a:r>
+              <a:rPr kumimoji="1" lang="ja-JP" altLang="en-US"/>
+              <a:t>詳しい解説記事</a:t>
+            </a:r>
+          </a:p>
+        </p:txBody>
+      </p:sp>
+    </p:spTree>
+    <p:extLst>
+      <p:ext uri="{BB962C8B-B14F-4D97-AF65-F5344CB8AC3E}">
+        <p14:creationId xmlns:p14="http://schemas.microsoft.com/office/powerpoint/2010/main" val="3134707987"/>
+      </p:ext>
+    </p:extLst>
+  </p:cSld>
+  <p:clrMapOvr>
+    <a:masterClrMapping/>
+  </p:clrMapOvr>
+</p:sld>
+</file>
+
+<file path=ppt/slides/slide16.xml><?xml version="1.0" encoding="utf-8"?>
 <p:sld xmlns:a="http://schemas.openxmlformats.org/drawingml/2006/main" xmlns:r="http://schemas.openxmlformats.org/officeDocument/2006/relationships" xmlns:p="http://schemas.openxmlformats.org/presentationml/2006/main">
   <p:cSld>
     <p:spTree>
@@ -3894,7 +4344,7 @@
               <a:pPr>
                 <a:defRPr/>
               </a:pPr>
-              <a:t>14</a:t>
+              <a:t>16</a:t>
             </a:fld>
             <a:r>
               <a:rPr lang="en-US" altLang="ja-JP"/>
@@ -3976,646 +4426,6 @@
     <p:extLst>
       <p:ext uri="{BB962C8B-B14F-4D97-AF65-F5344CB8AC3E}">
         <p14:creationId xmlns:p14="http://schemas.microsoft.com/office/powerpoint/2010/main" val="3617924148"/>
-      </p:ext>
-    </p:extLst>
-  </p:cSld>
-  <p:clrMapOvr>
-    <a:masterClrMapping/>
-  </p:clrMapOvr>
-</p:sld>
-</file>
-
-<file path=ppt/slides/slide15.xml><?xml version="1.0" encoding="utf-8"?>
-<p:sld xmlns:a="http://schemas.openxmlformats.org/drawingml/2006/main" xmlns:r="http://schemas.openxmlformats.org/officeDocument/2006/relationships" xmlns:p="http://schemas.openxmlformats.org/presentationml/2006/main">
-  <p:cSld>
-    <p:spTree>
-      <p:nvGrpSpPr>
-        <p:cNvPr id="1" name=""/>
-        <p:cNvGrpSpPr/>
-        <p:nvPr/>
-      </p:nvGrpSpPr>
-      <p:grpSpPr>
-        <a:xfrm>
-          <a:off x="0" y="0"/>
-          <a:ext cx="0" cy="0"/>
-          <a:chOff x="0" y="0"/>
-          <a:chExt cx="0" cy="0"/>
-        </a:xfrm>
-      </p:grpSpPr>
-      <p:pic>
-        <p:nvPicPr>
-          <p:cNvPr id="6" name="図 5">
-            <a:extLst>
-              <a:ext uri="{FF2B5EF4-FFF2-40B4-BE49-F238E27FC236}">
-                <a16:creationId xmlns:a16="http://schemas.microsoft.com/office/drawing/2014/main" id="{2D83577A-2B35-4A4A-8405-EC829FD3795E}"/>
-              </a:ext>
-            </a:extLst>
-          </p:cNvPr>
-          <p:cNvPicPr>
-            <a:picLocks noChangeAspect="1"/>
-          </p:cNvPicPr>
-          <p:nvPr/>
-        </p:nvPicPr>
-        <p:blipFill>
-          <a:blip r:embed="rId2">
-            <a:extLst>
-              <a:ext uri="{28A0092B-C50C-407E-A947-70E740481C1C}">
-                <a14:useLocalDpi xmlns:a14="http://schemas.microsoft.com/office/drawing/2010/main" val="0"/>
-              </a:ext>
-            </a:extLst>
-          </a:blip>
-          <a:stretch>
-            <a:fillRect/>
-          </a:stretch>
-        </p:blipFill>
-        <p:spPr>
-          <a:xfrm>
-            <a:off x="5323018" y="3709888"/>
-            <a:ext cx="3785486" cy="2815456"/>
-          </a:xfrm>
-          <a:prstGeom prst="rect">
-            <a:avLst/>
-          </a:prstGeom>
-        </p:spPr>
-      </p:pic>
-      <p:sp>
-        <p:nvSpPr>
-          <p:cNvPr id="2" name="コンテンツ プレースホルダー 1">
-            <a:extLst>
-              <a:ext uri="{FF2B5EF4-FFF2-40B4-BE49-F238E27FC236}">
-                <a16:creationId xmlns:a16="http://schemas.microsoft.com/office/drawing/2014/main" id="{A3DB98F8-494E-4527-9F51-DEB6C69D292C}"/>
-              </a:ext>
-            </a:extLst>
-          </p:cNvPr>
-          <p:cNvSpPr>
-            <a:spLocks noGrp="1"/>
-          </p:cNvSpPr>
-          <p:nvPr>
-            <p:ph idx="1"/>
-          </p:nvPr>
-        </p:nvSpPr>
-        <p:spPr/>
-        <p:txBody>
-          <a:bodyPr/>
-          <a:lstStyle/>
-          <a:p>
-            <a:r>
-              <a:rPr kumimoji="1" lang="ja-JP" altLang="en-US"/>
-              <a:t>無線</a:t>
-            </a:r>
-            <a:r>
-              <a:rPr kumimoji="1" lang="en-US" altLang="ja-JP"/>
-              <a:t>LAN</a:t>
-            </a:r>
-            <a:r>
-              <a:rPr kumimoji="1" lang="ja-JP" altLang="en-US"/>
-              <a:t>は電波</a:t>
-            </a:r>
-            <a:endParaRPr kumimoji="1" lang="en-US" altLang="ja-JP"/>
-          </a:p>
-          <a:p>
-            <a:pPr lvl="1"/>
-            <a:r>
-              <a:rPr kumimoji="1" lang="ja-JP" altLang="en-US"/>
-              <a:t>近くにあれば誰でも盗聴可能 </a:t>
-            </a:r>
-            <a:r>
-              <a:rPr kumimoji="1" lang="en-US" altLang="ja-JP"/>
-              <a:t>: </a:t>
-            </a:r>
-            <a:r>
-              <a:rPr kumimoji="1" lang="ja-JP" altLang="en-US"/>
-              <a:t>有線</a:t>
-            </a:r>
-            <a:r>
-              <a:rPr kumimoji="1" lang="en-US" altLang="ja-JP"/>
-              <a:t>LAN</a:t>
-            </a:r>
-            <a:r>
-              <a:rPr kumimoji="1" lang="ja-JP" altLang="en-US"/>
-              <a:t>とは異なる攻撃が可能</a:t>
-            </a:r>
-            <a:endParaRPr kumimoji="1" lang="en-US" altLang="ja-JP"/>
-          </a:p>
-          <a:p>
-            <a:r>
-              <a:rPr kumimoji="1" lang="en-US" altLang="ja-JP"/>
-              <a:t>ARP/MAC</a:t>
-            </a:r>
-            <a:r>
-              <a:rPr kumimoji="1" lang="ja-JP" altLang="en-US"/>
-              <a:t>スプーフィング</a:t>
-            </a:r>
-            <a:r>
-              <a:rPr kumimoji="1" lang="en-US" altLang="ja-JP"/>
-              <a:t>(spoofing : </a:t>
-            </a:r>
-            <a:r>
-              <a:rPr kumimoji="1" lang="ja-JP" altLang="en-US"/>
-              <a:t>なりすまし</a:t>
-            </a:r>
-            <a:r>
-              <a:rPr kumimoji="1" lang="en-US" altLang="ja-JP"/>
-              <a:t>)</a:t>
-            </a:r>
-          </a:p>
-          <a:p>
-            <a:pPr lvl="1"/>
-            <a:r>
-              <a:rPr lang="en-US" altLang="ja-JP"/>
-              <a:t>ARP</a:t>
-            </a:r>
-            <a:r>
-              <a:rPr lang="ja-JP" altLang="en-US"/>
-              <a:t>は暗号化されていない</a:t>
-            </a:r>
-            <a:endParaRPr lang="en-US" altLang="ja-JP"/>
-          </a:p>
-          <a:p>
-            <a:pPr lvl="1"/>
-            <a:r>
-              <a:rPr lang="ja-JP" altLang="en-US"/>
-              <a:t>不正な</a:t>
-            </a:r>
-            <a:r>
-              <a:rPr lang="en-US" altLang="ja-JP"/>
-              <a:t>ARP</a:t>
-            </a:r>
-            <a:r>
-              <a:rPr lang="ja-JP" altLang="en-US"/>
-              <a:t>を送って</a:t>
-            </a:r>
-            <a:r>
-              <a:rPr lang="en-US" altLang="ja-JP"/>
-              <a:t>MAC</a:t>
-            </a:r>
-            <a:r>
-              <a:rPr lang="ja-JP" altLang="en-US"/>
-              <a:t>アドレスを偽装→</a:t>
-            </a:r>
-            <a:r>
-              <a:rPr lang="en-US" altLang="ja-JP"/>
-              <a:t>MITM</a:t>
-            </a:r>
-            <a:r>
-              <a:rPr lang="ja-JP" altLang="en-US"/>
-              <a:t>などへ</a:t>
-            </a:r>
-            <a:endParaRPr lang="en-US" altLang="ja-JP"/>
-          </a:p>
-          <a:p>
-            <a:r>
-              <a:rPr kumimoji="1" lang="en-US" altLang="ja-JP"/>
-              <a:t>Evil Twin</a:t>
-            </a:r>
-          </a:p>
-          <a:p>
-            <a:pPr lvl="1"/>
-            <a:r>
-              <a:rPr kumimoji="1" lang="ja-JP" altLang="en-US"/>
-              <a:t>同じ</a:t>
-            </a:r>
-            <a:r>
-              <a:rPr kumimoji="1" lang="en-US" altLang="ja-JP"/>
-              <a:t>SSID</a:t>
-            </a:r>
-            <a:r>
-              <a:rPr kumimoji="1" lang="ja-JP" altLang="en-US"/>
-              <a:t>を設定し強い電波を出して待ち受け</a:t>
-            </a:r>
-            <a:endParaRPr lang="en-US" altLang="ja-JP"/>
-          </a:p>
-          <a:p>
-            <a:r>
-              <a:rPr kumimoji="1" lang="ja-JP" altLang="en-US"/>
-              <a:t>認証解除攻撃</a:t>
-            </a:r>
-            <a:endParaRPr kumimoji="1" lang="en-US" altLang="ja-JP"/>
-          </a:p>
-          <a:p>
-            <a:pPr lvl="1"/>
-            <a:r>
-              <a:rPr kumimoji="1" lang="en-US" altLang="ja-JP"/>
-              <a:t>PMF(Protected Management Frames)</a:t>
-            </a:r>
-          </a:p>
-          <a:p>
-            <a:pPr lvl="1"/>
-            <a:r>
-              <a:rPr kumimoji="1" lang="en-US" altLang="ja-JP"/>
-              <a:t>802.11w </a:t>
-            </a:r>
-            <a:r>
-              <a:rPr kumimoji="1" lang="ja-JP" altLang="en-US"/>
-              <a:t>管理フレームを保護する規格</a:t>
-            </a:r>
-            <a:endParaRPr kumimoji="1" lang="en-US" altLang="ja-JP"/>
-          </a:p>
-        </p:txBody>
-      </p:sp>
-      <p:sp>
-        <p:nvSpPr>
-          <p:cNvPr id="3" name="スライド番号プレースホルダー 2">
-            <a:extLst>
-              <a:ext uri="{FF2B5EF4-FFF2-40B4-BE49-F238E27FC236}">
-                <a16:creationId xmlns:a16="http://schemas.microsoft.com/office/drawing/2014/main" id="{1259181D-9CE8-42E5-AA40-837AA91C5212}"/>
-              </a:ext>
-            </a:extLst>
-          </p:cNvPr>
-          <p:cNvSpPr>
-            <a:spLocks noGrp="1"/>
-          </p:cNvSpPr>
-          <p:nvPr>
-            <p:ph type="sldNum" sz="quarter" idx="12"/>
-          </p:nvPr>
-        </p:nvSpPr>
-        <p:spPr/>
-        <p:txBody>
-          <a:bodyPr/>
-          <a:lstStyle/>
-          <a:p>
-            <a:pPr>
-              <a:defRPr/>
-            </a:pPr>
-            <a:r>
-              <a:rPr lang="en-US" altLang="ja-JP"/>
-              <a:t>    </a:t>
-            </a:r>
-            <a:fld id="{B2782DEB-472A-4FE5-AC34-C17109CF5A91}" type="slidenum">
-              <a:rPr lang="en-US" altLang="ja-JP" smtClean="0"/>
-              <a:pPr>
-                <a:defRPr/>
-              </a:pPr>
-              <a:t>15</a:t>
-            </a:fld>
-            <a:r>
-              <a:rPr lang="en-US" altLang="ja-JP"/>
-              <a:t> / 24</a:t>
-            </a:r>
-          </a:p>
-        </p:txBody>
-      </p:sp>
-      <p:sp>
-        <p:nvSpPr>
-          <p:cNvPr id="4" name="タイトル 3">
-            <a:extLst>
-              <a:ext uri="{FF2B5EF4-FFF2-40B4-BE49-F238E27FC236}">
-                <a16:creationId xmlns:a16="http://schemas.microsoft.com/office/drawing/2014/main" id="{C7AE19B3-368A-4136-BE15-F8AC057A25E5}"/>
-              </a:ext>
-            </a:extLst>
-          </p:cNvPr>
-          <p:cNvSpPr>
-            <a:spLocks noGrp="1"/>
-          </p:cNvSpPr>
-          <p:nvPr>
-            <p:ph type="title"/>
-          </p:nvPr>
-        </p:nvSpPr>
-        <p:spPr/>
-        <p:txBody>
-          <a:bodyPr/>
-          <a:lstStyle/>
-          <a:p>
-            <a:r>
-              <a:rPr kumimoji="1" lang="ja-JP" altLang="en-US"/>
-              <a:t>スプーフィングと認証解除攻撃</a:t>
-            </a:r>
-          </a:p>
-        </p:txBody>
-      </p:sp>
-    </p:spTree>
-    <p:extLst>
-      <p:ext uri="{BB962C8B-B14F-4D97-AF65-F5344CB8AC3E}">
-        <p14:creationId xmlns:p14="http://schemas.microsoft.com/office/powerpoint/2010/main" val="78139145"/>
-      </p:ext>
-    </p:extLst>
-  </p:cSld>
-  <p:clrMapOvr>
-    <a:masterClrMapping/>
-  </p:clrMapOvr>
-</p:sld>
-</file>
-
-<file path=ppt/slides/slide16.xml><?xml version="1.0" encoding="utf-8"?>
-<p:sld xmlns:a="http://schemas.openxmlformats.org/drawingml/2006/main" xmlns:r="http://schemas.openxmlformats.org/officeDocument/2006/relationships" xmlns:p="http://schemas.openxmlformats.org/presentationml/2006/main">
-  <p:cSld>
-    <p:spTree>
-      <p:nvGrpSpPr>
-        <p:cNvPr id="1" name=""/>
-        <p:cNvGrpSpPr/>
-        <p:nvPr/>
-      </p:nvGrpSpPr>
-      <p:grpSpPr>
-        <a:xfrm>
-          <a:off x="0" y="0"/>
-          <a:ext cx="0" cy="0"/>
-          <a:chOff x="0" y="0"/>
-          <a:chExt cx="0" cy="0"/>
-        </a:xfrm>
-      </p:grpSpPr>
-      <p:pic>
-        <p:nvPicPr>
-          <p:cNvPr id="6" name="図 5">
-            <a:extLst>
-              <a:ext uri="{FF2B5EF4-FFF2-40B4-BE49-F238E27FC236}">
-                <a16:creationId xmlns:a16="http://schemas.microsoft.com/office/drawing/2014/main" id="{77668647-8626-4AB9-8FA3-F5DD77122D66}"/>
-              </a:ext>
-            </a:extLst>
-          </p:cNvPr>
-          <p:cNvPicPr>
-            <a:picLocks noChangeAspect="1"/>
-          </p:cNvPicPr>
-          <p:nvPr/>
-        </p:nvPicPr>
-        <p:blipFill>
-          <a:blip r:embed="rId2">
-            <a:extLst>
-              <a:ext uri="{28A0092B-C50C-407E-A947-70E740481C1C}">
-                <a14:useLocalDpi xmlns:a14="http://schemas.microsoft.com/office/drawing/2010/main" val="0"/>
-              </a:ext>
-            </a:extLst>
-          </a:blip>
-          <a:stretch>
-            <a:fillRect/>
-          </a:stretch>
-        </p:blipFill>
-        <p:spPr>
-          <a:xfrm>
-            <a:off x="1331640" y="1772816"/>
-            <a:ext cx="6192688" cy="2562224"/>
-          </a:xfrm>
-          <a:prstGeom prst="rect">
-            <a:avLst/>
-          </a:prstGeom>
-        </p:spPr>
-      </p:pic>
-      <p:sp>
-        <p:nvSpPr>
-          <p:cNvPr id="2" name="コンテンツ プレースホルダー 1">
-            <a:extLst>
-              <a:ext uri="{FF2B5EF4-FFF2-40B4-BE49-F238E27FC236}">
-                <a16:creationId xmlns:a16="http://schemas.microsoft.com/office/drawing/2014/main" id="{F6615D1E-E059-4D3F-9B85-07FD7105714A}"/>
-              </a:ext>
-            </a:extLst>
-          </p:cNvPr>
-          <p:cNvSpPr>
-            <a:spLocks noGrp="1"/>
-          </p:cNvSpPr>
-          <p:nvPr>
-            <p:ph idx="1"/>
-          </p:nvPr>
-        </p:nvSpPr>
-        <p:spPr/>
-        <p:txBody>
-          <a:bodyPr/>
-          <a:lstStyle/>
-          <a:p>
-            <a:r>
-              <a:rPr kumimoji="1" lang="en-US" altLang="ja-JP"/>
-              <a:t>40bit</a:t>
-            </a:r>
-            <a:r>
-              <a:rPr kumimoji="1" lang="ja-JP" altLang="en-US"/>
-              <a:t>の秘密鍵</a:t>
-            </a:r>
-            <a:r>
-              <a:rPr kumimoji="1" lang="en-US" altLang="ja-JP"/>
-              <a:t>(</a:t>
-            </a:r>
-            <a:r>
-              <a:rPr kumimoji="1" lang="ja-JP" altLang="en-US"/>
-              <a:t>後に</a:t>
-            </a:r>
-            <a:r>
-              <a:rPr kumimoji="1" lang="en-US" altLang="ja-JP"/>
-              <a:t>104bit</a:t>
-            </a:r>
-            <a:r>
-              <a:rPr kumimoji="1" lang="ja-JP" altLang="en-US"/>
-              <a:t>にまで増える</a:t>
-            </a:r>
-            <a:r>
-              <a:rPr kumimoji="1" lang="en-US" altLang="ja-JP"/>
-              <a:t>)</a:t>
-            </a:r>
-          </a:p>
-          <a:p>
-            <a:r>
-              <a:rPr kumimoji="1" lang="en-US" altLang="ja-JP"/>
-              <a:t>24bit</a:t>
-            </a:r>
-            <a:r>
-              <a:rPr kumimoji="1" lang="ja-JP" altLang="en-US"/>
-              <a:t>の初期化ベクトル</a:t>
-            </a:r>
-            <a:r>
-              <a:rPr kumimoji="1" lang="en-US" altLang="ja-JP"/>
-              <a:t>IV + RC4</a:t>
-            </a:r>
-          </a:p>
-          <a:p>
-            <a:endParaRPr lang="en-US" altLang="ja-JP"/>
-          </a:p>
-          <a:p>
-            <a:endParaRPr kumimoji="1" lang="en-US" altLang="ja-JP"/>
-          </a:p>
-          <a:p>
-            <a:endParaRPr lang="en-US" altLang="ja-JP"/>
-          </a:p>
-          <a:p>
-            <a:pPr lvl="1"/>
-            <a:r>
-              <a:rPr lang="en-US" altLang="ja-JP"/>
-              <a:t>24bit</a:t>
-            </a:r>
-            <a:r>
-              <a:rPr lang="ja-JP" altLang="en-US"/>
-              <a:t>だと</a:t>
-            </a:r>
-            <a:r>
-              <a:rPr lang="en-US" altLang="ja-JP"/>
-              <a:t>12bit</a:t>
-            </a:r>
-            <a:r>
-              <a:rPr lang="ja-JP" altLang="en-US"/>
-              <a:t>分の盗聴で</a:t>
-            </a:r>
-            <a:br>
-              <a:rPr lang="en-US" altLang="ja-JP"/>
-            </a:br>
-            <a:r>
-              <a:rPr lang="ja-JP" altLang="en-US"/>
-              <a:t>同じものが見つかる確率が</a:t>
-            </a:r>
-            <a:br>
-              <a:rPr lang="en-US" altLang="ja-JP"/>
-            </a:br>
-            <a:r>
-              <a:rPr lang="en-US" altLang="ja-JP"/>
-              <a:t>40% ; </a:t>
-            </a:r>
-            <a:r>
-              <a:rPr lang="ja-JP" altLang="en-US"/>
-              <a:t>これを利用した攻撃の研究</a:t>
-            </a:r>
-            <a:endParaRPr lang="en-US" altLang="ja-JP"/>
-          </a:p>
-          <a:p>
-            <a:r>
-              <a:rPr kumimoji="1" lang="en-US" altLang="ja-JP"/>
-              <a:t>2007</a:t>
-            </a:r>
-            <a:r>
-              <a:rPr kumimoji="1" lang="ja-JP" altLang="en-US"/>
-              <a:t>年</a:t>
-            </a:r>
-            <a:r>
-              <a:rPr kumimoji="1" lang="en-US" altLang="ja-JP"/>
-              <a:t>Tews</a:t>
-            </a:r>
-          </a:p>
-          <a:p>
-            <a:pPr lvl="1"/>
-            <a:r>
-              <a:rPr kumimoji="1" lang="en-US" altLang="ja-JP"/>
-              <a:t>8</a:t>
-            </a:r>
-            <a:r>
-              <a:rPr kumimoji="1" lang="ja-JP" altLang="en-US"/>
-              <a:t>万</a:t>
-            </a:r>
-            <a:r>
-              <a:rPr kumimoji="1" lang="en-US" altLang="ja-JP"/>
-              <a:t>5</a:t>
-            </a:r>
-            <a:r>
-              <a:rPr kumimoji="1" lang="ja-JP" altLang="en-US"/>
-              <a:t>千個の</a:t>
-            </a:r>
-            <a:r>
-              <a:rPr kumimoji="1" lang="en-US" altLang="ja-JP"/>
-              <a:t>ARP</a:t>
-            </a:r>
-            <a:r>
-              <a:rPr kumimoji="1" lang="ja-JP" altLang="en-US"/>
-              <a:t>から秘密鍵を復元</a:t>
-            </a:r>
-            <a:endParaRPr kumimoji="1" lang="en-US" altLang="ja-JP"/>
-          </a:p>
-          <a:p>
-            <a:r>
-              <a:rPr kumimoji="1" lang="en-US" altLang="ja-JP"/>
-              <a:t>2010</a:t>
-            </a:r>
-            <a:r>
-              <a:rPr kumimoji="1" lang="ja-JP" altLang="en-US"/>
-              <a:t>年</a:t>
-            </a:r>
-            <a:r>
-              <a:rPr kumimoji="1" lang="en-US" altLang="ja-JP"/>
-              <a:t>TeAM-OK(</a:t>
-            </a:r>
-            <a:r>
-              <a:rPr kumimoji="1" lang="ja-JP" altLang="en-US"/>
-              <a:t>寺村氏ら</a:t>
-            </a:r>
-            <a:r>
-              <a:rPr kumimoji="1" lang="en-US" altLang="ja-JP"/>
-              <a:t>)</a:t>
-            </a:r>
-          </a:p>
-          <a:p>
-            <a:pPr lvl="1"/>
-            <a:r>
-              <a:rPr kumimoji="1" lang="ja-JP" altLang="en-US"/>
-              <a:t>通常のパケット</a:t>
-            </a:r>
-            <a:r>
-              <a:rPr kumimoji="1" lang="en-US" altLang="ja-JP"/>
-              <a:t>5</a:t>
-            </a:r>
-            <a:r>
-              <a:rPr kumimoji="1" lang="ja-JP" altLang="en-US"/>
-              <a:t>万個から秘密鍵を復元</a:t>
-            </a:r>
-          </a:p>
-        </p:txBody>
-      </p:sp>
-      <p:sp>
-        <p:nvSpPr>
-          <p:cNvPr id="3" name="スライド番号プレースホルダー 2">
-            <a:extLst>
-              <a:ext uri="{FF2B5EF4-FFF2-40B4-BE49-F238E27FC236}">
-                <a16:creationId xmlns:a16="http://schemas.microsoft.com/office/drawing/2014/main" id="{C96734DF-D89E-438F-90E6-95A5B8740A2B}"/>
-              </a:ext>
-            </a:extLst>
-          </p:cNvPr>
-          <p:cNvSpPr>
-            <a:spLocks noGrp="1"/>
-          </p:cNvSpPr>
-          <p:nvPr>
-            <p:ph type="sldNum" sz="quarter" idx="12"/>
-          </p:nvPr>
-        </p:nvSpPr>
-        <p:spPr/>
-        <p:txBody>
-          <a:bodyPr/>
-          <a:lstStyle/>
-          <a:p>
-            <a:pPr>
-              <a:defRPr/>
-            </a:pPr>
-            <a:r>
-              <a:rPr lang="en-US" altLang="ja-JP"/>
-              <a:t>    </a:t>
-            </a:r>
-            <a:fld id="{B2782DEB-472A-4FE5-AC34-C17109CF5A91}" type="slidenum">
-              <a:rPr lang="en-US" altLang="ja-JP" smtClean="0"/>
-              <a:pPr>
-                <a:defRPr/>
-              </a:pPr>
-              <a:t>16</a:t>
-            </a:fld>
-            <a:r>
-              <a:rPr lang="en-US" altLang="ja-JP"/>
-              <a:t> / 24</a:t>
-            </a:r>
-          </a:p>
-        </p:txBody>
-      </p:sp>
-      <p:sp>
-        <p:nvSpPr>
-          <p:cNvPr id="4" name="タイトル 3">
-            <a:extLst>
-              <a:ext uri="{FF2B5EF4-FFF2-40B4-BE49-F238E27FC236}">
-                <a16:creationId xmlns:a16="http://schemas.microsoft.com/office/drawing/2014/main" id="{8D9A20C8-1601-4990-875A-125BC4F1A872}"/>
-              </a:ext>
-            </a:extLst>
-          </p:cNvPr>
-          <p:cNvSpPr>
-            <a:spLocks noGrp="1"/>
-          </p:cNvSpPr>
-          <p:nvPr>
-            <p:ph type="title"/>
-          </p:nvPr>
-        </p:nvSpPr>
-        <p:spPr/>
-        <p:txBody>
-          <a:bodyPr/>
-          <a:lstStyle/>
-          <a:p>
-            <a:r>
-              <a:rPr kumimoji="1" lang="en-US" altLang="ja-JP"/>
-              <a:t>WEP (Wired Equivalent Privacy)</a:t>
-            </a:r>
-            <a:endParaRPr kumimoji="1" lang="ja-JP" altLang="en-US"/>
-          </a:p>
-        </p:txBody>
-      </p:sp>
-    </p:spTree>
-    <p:extLst>
-      <p:ext uri="{BB962C8B-B14F-4D97-AF65-F5344CB8AC3E}">
-        <p14:creationId xmlns:p14="http://schemas.microsoft.com/office/powerpoint/2010/main" val="3136027840"/>
       </p:ext>
     </p:extLst>
   </p:cSld>
@@ -4647,7 +4457,7 @@
           <p:cNvPr id="6" name="図 5">
             <a:extLst>
               <a:ext uri="{FF2B5EF4-FFF2-40B4-BE49-F238E27FC236}">
-                <a16:creationId xmlns:a16="http://schemas.microsoft.com/office/drawing/2014/main" id="{AFAE7ED5-9062-43E9-A2A1-0ADA328F64E3}"/>
+                <a16:creationId xmlns:a16="http://schemas.microsoft.com/office/drawing/2014/main" id="{2D83577A-2B35-4A4A-8405-EC829FD3795E}"/>
               </a:ext>
             </a:extLst>
           </p:cNvPr>
@@ -4657,7 +4467,7 @@
           <p:nvPr/>
         </p:nvPicPr>
         <p:blipFill>
-          <a:blip r:embed="rId3">
+          <a:blip r:embed="rId2">
             <a:extLst>
               <a:ext uri="{28A0092B-C50C-407E-A947-70E740481C1C}">
                 <a14:useLocalDpi xmlns:a14="http://schemas.microsoft.com/office/drawing/2010/main" val="0"/>
@@ -4670,8 +4480,8 @@
         </p:blipFill>
         <p:spPr>
           <a:xfrm>
-            <a:off x="1655676" y="2773058"/>
-            <a:ext cx="6516724" cy="3913289"/>
+            <a:off x="5323018" y="3709888"/>
+            <a:ext cx="3785486" cy="2815456"/>
           </a:xfrm>
           <a:prstGeom prst="rect">
             <a:avLst/>
@@ -4683,7 +4493,7 @@
           <p:cNvPr id="2" name="コンテンツ プレースホルダー 1">
             <a:extLst>
               <a:ext uri="{FF2B5EF4-FFF2-40B4-BE49-F238E27FC236}">
-                <a16:creationId xmlns:a16="http://schemas.microsoft.com/office/drawing/2014/main" id="{F0ED5844-4B23-4A44-BB69-0222D439B3F5}"/>
+                <a16:creationId xmlns:a16="http://schemas.microsoft.com/office/drawing/2014/main" id="{A3DB98F8-494E-4527-9F51-DEB6C69D292C}"/>
               </a:ext>
             </a:extLst>
           </p:cNvPr>
@@ -4700,12 +4510,59 @@
           <a:lstStyle/>
           <a:p>
             <a:r>
-              <a:rPr kumimoji="1" lang="en-US" altLang="ja-JP"/>
-              <a:t>WPA(</a:t>
-            </a:r>
-            <a:r>
-              <a:rPr lang="en-US" altLang="ja-JP"/>
-              <a:t>Wi-Fi Protected Access</a:t>
+              <a:rPr kumimoji="1" lang="ja-JP" altLang="en-US"/>
+              <a:t>無線</a:t>
+            </a:r>
+            <a:r>
+              <a:rPr kumimoji="1" lang="en-US" altLang="ja-JP"/>
+              <a:t>LAN</a:t>
+            </a:r>
+            <a:r>
+              <a:rPr kumimoji="1" lang="ja-JP" altLang="en-US"/>
+              <a:t>は電波</a:t>
+            </a:r>
+            <a:endParaRPr kumimoji="1" lang="en-US" altLang="ja-JP"/>
+          </a:p>
+          <a:p>
+            <a:pPr lvl="1"/>
+            <a:r>
+              <a:rPr kumimoji="1" lang="ja-JP" altLang="en-US"/>
+              <a:t>近くにあれば誰でも盗聴可能 </a:t>
+            </a:r>
+            <a:r>
+              <a:rPr kumimoji="1" lang="en-US" altLang="ja-JP"/>
+              <a:t>: </a:t>
+            </a:r>
+            <a:r>
+              <a:rPr kumimoji="1" lang="ja-JP" altLang="en-US"/>
+              <a:t>有線</a:t>
+            </a:r>
+            <a:r>
+              <a:rPr kumimoji="1" lang="en-US" altLang="ja-JP"/>
+              <a:t>LAN</a:t>
+            </a:r>
+            <a:r>
+              <a:rPr kumimoji="1" lang="ja-JP" altLang="en-US"/>
+              <a:t>とは異なる攻撃が可能</a:t>
+            </a:r>
+            <a:endParaRPr kumimoji="1" lang="en-US" altLang="ja-JP"/>
+          </a:p>
+          <a:p>
+            <a:r>
+              <a:rPr kumimoji="1" lang="en-US" altLang="ja-JP"/>
+              <a:t>ARP/MAC</a:t>
+            </a:r>
+            <a:r>
+              <a:rPr kumimoji="1" lang="ja-JP" altLang="en-US"/>
+              <a:t>スプーフィング</a:t>
+            </a:r>
+            <a:r>
+              <a:rPr kumimoji="1" lang="en-US" altLang="ja-JP"/>
+              <a:t>(spoofing : </a:t>
+            </a:r>
+            <a:r>
+              <a:rPr kumimoji="1" lang="ja-JP" altLang="en-US"/>
+              <a:t>なりすまし</a:t>
             </a:r>
             <a:r>
               <a:rPr kumimoji="1" lang="en-US" altLang="ja-JP"/>
@@ -4716,63 +4573,93 @@
             <a:pPr lvl="1"/>
             <a:r>
               <a:rPr lang="en-US" altLang="ja-JP"/>
-              <a:t>2003</a:t>
+              <a:t>ARP</a:t>
             </a:r>
             <a:r>
               <a:rPr lang="ja-JP" altLang="en-US"/>
-              <a:t>年</a:t>
-            </a:r>
-            <a:r>
-              <a:rPr lang="en-US" altLang="ja-JP"/>
-              <a:t>WPA-TKIP(Temporal Key Integrity Protocol)</a:t>
-            </a:r>
-          </a:p>
-          <a:p>
-            <a:pPr lvl="2"/>
-            <a:r>
-              <a:rPr kumimoji="1" lang="en-US" altLang="ja-JP"/>
-              <a:t>48bit</a:t>
-            </a:r>
-            <a:r>
-              <a:rPr kumimoji="1" lang="ja-JP" altLang="en-US"/>
-              <a:t>の</a:t>
-            </a:r>
-            <a:r>
-              <a:rPr kumimoji="1" lang="en-US" altLang="ja-JP"/>
-              <a:t>IV+RC4</a:t>
-            </a:r>
-          </a:p>
-          <a:p>
-            <a:r>
-              <a:rPr lang="en-US" altLang="ja-JP"/>
-              <a:t>WPA2(2004</a:t>
-            </a:r>
+              <a:t>は暗号化されていない</a:t>
+            </a:r>
+            <a:endParaRPr lang="en-US" altLang="ja-JP"/>
+          </a:p>
+          <a:p>
+            <a:pPr lvl="1"/>
             <a:r>
               <a:rPr lang="ja-JP" altLang="en-US"/>
-              <a:t>年 </a:t>
-            </a:r>
-            <a:r>
-              <a:rPr lang="en-US" altLang="ja-JP"/>
-              <a:t>IEEE 802.11i)</a:t>
+              <a:t>不正な</a:t>
+            </a:r>
+            <a:r>
+              <a:rPr lang="en-US" altLang="ja-JP"/>
+              <a:t>ARP</a:t>
+            </a:r>
+            <a:r>
+              <a:rPr lang="ja-JP" altLang="en-US"/>
+              <a:t>を送って</a:t>
+            </a:r>
+            <a:r>
+              <a:rPr lang="en-US" altLang="ja-JP"/>
+              <a:t>MAC</a:t>
+            </a:r>
+            <a:r>
+              <a:rPr lang="ja-JP" altLang="en-US"/>
+              <a:t>アドレスを偽装→</a:t>
+            </a:r>
+            <a:r>
+              <a:rPr lang="en-US" altLang="ja-JP"/>
+              <a:t>MITM</a:t>
+            </a:r>
+            <a:r>
+              <a:rPr lang="ja-JP" altLang="en-US"/>
+              <a:t>などへ</a:t>
+            </a:r>
+            <a:endParaRPr lang="en-US" altLang="ja-JP"/>
+          </a:p>
+          <a:p>
+            <a:r>
+              <a:rPr kumimoji="1" lang="en-US" altLang="ja-JP"/>
+              <a:t>Evil Twin</a:t>
             </a:r>
           </a:p>
           <a:p>
             <a:pPr lvl="1"/>
             <a:r>
-              <a:rPr kumimoji="1" lang="en-US" altLang="ja-JP"/>
-              <a:t>256bit</a:t>
-            </a:r>
-            <a:r>
-              <a:rPr kumimoji="1" lang="ja-JP" altLang="en-US"/>
-              <a:t>の</a:t>
-            </a:r>
-            <a:r>
-              <a:rPr kumimoji="1" lang="en-US" altLang="ja-JP"/>
-              <a:t>AES</a:t>
-            </a:r>
-          </a:p>
-          <a:p>
-            <a:endParaRPr kumimoji="1" lang="ja-JP" altLang="en-US"/>
+              <a:rPr kumimoji="1" lang="ja-JP" altLang="en-US"/>
+              <a:t>同じ</a:t>
+            </a:r>
+            <a:r>
+              <a:rPr kumimoji="1" lang="en-US" altLang="ja-JP"/>
+              <a:t>SSID</a:t>
+            </a:r>
+            <a:r>
+              <a:rPr kumimoji="1" lang="ja-JP" altLang="en-US"/>
+              <a:t>を設定し強い電波を出して待ち受け</a:t>
+            </a:r>
+            <a:endParaRPr lang="en-US" altLang="ja-JP"/>
+          </a:p>
+          <a:p>
+            <a:r>
+              <a:rPr kumimoji="1" lang="ja-JP" altLang="en-US"/>
+              <a:t>認証解除攻撃</a:t>
+            </a:r>
+            <a:endParaRPr kumimoji="1" lang="en-US" altLang="ja-JP"/>
+          </a:p>
+          <a:p>
+            <a:pPr lvl="1"/>
+            <a:r>
+              <a:rPr kumimoji="1" lang="en-US" altLang="ja-JP"/>
+              <a:t>PMF(Protected Management Frames)</a:t>
+            </a:r>
+          </a:p>
+          <a:p>
+            <a:pPr lvl="1"/>
+            <a:r>
+              <a:rPr kumimoji="1" lang="en-US" altLang="ja-JP"/>
+              <a:t>802.11w </a:t>
+            </a:r>
+            <a:r>
+              <a:rPr kumimoji="1" lang="ja-JP" altLang="en-US"/>
+              <a:t>管理フレームを保護する規格</a:t>
+            </a:r>
+            <a:endParaRPr kumimoji="1" lang="en-US" altLang="ja-JP"/>
           </a:p>
         </p:txBody>
       </p:sp>
@@ -4781,7 +4668,7 @@
           <p:cNvPr id="3" name="スライド番号プレースホルダー 2">
             <a:extLst>
               <a:ext uri="{FF2B5EF4-FFF2-40B4-BE49-F238E27FC236}">
-                <a16:creationId xmlns:a16="http://schemas.microsoft.com/office/drawing/2014/main" id="{1D1E4298-B84F-4F62-9E53-581AE74BC23D}"/>
+                <a16:creationId xmlns:a16="http://schemas.microsoft.com/office/drawing/2014/main" id="{1259181D-9CE8-42E5-AA40-837AA91C5212}"/>
               </a:ext>
             </a:extLst>
           </p:cNvPr>
@@ -4823,7 +4710,7 @@
           <p:cNvPr id="4" name="タイトル 3">
             <a:extLst>
               <a:ext uri="{FF2B5EF4-FFF2-40B4-BE49-F238E27FC236}">
-                <a16:creationId xmlns:a16="http://schemas.microsoft.com/office/drawing/2014/main" id="{E192B5AF-B2B4-4254-874B-9F932ED148BD}"/>
+                <a16:creationId xmlns:a16="http://schemas.microsoft.com/office/drawing/2014/main" id="{C7AE19B3-368A-4136-BE15-F8AC057A25E5}"/>
               </a:ext>
             </a:extLst>
           </p:cNvPr>
@@ -4840,67 +4727,8 @@
           <a:lstStyle/>
           <a:p>
             <a:r>
-              <a:rPr kumimoji="1" lang="en-US" altLang="ja-JP"/>
-              <a:t>WPA</a:t>
-            </a:r>
-            <a:r>
-              <a:rPr kumimoji="1" lang="ja-JP" altLang="en-US"/>
-              <a:t>から</a:t>
-            </a:r>
-            <a:r>
-              <a:rPr kumimoji="1" lang="en-US" altLang="ja-JP"/>
-              <a:t>WAP2</a:t>
-            </a:r>
-            <a:endParaRPr kumimoji="1" lang="ja-JP" altLang="en-US"/>
-          </a:p>
-        </p:txBody>
-      </p:sp>
-      <p:sp>
-        <p:nvSpPr>
-          <p:cNvPr id="7" name="テキスト ボックス 6">
-            <a:extLst>
-              <a:ext uri="{FF2B5EF4-FFF2-40B4-BE49-F238E27FC236}">
-                <a16:creationId xmlns:a16="http://schemas.microsoft.com/office/drawing/2014/main" id="{703139A7-16D3-4933-9E77-D5CE8C392F4A}"/>
-              </a:ext>
-            </a:extLst>
-          </p:cNvPr>
-          <p:cNvSpPr txBox="1"/>
-          <p:nvPr/>
-        </p:nvSpPr>
-        <p:spPr>
-          <a:xfrm>
-            <a:off x="4860032" y="2438599"/>
-            <a:ext cx="3425984" cy="461665"/>
-          </a:xfrm>
-          <a:prstGeom prst="rect">
-            <a:avLst/>
-          </a:prstGeom>
-          <a:noFill/>
-          <a:ln w="19050" cap="rnd">
-            <a:noFill/>
-          </a:ln>
-        </p:spPr>
-        <p:txBody>
-          <a:bodyPr wrap="square" rtlCol="0">
-            <a:spAutoFit/>
-          </a:bodyPr>
-          <a:lstStyle/>
-          <a:p>
-            <a:r>
-              <a:rPr kumimoji="1" lang="en-US" altLang="ja-JP" sz="2400">
-                <a:latin typeface="游ゴシック" panose="020B0400000000000000" pitchFamily="50" charset="-128"/>
-                <a:ea typeface="游ゴシック" panose="020B0400000000000000" pitchFamily="50" charset="-128"/>
-                <a:cs typeface="Courier New" pitchFamily="49" charset="0"/>
-              </a:rPr>
-              <a:t>4-way</a:t>
-            </a:r>
-            <a:r>
-              <a:rPr kumimoji="1" lang="ja-JP" altLang="en-US" sz="2400">
-                <a:latin typeface="游ゴシック" panose="020B0400000000000000" pitchFamily="50" charset="-128"/>
-                <a:ea typeface="游ゴシック" panose="020B0400000000000000" pitchFamily="50" charset="-128"/>
-                <a:cs typeface="Courier New" pitchFamily="49" charset="0"/>
-              </a:rPr>
-              <a:t>ハンドシェイク</a:t>
+              <a:rPr kumimoji="1" lang="ja-JP" altLang="en-US"/>
+              <a:t>スプーフィングと認証解除攻撃</a:t>
             </a:r>
           </a:p>
         </p:txBody>
@@ -4908,7 +4736,7 @@
     </p:spTree>
     <p:extLst>
       <p:ext uri="{BB962C8B-B14F-4D97-AF65-F5344CB8AC3E}">
-        <p14:creationId xmlns:p14="http://schemas.microsoft.com/office/powerpoint/2010/main" val="451980676"/>
+        <p14:creationId xmlns:p14="http://schemas.microsoft.com/office/powerpoint/2010/main" val="78139145"/>
       </p:ext>
     </p:extLst>
   </p:cSld>
@@ -4935,12 +4763,48 @@
           <a:chExt cx="0" cy="0"/>
         </a:xfrm>
       </p:grpSpPr>
+      <p:pic>
+        <p:nvPicPr>
+          <p:cNvPr id="6" name="図 5">
+            <a:extLst>
+              <a:ext uri="{FF2B5EF4-FFF2-40B4-BE49-F238E27FC236}">
+                <a16:creationId xmlns:a16="http://schemas.microsoft.com/office/drawing/2014/main" id="{77668647-8626-4AB9-8FA3-F5DD77122D66}"/>
+              </a:ext>
+            </a:extLst>
+          </p:cNvPr>
+          <p:cNvPicPr>
+            <a:picLocks noChangeAspect="1"/>
+          </p:cNvPicPr>
+          <p:nvPr/>
+        </p:nvPicPr>
+        <p:blipFill>
+          <a:blip r:embed="rId2">
+            <a:extLst>
+              <a:ext uri="{28A0092B-C50C-407E-A947-70E740481C1C}">
+                <a14:useLocalDpi xmlns:a14="http://schemas.microsoft.com/office/drawing/2010/main" val="0"/>
+              </a:ext>
+            </a:extLst>
+          </a:blip>
+          <a:stretch>
+            <a:fillRect/>
+          </a:stretch>
+        </p:blipFill>
+        <p:spPr>
+          <a:xfrm>
+            <a:off x="1331640" y="1772816"/>
+            <a:ext cx="6192688" cy="2562224"/>
+          </a:xfrm>
+          <a:prstGeom prst="rect">
+            <a:avLst/>
+          </a:prstGeom>
+        </p:spPr>
+      </p:pic>
       <p:sp>
         <p:nvSpPr>
           <p:cNvPr id="2" name="コンテンツ プレースホルダー 1">
             <a:extLst>
               <a:ext uri="{FF2B5EF4-FFF2-40B4-BE49-F238E27FC236}">
-                <a16:creationId xmlns:a16="http://schemas.microsoft.com/office/drawing/2014/main" id="{3BED4404-22E9-41D8-B5B9-AA2A379F3EE8}"/>
+                <a16:creationId xmlns:a16="http://schemas.microsoft.com/office/drawing/2014/main" id="{F6615D1E-E059-4D3F-9B85-07FD7105714A}"/>
               </a:ext>
             </a:extLst>
           </p:cNvPr>
@@ -4958,7 +4822,98 @@
           <a:p>
             <a:r>
               <a:rPr kumimoji="1" lang="en-US" altLang="ja-JP"/>
-              <a:t>2017</a:t>
+              <a:t>40bit</a:t>
+            </a:r>
+            <a:r>
+              <a:rPr kumimoji="1" lang="ja-JP" altLang="en-US"/>
+              <a:t>の秘密鍵</a:t>
+            </a:r>
+            <a:r>
+              <a:rPr kumimoji="1" lang="en-US" altLang="ja-JP"/>
+              <a:t>(</a:t>
+            </a:r>
+            <a:r>
+              <a:rPr kumimoji="1" lang="ja-JP" altLang="en-US"/>
+              <a:t>後に</a:t>
+            </a:r>
+            <a:r>
+              <a:rPr kumimoji="1" lang="en-US" altLang="ja-JP"/>
+              <a:t>104bit</a:t>
+            </a:r>
+            <a:r>
+              <a:rPr kumimoji="1" lang="ja-JP" altLang="en-US"/>
+              <a:t>にまで増える</a:t>
+            </a:r>
+            <a:r>
+              <a:rPr kumimoji="1" lang="en-US" altLang="ja-JP"/>
+              <a:t>)</a:t>
+            </a:r>
+          </a:p>
+          <a:p>
+            <a:r>
+              <a:rPr kumimoji="1" lang="en-US" altLang="ja-JP"/>
+              <a:t>24bit</a:t>
+            </a:r>
+            <a:r>
+              <a:rPr kumimoji="1" lang="ja-JP" altLang="en-US"/>
+              <a:t>の初期化ベクトル</a:t>
+            </a:r>
+            <a:r>
+              <a:rPr kumimoji="1" lang="en-US" altLang="ja-JP"/>
+              <a:t>IV + RC4</a:t>
+            </a:r>
+          </a:p>
+          <a:p>
+            <a:endParaRPr lang="en-US" altLang="ja-JP"/>
+          </a:p>
+          <a:p>
+            <a:endParaRPr kumimoji="1" lang="en-US" altLang="ja-JP"/>
+          </a:p>
+          <a:p>
+            <a:endParaRPr lang="en-US" altLang="ja-JP"/>
+          </a:p>
+          <a:p>
+            <a:pPr lvl="1"/>
+            <a:r>
+              <a:rPr lang="en-US" altLang="ja-JP"/>
+              <a:t>24bit</a:t>
+            </a:r>
+            <a:r>
+              <a:rPr lang="ja-JP" altLang="en-US"/>
+              <a:t>だと</a:t>
+            </a:r>
+            <a:r>
+              <a:rPr lang="en-US" altLang="ja-JP"/>
+              <a:t>12bit</a:t>
+            </a:r>
+            <a:r>
+              <a:rPr lang="ja-JP" altLang="en-US"/>
+              <a:t>分の盗聴で</a:t>
+            </a:r>
+            <a:br>
+              <a:rPr lang="en-US" altLang="ja-JP"/>
+            </a:br>
+            <a:r>
+              <a:rPr lang="ja-JP" altLang="en-US"/>
+              <a:t>同じものが見つかる確率が</a:t>
+            </a:r>
+            <a:br>
+              <a:rPr lang="en-US" altLang="ja-JP"/>
+            </a:br>
+            <a:r>
+              <a:rPr lang="en-US" altLang="ja-JP"/>
+              <a:t>40% ; </a:t>
+            </a:r>
+            <a:r>
+              <a:rPr lang="ja-JP" altLang="en-US"/>
+              <a:t>これを利用した攻撃の研究</a:t>
+            </a:r>
+            <a:endParaRPr lang="en-US" altLang="ja-JP"/>
+          </a:p>
+          <a:p>
+            <a:r>
+              <a:rPr kumimoji="1" lang="en-US" altLang="ja-JP"/>
+              <a:t>2007</a:t>
             </a:r>
             <a:r>
               <a:rPr kumimoji="1" lang="ja-JP" altLang="en-US"/>
@@ -4966,87 +4921,72 @@
             </a:r>
             <a:r>
               <a:rPr kumimoji="1" lang="en-US" altLang="ja-JP"/>
-              <a:t>Vanhoef</a:t>
-            </a:r>
-            <a:r>
-              <a:rPr kumimoji="1" lang="ja-JP" altLang="en-US"/>
-              <a:t>らによる</a:t>
-            </a:r>
-            <a:r>
-              <a:rPr kumimoji="1" lang="en-US" altLang="ja-JP"/>
-              <a:t>WPA2</a:t>
-            </a:r>
-            <a:r>
-              <a:rPr kumimoji="1" lang="ja-JP" altLang="en-US"/>
-              <a:t>の攻撃</a:t>
+              <a:t>Tews</a:t>
+            </a:r>
+          </a:p>
+          <a:p>
+            <a:pPr lvl="1"/>
+            <a:r>
+              <a:rPr kumimoji="1" lang="en-US" altLang="ja-JP"/>
+              <a:t>8</a:t>
+            </a:r>
+            <a:r>
+              <a:rPr kumimoji="1" lang="ja-JP" altLang="en-US"/>
+              <a:t>万</a:t>
+            </a:r>
+            <a:r>
+              <a:rPr kumimoji="1" lang="en-US" altLang="ja-JP"/>
+              <a:t>5</a:t>
+            </a:r>
+            <a:r>
+              <a:rPr kumimoji="1" lang="ja-JP" altLang="en-US"/>
+              <a:t>千個の</a:t>
+            </a:r>
+            <a:r>
+              <a:rPr kumimoji="1" lang="en-US" altLang="ja-JP"/>
+              <a:t>ARP</a:t>
+            </a:r>
+            <a:r>
+              <a:rPr kumimoji="1" lang="ja-JP" altLang="en-US"/>
+              <a:t>から秘密鍵を復元</a:t>
             </a:r>
             <a:endParaRPr kumimoji="1" lang="en-US" altLang="ja-JP"/>
           </a:p>
           <a:p>
+            <a:r>
+              <a:rPr kumimoji="1" lang="en-US" altLang="ja-JP"/>
+              <a:t>2010</a:t>
+            </a:r>
+            <a:r>
+              <a:rPr kumimoji="1" lang="ja-JP" altLang="en-US"/>
+              <a:t>年</a:t>
+            </a:r>
+            <a:r>
+              <a:rPr kumimoji="1" lang="en-US" altLang="ja-JP"/>
+              <a:t>TeAM-OK(</a:t>
+            </a:r>
+            <a:r>
+              <a:rPr kumimoji="1" lang="ja-JP" altLang="en-US"/>
+              <a:t>寺村氏ら</a:t>
+            </a:r>
+            <a:r>
+              <a:rPr kumimoji="1" lang="en-US" altLang="ja-JP"/>
+              <a:t>)</a:t>
+            </a:r>
+          </a:p>
+          <a:p>
             <a:pPr lvl="1"/>
             <a:r>
-              <a:rPr kumimoji="1" lang="en-US" altLang="ja-JP"/>
-              <a:t>MITM</a:t>
-            </a:r>
-            <a:r>
-              <a:rPr kumimoji="1" lang="ja-JP" altLang="en-US"/>
-              <a:t>によるナンスの再利用を誘発する攻撃</a:t>
-            </a:r>
-            <a:endParaRPr kumimoji="1" lang="en-US" altLang="ja-JP"/>
-          </a:p>
-          <a:p>
-            <a:pPr lvl="2"/>
-            <a:r>
-              <a:rPr lang="ja-JP" altLang="en-US"/>
-              <a:t>一部の</a:t>
-            </a:r>
-            <a:r>
-              <a:rPr lang="en-US" altLang="ja-JP"/>
-              <a:t>Android</a:t>
-            </a:r>
-            <a:r>
-              <a:rPr lang="ja-JP" altLang="en-US"/>
-              <a:t>の実装で</a:t>
-            </a:r>
-            <a:r>
-              <a:rPr lang="en-US" altLang="ja-JP"/>
-              <a:t>TK</a:t>
-            </a:r>
-            <a:r>
-              <a:rPr lang="ja-JP" altLang="en-US"/>
-              <a:t>を全て</a:t>
-            </a:r>
-            <a:r>
-              <a:rPr lang="en-US" altLang="ja-JP"/>
-              <a:t>0</a:t>
-            </a:r>
-            <a:r>
-              <a:rPr lang="ja-JP" altLang="en-US"/>
-              <a:t>にしてしまうバグの発見</a:t>
-            </a:r>
-            <a:endParaRPr kumimoji="1" lang="en-US" altLang="ja-JP"/>
-          </a:p>
-          <a:p>
-            <a:pPr lvl="1"/>
-            <a:r>
-              <a:rPr kumimoji="1" lang="ja-JP" altLang="en-US"/>
-              <a:t>全て</a:t>
-            </a:r>
-            <a:r>
-              <a:rPr kumimoji="1" lang="en-US" altLang="ja-JP"/>
-              <a:t>HTTPS</a:t>
-            </a:r>
-            <a:r>
-              <a:rPr kumimoji="1" lang="ja-JP" altLang="en-US"/>
-              <a:t>なら安全だがそうでなければ盗聴</a:t>
-            </a:r>
-            <a:r>
-              <a:rPr kumimoji="1" lang="en-US" altLang="ja-JP"/>
-              <a:t>/</a:t>
-            </a:r>
-            <a:r>
-              <a:rPr kumimoji="1" lang="ja-JP" altLang="en-US"/>
-              <a:t>改竄の可能性</a:t>
+              <a:rPr kumimoji="1" lang="ja-JP" altLang="en-US"/>
+              <a:t>通常のパケット</a:t>
+            </a:r>
+            <a:r>
+              <a:rPr kumimoji="1" lang="en-US" altLang="ja-JP"/>
+              <a:t>5</a:t>
+            </a:r>
+            <a:r>
+              <a:rPr kumimoji="1" lang="ja-JP" altLang="en-US"/>
+              <a:t>万個から秘密鍵を復元</a:t>
             </a:r>
           </a:p>
         </p:txBody>
@@ -5056,7 +4996,7 @@
           <p:cNvPr id="3" name="スライド番号プレースホルダー 2">
             <a:extLst>
               <a:ext uri="{FF2B5EF4-FFF2-40B4-BE49-F238E27FC236}">
-                <a16:creationId xmlns:a16="http://schemas.microsoft.com/office/drawing/2014/main" id="{6784218F-CB3F-42B1-92EC-A8F3FAD6D13A}"/>
+                <a16:creationId xmlns:a16="http://schemas.microsoft.com/office/drawing/2014/main" id="{C96734DF-D89E-438F-90E6-95A5B8740A2B}"/>
               </a:ext>
             </a:extLst>
           </p:cNvPr>
@@ -5098,7 +5038,7 @@
           <p:cNvPr id="4" name="タイトル 3">
             <a:extLst>
               <a:ext uri="{FF2B5EF4-FFF2-40B4-BE49-F238E27FC236}">
-                <a16:creationId xmlns:a16="http://schemas.microsoft.com/office/drawing/2014/main" id="{4B8AC996-EE43-4769-95CD-FA308EB38934}"/>
+                <a16:creationId xmlns:a16="http://schemas.microsoft.com/office/drawing/2014/main" id="{8D9A20C8-1601-4990-875A-125BC4F1A872}"/>
               </a:ext>
             </a:extLst>
           </p:cNvPr>
@@ -5116,52 +5056,16 @@
           <a:p>
             <a:r>
               <a:rPr kumimoji="1" lang="en-US" altLang="ja-JP"/>
-              <a:t>KRACK</a:t>
+              <a:t>WEP (Wired Equivalent Privacy)</a:t>
             </a:r>
             <a:endParaRPr kumimoji="1" lang="ja-JP" altLang="en-US"/>
           </a:p>
         </p:txBody>
       </p:sp>
-      <p:pic>
-        <p:nvPicPr>
-          <p:cNvPr id="6" name="図 5">
-            <a:extLst>
-              <a:ext uri="{FF2B5EF4-FFF2-40B4-BE49-F238E27FC236}">
-                <a16:creationId xmlns:a16="http://schemas.microsoft.com/office/drawing/2014/main" id="{EAD50411-FB23-43B9-8F0C-5332370E47F0}"/>
-              </a:ext>
-            </a:extLst>
-          </p:cNvPr>
-          <p:cNvPicPr>
-            <a:picLocks noChangeAspect="1"/>
-          </p:cNvPicPr>
-          <p:nvPr/>
-        </p:nvPicPr>
-        <p:blipFill>
-          <a:blip r:embed="rId2">
-            <a:extLst>
-              <a:ext uri="{28A0092B-C50C-407E-A947-70E740481C1C}">
-                <a14:useLocalDpi xmlns:a14="http://schemas.microsoft.com/office/drawing/2010/main" val="0"/>
-              </a:ext>
-            </a:extLst>
-          </a:blip>
-          <a:stretch>
-            <a:fillRect/>
-          </a:stretch>
-        </p:blipFill>
-        <p:spPr>
-          <a:xfrm>
-            <a:off x="1331640" y="2649058"/>
-            <a:ext cx="6120680" cy="4200317"/>
-          </a:xfrm>
-          <a:prstGeom prst="rect">
-            <a:avLst/>
-          </a:prstGeom>
-        </p:spPr>
-      </p:pic>
     </p:spTree>
     <p:extLst>
       <p:ext uri="{BB962C8B-B14F-4D97-AF65-F5344CB8AC3E}">
-        <p14:creationId xmlns:p14="http://schemas.microsoft.com/office/powerpoint/2010/main" val="389965258"/>
+        <p14:creationId xmlns:p14="http://schemas.microsoft.com/office/powerpoint/2010/main" val="3136027840"/>
       </p:ext>
     </p:extLst>
   </p:cSld>
@@ -5188,12 +5092,48 @@
           <a:chExt cx="0" cy="0"/>
         </a:xfrm>
       </p:grpSpPr>
+      <p:pic>
+        <p:nvPicPr>
+          <p:cNvPr id="6" name="図 5">
+            <a:extLst>
+              <a:ext uri="{FF2B5EF4-FFF2-40B4-BE49-F238E27FC236}">
+                <a16:creationId xmlns:a16="http://schemas.microsoft.com/office/drawing/2014/main" id="{AFAE7ED5-9062-43E9-A2A1-0ADA328F64E3}"/>
+              </a:ext>
+            </a:extLst>
+          </p:cNvPr>
+          <p:cNvPicPr>
+            <a:picLocks noChangeAspect="1"/>
+          </p:cNvPicPr>
+          <p:nvPr/>
+        </p:nvPicPr>
+        <p:blipFill>
+          <a:blip r:embed="rId3">
+            <a:extLst>
+              <a:ext uri="{28A0092B-C50C-407E-A947-70E740481C1C}">
+                <a14:useLocalDpi xmlns:a14="http://schemas.microsoft.com/office/drawing/2010/main" val="0"/>
+              </a:ext>
+            </a:extLst>
+          </a:blip>
+          <a:stretch>
+            <a:fillRect/>
+          </a:stretch>
+        </p:blipFill>
+        <p:spPr>
+          <a:xfrm>
+            <a:off x="1655676" y="2773058"/>
+            <a:ext cx="6516724" cy="3913289"/>
+          </a:xfrm>
+          <a:prstGeom prst="rect">
+            <a:avLst/>
+          </a:prstGeom>
+        </p:spPr>
+      </p:pic>
       <p:sp>
         <p:nvSpPr>
           <p:cNvPr id="2" name="コンテンツ プレースホルダー 1">
             <a:extLst>
               <a:ext uri="{FF2B5EF4-FFF2-40B4-BE49-F238E27FC236}">
-                <a16:creationId xmlns:a16="http://schemas.microsoft.com/office/drawing/2014/main" id="{0ABA4BCA-C315-4C8B-A216-C5E9ACDBAD68}"/>
+                <a16:creationId xmlns:a16="http://schemas.microsoft.com/office/drawing/2014/main" id="{F0ED5844-4B23-4A44-BB69-0222D439B3F5}"/>
               </a:ext>
             </a:extLst>
           </p:cNvPr>
@@ -5211,11 +5151,11 @@
           <a:p>
             <a:r>
               <a:rPr kumimoji="1" lang="en-US" altLang="ja-JP"/>
-              <a:t>SAE(</a:t>
-            </a:r>
-            <a:r>
-              <a:rPr lang="en-US" altLang="ja-JP"/>
-              <a:t>Simultaneous Authentication of Equals</a:t>
+              <a:t>WPA(</a:t>
+            </a:r>
+            <a:r>
+              <a:rPr lang="en-US" altLang="ja-JP"/>
+              <a:t>Wi-Fi Protected Access</a:t>
             </a:r>
             <a:r>
               <a:rPr kumimoji="1" lang="en-US" altLang="ja-JP"/>
@@ -5226,60 +5166,63 @@
             <a:pPr lvl="1"/>
             <a:r>
               <a:rPr lang="en-US" altLang="ja-JP"/>
-              <a:t>4-way</a:t>
+              <a:t>2003</a:t>
             </a:r>
             <a:r>
               <a:rPr lang="ja-JP" altLang="en-US"/>
-              <a:t>ハンドェイクの前に行う鍵共有プロトコル</a:t>
-            </a:r>
-            <a:endParaRPr lang="en-US" altLang="ja-JP"/>
+              <a:t>年</a:t>
+            </a:r>
+            <a:r>
+              <a:rPr lang="en-US" altLang="ja-JP"/>
+              <a:t>WPA-TKIP(Temporal Key Integrity Protocol)</a:t>
+            </a:r>
+          </a:p>
+          <a:p>
+            <a:pPr lvl="2"/>
+            <a:r>
+              <a:rPr kumimoji="1" lang="en-US" altLang="ja-JP"/>
+              <a:t>48bit</a:t>
+            </a:r>
+            <a:r>
+              <a:rPr kumimoji="1" lang="ja-JP" altLang="en-US"/>
+              <a:t>の</a:t>
+            </a:r>
+            <a:r>
+              <a:rPr kumimoji="1" lang="en-US" altLang="ja-JP"/>
+              <a:t>IV+RC4</a:t>
+            </a:r>
+          </a:p>
+          <a:p>
+            <a:r>
+              <a:rPr lang="en-US" altLang="ja-JP"/>
+              <a:t>WPA2(2004</a:t>
+            </a:r>
+            <a:r>
+              <a:rPr lang="ja-JP" altLang="en-US"/>
+              <a:t>年 </a:t>
+            </a:r>
+            <a:r>
+              <a:rPr lang="en-US" altLang="ja-JP"/>
+              <a:t>IEEE 802.11i)</a:t>
+            </a:r>
           </a:p>
           <a:p>
             <a:pPr lvl="1"/>
-            <a:endParaRPr kumimoji="1" lang="en-US" altLang="ja-JP"/>
-          </a:p>
-          <a:p>
-            <a:pPr lvl="1"/>
-            <a:endParaRPr lang="en-US" altLang="ja-JP"/>
-          </a:p>
-          <a:p>
-            <a:pPr lvl="1"/>
-            <a:endParaRPr kumimoji="1" lang="en-US" altLang="ja-JP"/>
-          </a:p>
-          <a:p>
-            <a:pPr lvl="1"/>
-            <a:endParaRPr lang="en-US" altLang="ja-JP"/>
-          </a:p>
-          <a:p>
-            <a:pPr lvl="1"/>
-            <a:endParaRPr kumimoji="1" lang="en-US" altLang="ja-JP"/>
-          </a:p>
-          <a:p>
-            <a:pPr lvl="1"/>
-            <a:endParaRPr lang="en-US" altLang="ja-JP"/>
-          </a:p>
-          <a:p>
-            <a:pPr lvl="1"/>
-            <a:endParaRPr kumimoji="1" lang="en-US" altLang="ja-JP"/>
-          </a:p>
-          <a:p>
-            <a:pPr lvl="1"/>
-            <a:endParaRPr lang="en-US" altLang="ja-JP"/>
-          </a:p>
-          <a:p>
-            <a:pPr lvl="1"/>
-            <a:endParaRPr kumimoji="1" lang="en-US" altLang="ja-JP"/>
-          </a:p>
-          <a:p>
-            <a:pPr lvl="1"/>
-            <a:r>
-              <a:rPr kumimoji="1" lang="en-US" altLang="ja-JP"/>
-              <a:t>PSK</a:t>
-            </a:r>
-            <a:r>
-              <a:rPr kumimoji="1" lang="ja-JP" altLang="en-US"/>
-              <a:t>が漏洩しても鍵共有の結果は分からない前方秘匿性</a:t>
-            </a:r>
+            <a:r>
+              <a:rPr kumimoji="1" lang="en-US" altLang="ja-JP"/>
+              <a:t>256bit</a:t>
+            </a:r>
+            <a:r>
+              <a:rPr kumimoji="1" lang="ja-JP" altLang="en-US"/>
+              <a:t>の</a:t>
+            </a:r>
+            <a:r>
+              <a:rPr kumimoji="1" lang="en-US" altLang="ja-JP"/>
+              <a:t>AES</a:t>
+            </a:r>
+          </a:p>
+          <a:p>
+            <a:endParaRPr kumimoji="1" lang="ja-JP" altLang="en-US"/>
           </a:p>
         </p:txBody>
       </p:sp>
@@ -5288,7 +5231,7 @@
           <p:cNvPr id="3" name="スライド番号プレースホルダー 2">
             <a:extLst>
               <a:ext uri="{FF2B5EF4-FFF2-40B4-BE49-F238E27FC236}">
-                <a16:creationId xmlns:a16="http://schemas.microsoft.com/office/drawing/2014/main" id="{EDA3E084-4EE1-48FD-B78A-16246964D5E8}"/>
+                <a16:creationId xmlns:a16="http://schemas.microsoft.com/office/drawing/2014/main" id="{1D1E4298-B84F-4F62-9E53-581AE74BC23D}"/>
               </a:ext>
             </a:extLst>
           </p:cNvPr>
@@ -5330,7 +5273,7 @@
           <p:cNvPr id="4" name="タイトル 3">
             <a:extLst>
               <a:ext uri="{FF2B5EF4-FFF2-40B4-BE49-F238E27FC236}">
-                <a16:creationId xmlns:a16="http://schemas.microsoft.com/office/drawing/2014/main" id="{513AD2EE-23DD-46E1-86FD-4374A81B2958}"/>
+                <a16:creationId xmlns:a16="http://schemas.microsoft.com/office/drawing/2014/main" id="{E192B5AF-B2B4-4254-874B-9F932ED148BD}"/>
               </a:ext>
             </a:extLst>
           </p:cNvPr>
@@ -5348,52 +5291,74 @@
           <a:p>
             <a:r>
               <a:rPr kumimoji="1" lang="en-US" altLang="ja-JP"/>
-              <a:t>WPA3 (2018)</a:t>
+              <a:t>WPA</a:t>
+            </a:r>
+            <a:r>
+              <a:rPr kumimoji="1" lang="ja-JP" altLang="en-US"/>
+              <a:t>から</a:t>
+            </a:r>
+            <a:r>
+              <a:rPr kumimoji="1" lang="en-US" altLang="ja-JP"/>
+              <a:t>WAP2</a:t>
             </a:r>
             <a:endParaRPr kumimoji="1" lang="ja-JP" altLang="en-US"/>
           </a:p>
         </p:txBody>
       </p:sp>
-      <p:pic>
-        <p:nvPicPr>
-          <p:cNvPr id="6" name="図 5">
+      <p:sp>
+        <p:nvSpPr>
+          <p:cNvPr id="7" name="テキスト ボックス 6">
             <a:extLst>
               <a:ext uri="{FF2B5EF4-FFF2-40B4-BE49-F238E27FC236}">
-                <a16:creationId xmlns:a16="http://schemas.microsoft.com/office/drawing/2014/main" id="{830556C7-1690-4D8D-88A4-D5B9B79057BD}"/>
+                <a16:creationId xmlns:a16="http://schemas.microsoft.com/office/drawing/2014/main" id="{703139A7-16D3-4933-9E77-D5CE8C392F4A}"/>
               </a:ext>
             </a:extLst>
           </p:cNvPr>
-          <p:cNvPicPr>
-            <a:picLocks noChangeAspect="1"/>
-          </p:cNvPicPr>
+          <p:cNvSpPr txBox="1"/>
           <p:nvPr/>
-        </p:nvPicPr>
-        <p:blipFill>
-          <a:blip r:embed="rId2">
-            <a:extLst>
-              <a:ext uri="{28A0092B-C50C-407E-A947-70E740481C1C}">
-                <a14:useLocalDpi xmlns:a14="http://schemas.microsoft.com/office/drawing/2010/main" val="0"/>
-              </a:ext>
-            </a:extLst>
-          </a:blip>
-          <a:stretch>
-            <a:fillRect/>
-          </a:stretch>
-        </p:blipFill>
+        </p:nvSpPr>
         <p:spPr>
           <a:xfrm>
-            <a:off x="899592" y="1844824"/>
-            <a:ext cx="7488832" cy="3725694"/>
+            <a:off x="4860032" y="2438599"/>
+            <a:ext cx="3425984" cy="461665"/>
           </a:xfrm>
           <a:prstGeom prst="rect">
             <a:avLst/>
           </a:prstGeom>
+          <a:noFill/>
+          <a:ln w="19050" cap="rnd">
+            <a:noFill/>
+          </a:ln>
         </p:spPr>
-      </p:pic>
+        <p:txBody>
+          <a:bodyPr wrap="square" rtlCol="0">
+            <a:spAutoFit/>
+          </a:bodyPr>
+          <a:lstStyle/>
+          <a:p>
+            <a:r>
+              <a:rPr kumimoji="1" lang="en-US" altLang="ja-JP" sz="2400">
+                <a:latin typeface="游ゴシック" panose="020B0400000000000000" pitchFamily="50" charset="-128"/>
+                <a:ea typeface="游ゴシック" panose="020B0400000000000000" pitchFamily="50" charset="-128"/>
+                <a:cs typeface="Courier New" pitchFamily="49" charset="0"/>
+              </a:rPr>
+              <a:t>4-way</a:t>
+            </a:r>
+            <a:r>
+              <a:rPr kumimoji="1" lang="ja-JP" altLang="en-US" sz="2400">
+                <a:latin typeface="游ゴシック" panose="020B0400000000000000" pitchFamily="50" charset="-128"/>
+                <a:ea typeface="游ゴシック" panose="020B0400000000000000" pitchFamily="50" charset="-128"/>
+                <a:cs typeface="Courier New" pitchFamily="49" charset="0"/>
+              </a:rPr>
+              <a:t>ハンドシェイク</a:t>
+            </a:r>
+          </a:p>
+        </p:txBody>
+      </p:sp>
     </p:spTree>
     <p:extLst>
       <p:ext uri="{BB962C8B-B14F-4D97-AF65-F5344CB8AC3E}">
-        <p14:creationId xmlns:p14="http://schemas.microsoft.com/office/powerpoint/2010/main" val="1803328256"/>
+        <p14:creationId xmlns:p14="http://schemas.microsoft.com/office/powerpoint/2010/main" val="451980676"/>
       </p:ext>
     </p:extLst>
   </p:cSld>
@@ -5938,7 +5903,7 @@
           <p:cNvPr id="2" name="コンテンツ プレースホルダー 1">
             <a:extLst>
               <a:ext uri="{FF2B5EF4-FFF2-40B4-BE49-F238E27FC236}">
-                <a16:creationId xmlns:a16="http://schemas.microsoft.com/office/drawing/2014/main" id="{DB94340B-9218-4281-BB79-618343A57F22}"/>
+                <a16:creationId xmlns:a16="http://schemas.microsoft.com/office/drawing/2014/main" id="{3BED4404-22E9-41D8-B5B9-AA2A379F3EE8}"/>
               </a:ext>
             </a:extLst>
           </p:cNvPr>
@@ -5956,146 +5921,96 @@
           <a:p>
             <a:r>
               <a:rPr kumimoji="1" lang="en-US" altLang="ja-JP"/>
+              <a:t>2017</a:t>
+            </a:r>
+            <a:r>
+              <a:rPr kumimoji="1" lang="ja-JP" altLang="en-US"/>
+              <a:t>年</a:t>
+            </a:r>
+            <a:r>
+              <a:rPr kumimoji="1" lang="en-US" altLang="ja-JP"/>
               <a:t>Vanhoef</a:t>
             </a:r>
             <a:r>
               <a:rPr kumimoji="1" lang="ja-JP" altLang="en-US"/>
-              <a:t>と</a:t>
-            </a:r>
-            <a:r>
-              <a:rPr kumimoji="1" lang="en-US" altLang="ja-JP"/>
-              <a:t>Ronen</a:t>
-            </a:r>
-            <a:r>
-              <a:rPr kumimoji="1" lang="ja-JP" altLang="en-US"/>
-              <a:t>による</a:t>
-            </a:r>
-            <a:r>
-              <a:rPr kumimoji="1" lang="en-US" altLang="ja-JP"/>
-              <a:t>SAE</a:t>
-            </a:r>
-            <a:r>
-              <a:rPr kumimoji="1" lang="ja-JP" altLang="en-US"/>
-              <a:t>の脆弱な実装報告</a:t>
+              <a:t>らによる</a:t>
+            </a:r>
+            <a:r>
+              <a:rPr kumimoji="1" lang="en-US" altLang="ja-JP"/>
+              <a:t>WPA2</a:t>
+            </a:r>
+            <a:r>
+              <a:rPr kumimoji="1" lang="ja-JP" altLang="en-US"/>
+              <a:t>の攻撃</a:t>
             </a:r>
             <a:endParaRPr kumimoji="1" lang="en-US" altLang="ja-JP"/>
           </a:p>
           <a:p>
             <a:pPr lvl="1"/>
             <a:r>
-              <a:rPr kumimoji="1" lang="ja-JP" altLang="en-US"/>
-              <a:t>楕円曲線の秘密鍵の値に依存した実行速度の差を利用</a:t>
+              <a:rPr kumimoji="1" lang="en-US" altLang="ja-JP"/>
+              <a:t>MITM</a:t>
+            </a:r>
+            <a:r>
+              <a:rPr kumimoji="1" lang="ja-JP" altLang="en-US"/>
+              <a:t>によるナンスの再利用を誘発する攻撃</a:t>
             </a:r>
             <a:endParaRPr kumimoji="1" lang="en-US" altLang="ja-JP"/>
           </a:p>
           <a:p>
+            <a:pPr lvl="2"/>
+            <a:r>
+              <a:rPr lang="ja-JP" altLang="en-US"/>
+              <a:t>一部の</a:t>
+            </a:r>
+            <a:r>
+              <a:rPr lang="en-US" altLang="ja-JP"/>
+              <a:t>Android</a:t>
+            </a:r>
+            <a:r>
+              <a:rPr lang="ja-JP" altLang="en-US"/>
+              <a:t>の実装で</a:t>
+            </a:r>
+            <a:r>
+              <a:rPr lang="en-US" altLang="ja-JP"/>
+              <a:t>TK</a:t>
+            </a:r>
+            <a:r>
+              <a:rPr lang="ja-JP" altLang="en-US"/>
+              <a:t>を全て</a:t>
+            </a:r>
+            <a:r>
+              <a:rPr lang="en-US" altLang="ja-JP"/>
+              <a:t>0</a:t>
+            </a:r>
+            <a:r>
+              <a:rPr lang="ja-JP" altLang="en-US"/>
+              <a:t>にしてしまうバグの発見</a:t>
+            </a:r>
+            <a:endParaRPr kumimoji="1" lang="en-US" altLang="ja-JP"/>
+          </a:p>
+          <a:p>
             <a:pPr lvl="1"/>
             <a:r>
               <a:rPr kumimoji="1" lang="ja-JP" altLang="en-US"/>
-              <a:t>サイドチャネル攻撃</a:t>
-            </a:r>
-            <a:endParaRPr kumimoji="1" lang="en-US" altLang="ja-JP"/>
-          </a:p>
-          <a:p>
-            <a:pPr lvl="2"/>
-            <a:r>
-              <a:rPr kumimoji="1" lang="ja-JP" altLang="en-US"/>
-              <a:t>他にダウングレード攻撃や実装不備など</a:t>
-            </a:r>
-            <a:endParaRPr kumimoji="1" lang="en-US" altLang="ja-JP"/>
-          </a:p>
-          <a:p>
-            <a:pPr lvl="1"/>
-            <a:r>
-              <a:rPr lang="en-US" altLang="ja-JP"/>
-              <a:t>2020</a:t>
-            </a:r>
-            <a:r>
-              <a:rPr lang="ja-JP" altLang="en-US"/>
-              <a:t>年対策済み</a:t>
-            </a:r>
-            <a:endParaRPr lang="en-US" altLang="ja-JP"/>
-          </a:p>
-          <a:p>
-            <a:r>
-              <a:rPr kumimoji="1" lang="en-US" altLang="ja-JP"/>
-              <a:t>FragAttacks (2021</a:t>
-            </a:r>
-            <a:r>
-              <a:rPr kumimoji="1" lang="ja-JP" altLang="en-US"/>
-              <a:t>年</a:t>
-            </a:r>
-            <a:r>
-              <a:rPr kumimoji="1" lang="en-US" altLang="ja-JP"/>
-              <a:t>5</a:t>
-            </a:r>
-            <a:r>
-              <a:rPr kumimoji="1" lang="ja-JP" altLang="en-US"/>
-              <a:t>月</a:t>
-            </a:r>
-            <a:r>
-              <a:rPr kumimoji="1" lang="en-US" altLang="ja-JP"/>
-              <a:t>) by Vanhoef</a:t>
-            </a:r>
-          </a:p>
-          <a:p>
-            <a:pPr lvl="1"/>
-            <a:r>
-              <a:rPr kumimoji="1" lang="ja-JP" altLang="en-US"/>
-              <a:t>フレームアグリケーション</a:t>
-            </a:r>
-            <a:endParaRPr kumimoji="1" lang="en-US" altLang="ja-JP"/>
-          </a:p>
-          <a:p>
-            <a:pPr lvl="2"/>
-            <a:r>
-              <a:rPr kumimoji="1" lang="ja-JP" altLang="en-US"/>
-              <a:t>複数の</a:t>
-            </a:r>
-            <a:r>
-              <a:rPr kumimoji="1" lang="en-US" altLang="ja-JP"/>
-              <a:t>(</a:t>
-            </a:r>
-            <a:r>
-              <a:rPr kumimoji="1" lang="ja-JP" altLang="en-US"/>
-              <a:t>無線</a:t>
-            </a:r>
-            <a:r>
-              <a:rPr kumimoji="1" lang="en-US" altLang="ja-JP"/>
-              <a:t>LAN)</a:t>
-            </a:r>
-            <a:r>
-              <a:rPr kumimoji="1" lang="ja-JP" altLang="en-US"/>
-              <a:t>フレームを一つに集約する機能</a:t>
-            </a:r>
-            <a:endParaRPr kumimoji="1" lang="en-US" altLang="ja-JP"/>
-          </a:p>
-          <a:p>
-            <a:pPr lvl="2"/>
-            <a:r>
-              <a:rPr kumimoji="1" lang="ja-JP" altLang="en-US"/>
-              <a:t>集約されているかを確認するフラグは暗号化保護の対象外</a:t>
-            </a:r>
-            <a:endParaRPr kumimoji="1" lang="en-US" altLang="ja-JP"/>
-          </a:p>
-          <a:p>
-            <a:pPr lvl="2"/>
-            <a:r>
-              <a:rPr kumimoji="1" lang="ja-JP" altLang="en-US"/>
-              <a:t>このフラグを改竄して攻撃パケットを挿入</a:t>
-            </a:r>
-            <a:endParaRPr kumimoji="1" lang="en-US" altLang="ja-JP"/>
-          </a:p>
-          <a:p>
-            <a:pPr lvl="2"/>
-            <a:r>
-              <a:rPr kumimoji="1" lang="ja-JP" altLang="en-US"/>
-              <a:t>悪用は困難</a:t>
-            </a:r>
-            <a:endParaRPr kumimoji="1" lang="en-US" altLang="ja-JP"/>
-          </a:p>
-          <a:p>
-            <a:endParaRPr kumimoji="1" lang="ja-JP" altLang="en-US"/>
+              <a:t>全て</a:t>
+            </a:r>
+            <a:r>
+              <a:rPr kumimoji="1" lang="en-US" altLang="ja-JP"/>
+              <a:t>HTTPS</a:t>
+            </a:r>
+            <a:r>
+              <a:rPr kumimoji="1" lang="ja-JP" altLang="en-US"/>
+              <a:t>なら安全だがそうでなければ盗聴</a:t>
+            </a:r>
+            <a:r>
+              <a:rPr kumimoji="1" lang="en-US" altLang="ja-JP"/>
+              <a:t>/</a:t>
+            </a:r>
+            <a:r>
+              <a:rPr kumimoji="1" lang="ja-JP" altLang="en-US"/>
+              <a:t>改竄の可能性</a:t>
+            </a:r>
           </a:p>
         </p:txBody>
       </p:sp>
@@ -6104,7 +6019,7 @@
           <p:cNvPr id="3" name="スライド番号プレースホルダー 2">
             <a:extLst>
               <a:ext uri="{FF2B5EF4-FFF2-40B4-BE49-F238E27FC236}">
-                <a16:creationId xmlns:a16="http://schemas.microsoft.com/office/drawing/2014/main" id="{01D2404D-3075-49AE-A0DE-97380F03E023}"/>
+                <a16:creationId xmlns:a16="http://schemas.microsoft.com/office/drawing/2014/main" id="{6784218F-CB3F-42B1-92EC-A8F3FAD6D13A}"/>
               </a:ext>
             </a:extLst>
           </p:cNvPr>
@@ -6133,6 +6048,541 @@
                 <a:defRPr/>
               </a:pPr>
               <a:t>20</a:t>
+            </a:fld>
+            <a:r>
+              <a:rPr lang="en-US" altLang="ja-JP"/>
+              <a:t> / 24</a:t>
+            </a:r>
+          </a:p>
+        </p:txBody>
+      </p:sp>
+      <p:sp>
+        <p:nvSpPr>
+          <p:cNvPr id="4" name="タイトル 3">
+            <a:extLst>
+              <a:ext uri="{FF2B5EF4-FFF2-40B4-BE49-F238E27FC236}">
+                <a16:creationId xmlns:a16="http://schemas.microsoft.com/office/drawing/2014/main" id="{4B8AC996-EE43-4769-95CD-FA308EB38934}"/>
+              </a:ext>
+            </a:extLst>
+          </p:cNvPr>
+          <p:cNvSpPr>
+            <a:spLocks noGrp="1"/>
+          </p:cNvSpPr>
+          <p:nvPr>
+            <p:ph type="title"/>
+          </p:nvPr>
+        </p:nvSpPr>
+        <p:spPr/>
+        <p:txBody>
+          <a:bodyPr/>
+          <a:lstStyle/>
+          <a:p>
+            <a:r>
+              <a:rPr kumimoji="1" lang="en-US" altLang="ja-JP"/>
+              <a:t>KRACK</a:t>
+            </a:r>
+            <a:endParaRPr kumimoji="1" lang="ja-JP" altLang="en-US"/>
+          </a:p>
+        </p:txBody>
+      </p:sp>
+      <p:pic>
+        <p:nvPicPr>
+          <p:cNvPr id="6" name="図 5">
+            <a:extLst>
+              <a:ext uri="{FF2B5EF4-FFF2-40B4-BE49-F238E27FC236}">
+                <a16:creationId xmlns:a16="http://schemas.microsoft.com/office/drawing/2014/main" id="{EAD50411-FB23-43B9-8F0C-5332370E47F0}"/>
+              </a:ext>
+            </a:extLst>
+          </p:cNvPr>
+          <p:cNvPicPr>
+            <a:picLocks noChangeAspect="1"/>
+          </p:cNvPicPr>
+          <p:nvPr/>
+        </p:nvPicPr>
+        <p:blipFill>
+          <a:blip r:embed="rId2">
+            <a:extLst>
+              <a:ext uri="{28A0092B-C50C-407E-A947-70E740481C1C}">
+                <a14:useLocalDpi xmlns:a14="http://schemas.microsoft.com/office/drawing/2010/main" val="0"/>
+              </a:ext>
+            </a:extLst>
+          </a:blip>
+          <a:stretch>
+            <a:fillRect/>
+          </a:stretch>
+        </p:blipFill>
+        <p:spPr>
+          <a:xfrm>
+            <a:off x="1331640" y="2649058"/>
+            <a:ext cx="6120680" cy="4200317"/>
+          </a:xfrm>
+          <a:prstGeom prst="rect">
+            <a:avLst/>
+          </a:prstGeom>
+        </p:spPr>
+      </p:pic>
+    </p:spTree>
+    <p:extLst>
+      <p:ext uri="{BB962C8B-B14F-4D97-AF65-F5344CB8AC3E}">
+        <p14:creationId xmlns:p14="http://schemas.microsoft.com/office/powerpoint/2010/main" val="389965258"/>
+      </p:ext>
+    </p:extLst>
+  </p:cSld>
+  <p:clrMapOvr>
+    <a:masterClrMapping/>
+  </p:clrMapOvr>
+</p:sld>
+</file>
+
+<file path=ppt/slides/slide21.xml><?xml version="1.0" encoding="utf-8"?>
+<p:sld xmlns:a="http://schemas.openxmlformats.org/drawingml/2006/main" xmlns:r="http://schemas.openxmlformats.org/officeDocument/2006/relationships" xmlns:p="http://schemas.openxmlformats.org/presentationml/2006/main">
+  <p:cSld>
+    <p:spTree>
+      <p:nvGrpSpPr>
+        <p:cNvPr id="1" name=""/>
+        <p:cNvGrpSpPr/>
+        <p:nvPr/>
+      </p:nvGrpSpPr>
+      <p:grpSpPr>
+        <a:xfrm>
+          <a:off x="0" y="0"/>
+          <a:ext cx="0" cy="0"/>
+          <a:chOff x="0" y="0"/>
+          <a:chExt cx="0" cy="0"/>
+        </a:xfrm>
+      </p:grpSpPr>
+      <p:sp>
+        <p:nvSpPr>
+          <p:cNvPr id="2" name="コンテンツ プレースホルダー 1">
+            <a:extLst>
+              <a:ext uri="{FF2B5EF4-FFF2-40B4-BE49-F238E27FC236}">
+                <a16:creationId xmlns:a16="http://schemas.microsoft.com/office/drawing/2014/main" id="{0ABA4BCA-C315-4C8B-A216-C5E9ACDBAD68}"/>
+              </a:ext>
+            </a:extLst>
+          </p:cNvPr>
+          <p:cNvSpPr>
+            <a:spLocks noGrp="1"/>
+          </p:cNvSpPr>
+          <p:nvPr>
+            <p:ph idx="1"/>
+          </p:nvPr>
+        </p:nvSpPr>
+        <p:spPr/>
+        <p:txBody>
+          <a:bodyPr/>
+          <a:lstStyle/>
+          <a:p>
+            <a:r>
+              <a:rPr kumimoji="1" lang="en-US" altLang="ja-JP"/>
+              <a:t>SAE(</a:t>
+            </a:r>
+            <a:r>
+              <a:rPr lang="en-US" altLang="ja-JP"/>
+              <a:t>Simultaneous Authentication of Equals</a:t>
+            </a:r>
+            <a:r>
+              <a:rPr kumimoji="1" lang="en-US" altLang="ja-JP"/>
+              <a:t>)</a:t>
+            </a:r>
+          </a:p>
+          <a:p>
+            <a:pPr lvl="1"/>
+            <a:r>
+              <a:rPr lang="en-US" altLang="ja-JP"/>
+              <a:t>4-way</a:t>
+            </a:r>
+            <a:r>
+              <a:rPr lang="ja-JP" altLang="en-US"/>
+              <a:t>ハンドェイクの前に行う鍵共有プロトコル</a:t>
+            </a:r>
+            <a:endParaRPr lang="en-US" altLang="ja-JP"/>
+          </a:p>
+          <a:p>
+            <a:pPr lvl="1"/>
+            <a:endParaRPr kumimoji="1" lang="en-US" altLang="ja-JP"/>
+          </a:p>
+          <a:p>
+            <a:pPr lvl="1"/>
+            <a:endParaRPr lang="en-US" altLang="ja-JP"/>
+          </a:p>
+          <a:p>
+            <a:pPr lvl="1"/>
+            <a:endParaRPr kumimoji="1" lang="en-US" altLang="ja-JP"/>
+          </a:p>
+          <a:p>
+            <a:pPr lvl="1"/>
+            <a:endParaRPr lang="en-US" altLang="ja-JP"/>
+          </a:p>
+          <a:p>
+            <a:pPr lvl="1"/>
+            <a:endParaRPr kumimoji="1" lang="en-US" altLang="ja-JP"/>
+          </a:p>
+          <a:p>
+            <a:pPr lvl="1"/>
+            <a:endParaRPr lang="en-US" altLang="ja-JP"/>
+          </a:p>
+          <a:p>
+            <a:pPr lvl="1"/>
+            <a:endParaRPr kumimoji="1" lang="en-US" altLang="ja-JP"/>
+          </a:p>
+          <a:p>
+            <a:pPr lvl="1"/>
+            <a:endParaRPr lang="en-US" altLang="ja-JP"/>
+          </a:p>
+          <a:p>
+            <a:pPr lvl="1"/>
+            <a:endParaRPr kumimoji="1" lang="en-US" altLang="ja-JP"/>
+          </a:p>
+          <a:p>
+            <a:pPr lvl="1"/>
+            <a:r>
+              <a:rPr kumimoji="1" lang="en-US" altLang="ja-JP"/>
+              <a:t>PSK</a:t>
+            </a:r>
+            <a:r>
+              <a:rPr kumimoji="1" lang="ja-JP" altLang="en-US"/>
+              <a:t>が漏洩しても鍵共有の結果は分からない前方秘匿性</a:t>
+            </a:r>
+          </a:p>
+        </p:txBody>
+      </p:sp>
+      <p:sp>
+        <p:nvSpPr>
+          <p:cNvPr id="3" name="スライド番号プレースホルダー 2">
+            <a:extLst>
+              <a:ext uri="{FF2B5EF4-FFF2-40B4-BE49-F238E27FC236}">
+                <a16:creationId xmlns:a16="http://schemas.microsoft.com/office/drawing/2014/main" id="{EDA3E084-4EE1-48FD-B78A-16246964D5E8}"/>
+              </a:ext>
+            </a:extLst>
+          </p:cNvPr>
+          <p:cNvSpPr>
+            <a:spLocks noGrp="1"/>
+          </p:cNvSpPr>
+          <p:nvPr>
+            <p:ph type="sldNum" sz="quarter" idx="12"/>
+          </p:nvPr>
+        </p:nvSpPr>
+        <p:spPr/>
+        <p:txBody>
+          <a:bodyPr/>
+          <a:lstStyle/>
+          <a:p>
+            <a:pPr>
+              <a:defRPr/>
+            </a:pPr>
+            <a:r>
+              <a:rPr lang="en-US" altLang="ja-JP"/>
+              <a:t>    </a:t>
+            </a:r>
+            <a:fld id="{B2782DEB-472A-4FE5-AC34-C17109CF5A91}" type="slidenum">
+              <a:rPr lang="en-US" altLang="ja-JP" smtClean="0"/>
+              <a:pPr>
+                <a:defRPr/>
+              </a:pPr>
+              <a:t>21</a:t>
+            </a:fld>
+            <a:r>
+              <a:rPr lang="en-US" altLang="ja-JP"/>
+              <a:t> / 24</a:t>
+            </a:r>
+          </a:p>
+        </p:txBody>
+      </p:sp>
+      <p:sp>
+        <p:nvSpPr>
+          <p:cNvPr id="4" name="タイトル 3">
+            <a:extLst>
+              <a:ext uri="{FF2B5EF4-FFF2-40B4-BE49-F238E27FC236}">
+                <a16:creationId xmlns:a16="http://schemas.microsoft.com/office/drawing/2014/main" id="{513AD2EE-23DD-46E1-86FD-4374A81B2958}"/>
+              </a:ext>
+            </a:extLst>
+          </p:cNvPr>
+          <p:cNvSpPr>
+            <a:spLocks noGrp="1"/>
+          </p:cNvSpPr>
+          <p:nvPr>
+            <p:ph type="title"/>
+          </p:nvPr>
+        </p:nvSpPr>
+        <p:spPr/>
+        <p:txBody>
+          <a:bodyPr/>
+          <a:lstStyle/>
+          <a:p>
+            <a:r>
+              <a:rPr kumimoji="1" lang="en-US" altLang="ja-JP"/>
+              <a:t>WPA3 (2018)</a:t>
+            </a:r>
+            <a:endParaRPr kumimoji="1" lang="ja-JP" altLang="en-US"/>
+          </a:p>
+        </p:txBody>
+      </p:sp>
+      <p:pic>
+        <p:nvPicPr>
+          <p:cNvPr id="6" name="図 5">
+            <a:extLst>
+              <a:ext uri="{FF2B5EF4-FFF2-40B4-BE49-F238E27FC236}">
+                <a16:creationId xmlns:a16="http://schemas.microsoft.com/office/drawing/2014/main" id="{830556C7-1690-4D8D-88A4-D5B9B79057BD}"/>
+              </a:ext>
+            </a:extLst>
+          </p:cNvPr>
+          <p:cNvPicPr>
+            <a:picLocks noChangeAspect="1"/>
+          </p:cNvPicPr>
+          <p:nvPr/>
+        </p:nvPicPr>
+        <p:blipFill>
+          <a:blip r:embed="rId2">
+            <a:extLst>
+              <a:ext uri="{28A0092B-C50C-407E-A947-70E740481C1C}">
+                <a14:useLocalDpi xmlns:a14="http://schemas.microsoft.com/office/drawing/2010/main" val="0"/>
+              </a:ext>
+            </a:extLst>
+          </a:blip>
+          <a:stretch>
+            <a:fillRect/>
+          </a:stretch>
+        </p:blipFill>
+        <p:spPr>
+          <a:xfrm>
+            <a:off x="899592" y="1844824"/>
+            <a:ext cx="7488832" cy="3725694"/>
+          </a:xfrm>
+          <a:prstGeom prst="rect">
+            <a:avLst/>
+          </a:prstGeom>
+        </p:spPr>
+      </p:pic>
+    </p:spTree>
+    <p:extLst>
+      <p:ext uri="{BB962C8B-B14F-4D97-AF65-F5344CB8AC3E}">
+        <p14:creationId xmlns:p14="http://schemas.microsoft.com/office/powerpoint/2010/main" val="1803328256"/>
+      </p:ext>
+    </p:extLst>
+  </p:cSld>
+  <p:clrMapOvr>
+    <a:masterClrMapping/>
+  </p:clrMapOvr>
+</p:sld>
+</file>
+
+<file path=ppt/slides/slide22.xml><?xml version="1.0" encoding="utf-8"?>
+<p:sld xmlns:a="http://schemas.openxmlformats.org/drawingml/2006/main" xmlns:r="http://schemas.openxmlformats.org/officeDocument/2006/relationships" xmlns:p="http://schemas.openxmlformats.org/presentationml/2006/main">
+  <p:cSld>
+    <p:spTree>
+      <p:nvGrpSpPr>
+        <p:cNvPr id="1" name=""/>
+        <p:cNvGrpSpPr/>
+        <p:nvPr/>
+      </p:nvGrpSpPr>
+      <p:grpSpPr>
+        <a:xfrm>
+          <a:off x="0" y="0"/>
+          <a:ext cx="0" cy="0"/>
+          <a:chOff x="0" y="0"/>
+          <a:chExt cx="0" cy="0"/>
+        </a:xfrm>
+      </p:grpSpPr>
+      <p:sp>
+        <p:nvSpPr>
+          <p:cNvPr id="2" name="コンテンツ プレースホルダー 1">
+            <a:extLst>
+              <a:ext uri="{FF2B5EF4-FFF2-40B4-BE49-F238E27FC236}">
+                <a16:creationId xmlns:a16="http://schemas.microsoft.com/office/drawing/2014/main" id="{DB94340B-9218-4281-BB79-618343A57F22}"/>
+              </a:ext>
+            </a:extLst>
+          </p:cNvPr>
+          <p:cNvSpPr>
+            <a:spLocks noGrp="1"/>
+          </p:cNvSpPr>
+          <p:nvPr>
+            <p:ph idx="1"/>
+          </p:nvPr>
+        </p:nvSpPr>
+        <p:spPr/>
+        <p:txBody>
+          <a:bodyPr/>
+          <a:lstStyle/>
+          <a:p>
+            <a:r>
+              <a:rPr kumimoji="1" lang="en-US" altLang="ja-JP"/>
+              <a:t>Vanhoef</a:t>
+            </a:r>
+            <a:r>
+              <a:rPr kumimoji="1" lang="ja-JP" altLang="en-US"/>
+              <a:t>と</a:t>
+            </a:r>
+            <a:r>
+              <a:rPr kumimoji="1" lang="en-US" altLang="ja-JP"/>
+              <a:t>Ronen</a:t>
+            </a:r>
+            <a:r>
+              <a:rPr kumimoji="1" lang="ja-JP" altLang="en-US"/>
+              <a:t>による</a:t>
+            </a:r>
+            <a:r>
+              <a:rPr kumimoji="1" lang="en-US" altLang="ja-JP"/>
+              <a:t>SAE</a:t>
+            </a:r>
+            <a:r>
+              <a:rPr kumimoji="1" lang="ja-JP" altLang="en-US"/>
+              <a:t>の脆弱な実装報告</a:t>
+            </a:r>
+            <a:endParaRPr kumimoji="1" lang="en-US" altLang="ja-JP"/>
+          </a:p>
+          <a:p>
+            <a:pPr lvl="1"/>
+            <a:r>
+              <a:rPr kumimoji="1" lang="ja-JP" altLang="en-US"/>
+              <a:t>楕円曲線の秘密鍵の値に依存した実行速度の差を利用</a:t>
+            </a:r>
+            <a:endParaRPr kumimoji="1" lang="en-US" altLang="ja-JP"/>
+          </a:p>
+          <a:p>
+            <a:pPr lvl="1"/>
+            <a:r>
+              <a:rPr kumimoji="1" lang="ja-JP" altLang="en-US"/>
+              <a:t>サイドチャネル攻撃</a:t>
+            </a:r>
+            <a:endParaRPr kumimoji="1" lang="en-US" altLang="ja-JP"/>
+          </a:p>
+          <a:p>
+            <a:pPr lvl="2"/>
+            <a:r>
+              <a:rPr kumimoji="1" lang="ja-JP" altLang="en-US"/>
+              <a:t>他にダウングレード攻撃や実装不備など</a:t>
+            </a:r>
+            <a:endParaRPr kumimoji="1" lang="en-US" altLang="ja-JP"/>
+          </a:p>
+          <a:p>
+            <a:pPr lvl="1"/>
+            <a:r>
+              <a:rPr lang="en-US" altLang="ja-JP"/>
+              <a:t>2020</a:t>
+            </a:r>
+            <a:r>
+              <a:rPr lang="ja-JP" altLang="en-US"/>
+              <a:t>年対策済み</a:t>
+            </a:r>
+            <a:endParaRPr lang="en-US" altLang="ja-JP"/>
+          </a:p>
+          <a:p>
+            <a:r>
+              <a:rPr kumimoji="1" lang="en-US" altLang="ja-JP"/>
+              <a:t>FragAttacks (2021</a:t>
+            </a:r>
+            <a:r>
+              <a:rPr kumimoji="1" lang="ja-JP" altLang="en-US"/>
+              <a:t>年</a:t>
+            </a:r>
+            <a:r>
+              <a:rPr kumimoji="1" lang="en-US" altLang="ja-JP"/>
+              <a:t>5</a:t>
+            </a:r>
+            <a:r>
+              <a:rPr kumimoji="1" lang="ja-JP" altLang="en-US"/>
+              <a:t>月</a:t>
+            </a:r>
+            <a:r>
+              <a:rPr kumimoji="1" lang="en-US" altLang="ja-JP"/>
+              <a:t>) by Vanhoef</a:t>
+            </a:r>
+          </a:p>
+          <a:p>
+            <a:pPr lvl="1"/>
+            <a:r>
+              <a:rPr kumimoji="1" lang="ja-JP" altLang="en-US"/>
+              <a:t>フレームアグリケーション</a:t>
+            </a:r>
+            <a:endParaRPr kumimoji="1" lang="en-US" altLang="ja-JP"/>
+          </a:p>
+          <a:p>
+            <a:pPr lvl="2"/>
+            <a:r>
+              <a:rPr kumimoji="1" lang="ja-JP" altLang="en-US"/>
+              <a:t>複数の</a:t>
+            </a:r>
+            <a:r>
+              <a:rPr kumimoji="1" lang="en-US" altLang="ja-JP"/>
+              <a:t>(</a:t>
+            </a:r>
+            <a:r>
+              <a:rPr kumimoji="1" lang="ja-JP" altLang="en-US"/>
+              <a:t>無線</a:t>
+            </a:r>
+            <a:r>
+              <a:rPr kumimoji="1" lang="en-US" altLang="ja-JP"/>
+              <a:t>LAN)</a:t>
+            </a:r>
+            <a:r>
+              <a:rPr kumimoji="1" lang="ja-JP" altLang="en-US"/>
+              <a:t>フレームを一つに集約する機能</a:t>
+            </a:r>
+            <a:endParaRPr kumimoji="1" lang="en-US" altLang="ja-JP"/>
+          </a:p>
+          <a:p>
+            <a:pPr lvl="2"/>
+            <a:r>
+              <a:rPr kumimoji="1" lang="ja-JP" altLang="en-US"/>
+              <a:t>集約されているかを確認するフラグは暗号化保護の対象外</a:t>
+            </a:r>
+            <a:endParaRPr kumimoji="1" lang="en-US" altLang="ja-JP"/>
+          </a:p>
+          <a:p>
+            <a:pPr lvl="2"/>
+            <a:r>
+              <a:rPr kumimoji="1" lang="ja-JP" altLang="en-US"/>
+              <a:t>このフラグを改竄して攻撃パケットを挿入</a:t>
+            </a:r>
+            <a:endParaRPr kumimoji="1" lang="en-US" altLang="ja-JP"/>
+          </a:p>
+          <a:p>
+            <a:pPr lvl="2"/>
+            <a:r>
+              <a:rPr kumimoji="1" lang="ja-JP" altLang="en-US"/>
+              <a:t>悪用は困難</a:t>
+            </a:r>
+            <a:endParaRPr kumimoji="1" lang="en-US" altLang="ja-JP"/>
+          </a:p>
+          <a:p>
+            <a:endParaRPr kumimoji="1" lang="ja-JP" altLang="en-US"/>
+          </a:p>
+        </p:txBody>
+      </p:sp>
+      <p:sp>
+        <p:nvSpPr>
+          <p:cNvPr id="3" name="スライド番号プレースホルダー 2">
+            <a:extLst>
+              <a:ext uri="{FF2B5EF4-FFF2-40B4-BE49-F238E27FC236}">
+                <a16:creationId xmlns:a16="http://schemas.microsoft.com/office/drawing/2014/main" id="{01D2404D-3075-49AE-A0DE-97380F03E023}"/>
+              </a:ext>
+            </a:extLst>
+          </p:cNvPr>
+          <p:cNvSpPr>
+            <a:spLocks noGrp="1"/>
+          </p:cNvSpPr>
+          <p:nvPr>
+            <p:ph type="sldNum" sz="quarter" idx="12"/>
+          </p:nvPr>
+        </p:nvSpPr>
+        <p:spPr/>
+        <p:txBody>
+          <a:bodyPr/>
+          <a:lstStyle/>
+          <a:p>
+            <a:pPr>
+              <a:defRPr/>
+            </a:pPr>
+            <a:r>
+              <a:rPr lang="en-US" altLang="ja-JP"/>
+              <a:t>    </a:t>
+            </a:r>
+            <a:fld id="{B2782DEB-472A-4FE5-AC34-C17109CF5A91}" type="slidenum">
+              <a:rPr lang="en-US" altLang="ja-JP" smtClean="0"/>
+              <a:pPr>
+                <a:defRPr/>
+              </a:pPr>
+              <a:t>22</a:t>
             </a:fld>
             <a:r>
               <a:rPr lang="en-US" altLang="ja-JP"/>
@@ -7106,7 +7556,7 @@
           <p:cNvPr id="2" name="コンテンツ プレースホルダー 1">
             <a:extLst>
               <a:ext uri="{FF2B5EF4-FFF2-40B4-BE49-F238E27FC236}">
-                <a16:creationId xmlns:a16="http://schemas.microsoft.com/office/drawing/2014/main" id="{E3198485-C2BE-40BF-851E-9AC2B89EF44C}"/>
+                <a16:creationId xmlns:a16="http://schemas.microsoft.com/office/drawing/2014/main" id="{7D41AD9A-5BED-4AD9-9069-865BEFBF4F45}"/>
               </a:ext>
             </a:extLst>
           </p:cNvPr>
@@ -7123,106 +7573,23 @@
           <a:lstStyle/>
           <a:p>
             <a:r>
-              <a:rPr kumimoji="1" lang="en-US" altLang="ja-JP"/>
-              <a:t>SNI</a:t>
-            </a:r>
-            <a:r>
-              <a:rPr kumimoji="1" lang="ja-JP" altLang="en-US"/>
-              <a:t>だけでなく</a:t>
-            </a:r>
+              <a:rPr kumimoji="1" lang="en-US" altLang="ja-JP">
+                <a:hlinkClick r:id="rId2"/>
+              </a:rPr>
+              <a:t>https://blog.cybozu.io/</a:t>
+            </a:r>
+            <a:r>
+              <a:rPr kumimoji="1" lang="ja-JP" altLang="en-US"/>
+              <a:t>にアクセスしたときの</a:t>
+            </a:r>
+            <a:br>
+              <a:rPr kumimoji="1" lang="en-US" altLang="ja-JP"/>
+            </a:br>
             <a:r>
               <a:rPr kumimoji="1" lang="en-US" altLang="ja-JP"/>
               <a:t>ClientHello</a:t>
             </a:r>
-            <a:r>
-              <a:rPr kumimoji="1" lang="ja-JP" altLang="en-US"/>
-              <a:t>全体を暗号化したい</a:t>
-            </a:r>
-            <a:endParaRPr kumimoji="1" lang="en-US" altLang="ja-JP"/>
-          </a:p>
-          <a:p>
-            <a:pPr lvl="1"/>
-            <a:r>
-              <a:rPr kumimoji="1" lang="ja-JP" altLang="en-US"/>
-              <a:t>しかし何の鍵で暗号化する</a:t>
-            </a:r>
-            <a:r>
-              <a:rPr kumimoji="1" lang="en-US" altLang="ja-JP"/>
-              <a:t>?</a:t>
-            </a:r>
-          </a:p>
-          <a:p>
-            <a:pPr lvl="1"/>
-            <a:r>
-              <a:rPr lang="en-US" altLang="ja-JP"/>
-              <a:t>DoH</a:t>
-            </a:r>
-            <a:r>
-              <a:rPr lang="ja-JP" altLang="en-US"/>
-              <a:t>で鍵を送ればよいのでは</a:t>
-            </a:r>
-            <a:endParaRPr lang="en-US" altLang="ja-JP"/>
-          </a:p>
-          <a:p>
-            <a:r>
-              <a:rPr kumimoji="1" lang="en-US" altLang="ja-JP"/>
-              <a:t>SVCB</a:t>
-            </a:r>
-            <a:r>
-              <a:rPr lang="en-US" altLang="ja-JP"/>
-              <a:t> (SerViCe Binding)</a:t>
-            </a:r>
-            <a:r>
-              <a:rPr kumimoji="1" lang="ja-JP" altLang="en-US"/>
-              <a:t>と</a:t>
-            </a:r>
-            <a:r>
-              <a:rPr kumimoji="1" lang="en-US" altLang="ja-JP"/>
-              <a:t>HTTPS RR(Resource Record)</a:t>
-            </a:r>
-          </a:p>
-          <a:p>
-            <a:pPr lvl="1"/>
-            <a:r>
-              <a:rPr lang="en-US" altLang="ja-JP"/>
-              <a:t>DNS</a:t>
-            </a:r>
-            <a:r>
-              <a:rPr lang="ja-JP" altLang="en-US"/>
-              <a:t>の拡張と</a:t>
-            </a:r>
-            <a:r>
-              <a:rPr lang="en-US" altLang="ja-JP"/>
-              <a:t>ECH</a:t>
-            </a:r>
-            <a:r>
-              <a:rPr lang="ja-JP" altLang="en-US"/>
-              <a:t>を平行して仕様検討中</a:t>
-            </a:r>
-            <a:r>
-              <a:rPr lang="en-US" altLang="ja-JP"/>
-              <a:t>(</a:t>
-            </a:r>
-            <a:r>
-              <a:rPr lang="ja-JP" altLang="en-US"/>
-              <a:t>次頁の</a:t>
-            </a:r>
-            <a:r>
-              <a:rPr lang="en-US" altLang="ja-JP"/>
-              <a:t>HPKE)</a:t>
-            </a:r>
-          </a:p>
-          <a:p>
-            <a:pPr lvl="1"/>
-            <a:r>
-              <a:rPr kumimoji="1" lang="en-US" altLang="ja-JP"/>
-              <a:t>HTTPS RR</a:t>
-            </a:r>
-            <a:r>
-              <a:rPr kumimoji="1" lang="ja-JP" altLang="en-US"/>
-              <a:t>に公開鍵の情報をもたせる</a:t>
-            </a:r>
-            <a:endParaRPr kumimoji="1" lang="en-US" altLang="ja-JP"/>
+            <a:endParaRPr kumimoji="1" lang="ja-JP" altLang="en-US"/>
           </a:p>
         </p:txBody>
       </p:sp>
@@ -7231,7 +7598,7 @@
           <p:cNvPr id="3" name="スライド番号プレースホルダー 2">
             <a:extLst>
               <a:ext uri="{FF2B5EF4-FFF2-40B4-BE49-F238E27FC236}">
-                <a16:creationId xmlns:a16="http://schemas.microsoft.com/office/drawing/2014/main" id="{415D051A-6CB1-445B-8D1C-88073783B11F}"/>
+                <a16:creationId xmlns:a16="http://schemas.microsoft.com/office/drawing/2014/main" id="{8DCBDFC5-EDE3-494E-90E8-3203EBEA0BA7}"/>
               </a:ext>
             </a:extLst>
           </p:cNvPr>
@@ -7273,7 +7640,7 @@
           <p:cNvPr id="4" name="タイトル 3">
             <a:extLst>
               <a:ext uri="{FF2B5EF4-FFF2-40B4-BE49-F238E27FC236}">
-                <a16:creationId xmlns:a16="http://schemas.microsoft.com/office/drawing/2014/main" id="{FF0D2AE1-1DAD-4D6A-8CCE-FD783F4C7354}"/>
+                <a16:creationId xmlns:a16="http://schemas.microsoft.com/office/drawing/2014/main" id="{71AC6B9D-1C52-4095-81F2-C030FDCF2ACB}"/>
               </a:ext>
             </a:extLst>
           </p:cNvPr>
@@ -7291,18 +7658,21 @@
           <a:p>
             <a:r>
               <a:rPr kumimoji="1" lang="en-US" altLang="ja-JP"/>
-              <a:t>ECH (Encrypted Client Hello)</a:t>
-            </a:r>
-            <a:endParaRPr kumimoji="1" lang="ja-JP" altLang="en-US"/>
+              <a:t>Wireshark</a:t>
+            </a:r>
+            <a:r>
+              <a:rPr kumimoji="1" lang="ja-JP" altLang="en-US"/>
+              <a:t>によるパケットキャプチャ</a:t>
+            </a:r>
           </a:p>
         </p:txBody>
       </p:sp>
       <p:pic>
         <p:nvPicPr>
-          <p:cNvPr id="6" name="図 5">
+          <p:cNvPr id="7" name="図 6">
             <a:extLst>
               <a:ext uri="{FF2B5EF4-FFF2-40B4-BE49-F238E27FC236}">
-                <a16:creationId xmlns:a16="http://schemas.microsoft.com/office/drawing/2014/main" id="{F0763897-0DF3-423F-A6E0-2CCE91CB3906}"/>
+                <a16:creationId xmlns:a16="http://schemas.microsoft.com/office/drawing/2014/main" id="{F225FADE-97A5-4B11-BE5F-87E95812D434}"/>
               </a:ext>
             </a:extLst>
           </p:cNvPr>
@@ -7312,31 +7682,74 @@
           <p:nvPr/>
         </p:nvPicPr>
         <p:blipFill>
-          <a:blip r:embed="rId2">
-            <a:extLst>
-              <a:ext uri="{28A0092B-C50C-407E-A947-70E740481C1C}">
-                <a14:useLocalDpi xmlns:a14="http://schemas.microsoft.com/office/drawing/2010/main" val="0"/>
-              </a:ext>
-            </a:extLst>
-          </a:blip>
+          <a:blip r:embed="rId3"/>
           <a:stretch>
             <a:fillRect/>
           </a:stretch>
         </p:blipFill>
         <p:spPr>
           <a:xfrm>
-            <a:off x="1547664" y="3579116"/>
-            <a:ext cx="5400600" cy="3152599"/>
+            <a:off x="250201" y="1650464"/>
+            <a:ext cx="7654692" cy="5055136"/>
           </a:xfrm>
           <a:prstGeom prst="rect">
             <a:avLst/>
           </a:prstGeom>
         </p:spPr>
       </p:pic>
+      <p:sp>
+        <p:nvSpPr>
+          <p:cNvPr id="8" name="楕円 7">
+            <a:extLst>
+              <a:ext uri="{FF2B5EF4-FFF2-40B4-BE49-F238E27FC236}">
+                <a16:creationId xmlns:a16="http://schemas.microsoft.com/office/drawing/2014/main" id="{1CD304A7-78BB-4E7B-9301-446C51F7526E}"/>
+              </a:ext>
+            </a:extLst>
+          </p:cNvPr>
+          <p:cNvSpPr/>
+          <p:nvPr/>
+        </p:nvSpPr>
+        <p:spPr>
+          <a:xfrm>
+            <a:off x="827584" y="6400800"/>
+            <a:ext cx="4176464" cy="304800"/>
+          </a:xfrm>
+          <a:prstGeom prst="ellipse">
+            <a:avLst/>
+          </a:prstGeom>
+          <a:ln w="28575">
+            <a:solidFill>
+              <a:srgbClr val="FF0000"/>
+            </a:solidFill>
+          </a:ln>
+        </p:spPr>
+        <p:style>
+          <a:lnRef idx="1">
+            <a:schemeClr val="accent1"/>
+          </a:lnRef>
+          <a:fillRef idx="0">
+            <a:schemeClr val="accent1"/>
+          </a:fillRef>
+          <a:effectRef idx="0">
+            <a:schemeClr val="accent1"/>
+          </a:effectRef>
+          <a:fontRef idx="minor">
+            <a:schemeClr val="tx1"/>
+          </a:fontRef>
+        </p:style>
+        <p:txBody>
+          <a:bodyPr rtlCol="0" anchor="ctr"/>
+          <a:lstStyle/>
+          <a:p>
+            <a:pPr algn="ctr"/>
+            <a:endParaRPr kumimoji="1" lang="ja-JP" altLang="en-US" sz="2400"/>
+          </a:p>
+        </p:txBody>
+      </p:sp>
     </p:spTree>
     <p:extLst>
       <p:ext uri="{BB962C8B-B14F-4D97-AF65-F5344CB8AC3E}">
-        <p14:creationId xmlns:p14="http://schemas.microsoft.com/office/powerpoint/2010/main" val="2803063954"/>
+        <p14:creationId xmlns:p14="http://schemas.microsoft.com/office/powerpoint/2010/main" val="3979210074"/>
       </p:ext>
     </p:extLst>
   </p:cSld>
@@ -7368,7 +7781,7 @@
           <p:cNvPr id="2" name="コンテンツ プレースホルダー 1">
             <a:extLst>
               <a:ext uri="{FF2B5EF4-FFF2-40B4-BE49-F238E27FC236}">
-                <a16:creationId xmlns:a16="http://schemas.microsoft.com/office/drawing/2014/main" id="{B4BD72C6-8B8B-4303-BE26-A28E51C7B320}"/>
+                <a16:creationId xmlns:a16="http://schemas.microsoft.com/office/drawing/2014/main" id="{E3198485-C2BE-40BF-851E-9AC2B89EF44C}"/>
               </a:ext>
             </a:extLst>
           </p:cNvPr>
@@ -7385,16 +7798,20 @@
           <a:lstStyle/>
           <a:p>
             <a:r>
-              <a:rPr kumimoji="1" lang="ja-JP" altLang="en-US"/>
-              <a:t>従来のハイブリッド暗号</a:t>
-            </a:r>
-            <a:r>
-              <a:rPr kumimoji="1" lang="en-US" altLang="ja-JP"/>
-              <a:t>KEM-DEM</a:t>
-            </a:r>
-            <a:r>
-              <a:rPr kumimoji="1" lang="ja-JP" altLang="en-US"/>
-              <a:t>フレームワーク</a:t>
+              <a:rPr kumimoji="1" lang="en-US" altLang="ja-JP"/>
+              <a:t>SNI</a:t>
+            </a:r>
+            <a:r>
+              <a:rPr kumimoji="1" lang="ja-JP" altLang="en-US"/>
+              <a:t>だけでなく</a:t>
+            </a:r>
+            <a:r>
+              <a:rPr kumimoji="1" lang="en-US" altLang="ja-JP"/>
+              <a:t>ClientHello</a:t>
+            </a:r>
+            <a:r>
+              <a:rPr kumimoji="1" lang="ja-JP" altLang="en-US"/>
+              <a:t>全体を暗号化したい</a:t>
             </a:r>
             <a:endParaRPr kumimoji="1" lang="en-US" altLang="ja-JP"/>
           </a:p>
@@ -7402,133 +7819,85 @@
             <a:pPr lvl="1"/>
             <a:r>
               <a:rPr kumimoji="1" lang="ja-JP" altLang="en-US"/>
-              <a:t>様々な方式が提案されている</a:t>
+              <a:t>しかし何の鍵で暗号化する</a:t>
+            </a:r>
+            <a:r>
+              <a:rPr kumimoji="1" lang="en-US" altLang="ja-JP"/>
+              <a:t>?</a:t>
+            </a:r>
+          </a:p>
+          <a:p>
+            <a:pPr lvl="1"/>
+            <a:r>
+              <a:rPr lang="en-US" altLang="ja-JP"/>
+              <a:t>DoH</a:t>
+            </a:r>
+            <a:r>
+              <a:rPr lang="ja-JP" altLang="en-US"/>
+              <a:t>で鍵を送ればよいのでは</a:t>
+            </a:r>
+            <a:endParaRPr lang="en-US" altLang="ja-JP"/>
+          </a:p>
+          <a:p>
+            <a:r>
+              <a:rPr kumimoji="1" lang="en-US" altLang="ja-JP"/>
+              <a:t>SVCB</a:t>
+            </a:r>
+            <a:r>
+              <a:rPr lang="en-US" altLang="ja-JP"/>
+              <a:t> (SerViCe Binding)</a:t>
+            </a:r>
+            <a:r>
+              <a:rPr kumimoji="1" lang="ja-JP" altLang="en-US"/>
+              <a:t>と</a:t>
+            </a:r>
+            <a:r>
+              <a:rPr kumimoji="1" lang="en-US" altLang="ja-JP"/>
+              <a:t>HTTPS RR(Resource Record)</a:t>
+            </a:r>
+          </a:p>
+          <a:p>
+            <a:pPr lvl="1"/>
+            <a:r>
+              <a:rPr lang="en-US" altLang="ja-JP"/>
+              <a:t>DNS</a:t>
+            </a:r>
+            <a:r>
+              <a:rPr lang="ja-JP" altLang="en-US"/>
+              <a:t>の拡張と</a:t>
+            </a:r>
+            <a:r>
+              <a:rPr lang="en-US" altLang="ja-JP"/>
+              <a:t>ECH</a:t>
+            </a:r>
+            <a:r>
+              <a:rPr lang="ja-JP" altLang="en-US"/>
+              <a:t>を平行して仕様検討中</a:t>
+            </a:r>
+            <a:r>
+              <a:rPr lang="en-US" altLang="ja-JP"/>
+              <a:t>(</a:t>
+            </a:r>
+            <a:r>
+              <a:rPr lang="ja-JP" altLang="en-US"/>
+              <a:t>次頁の</a:t>
+            </a:r>
+            <a:r>
+              <a:rPr lang="en-US" altLang="ja-JP"/>
+              <a:t>HPKE)</a:t>
+            </a:r>
+          </a:p>
+          <a:p>
+            <a:pPr lvl="1"/>
+            <a:r>
+              <a:rPr kumimoji="1" lang="en-US" altLang="ja-JP"/>
+              <a:t>HTTPS RR</a:t>
+            </a:r>
+            <a:r>
+              <a:rPr kumimoji="1" lang="ja-JP" altLang="en-US"/>
+              <a:t>に公開鍵の情報をもたせる</a:t>
             </a:r>
             <a:endParaRPr kumimoji="1" lang="en-US" altLang="ja-JP"/>
-          </a:p>
-          <a:p>
-            <a:pPr lvl="1"/>
-            <a:r>
-              <a:rPr lang="en-US" altLang="ja-JP"/>
-              <a:t>NTT</a:t>
-            </a:r>
-            <a:r>
-              <a:rPr lang="ja-JP" altLang="en-US"/>
-              <a:t>の</a:t>
-            </a:r>
-            <a:r>
-              <a:rPr lang="en-US" altLang="ja-JP"/>
-              <a:t>PSEC-KEM (ISO/IEC 18033-2) ; DH</a:t>
-            </a:r>
-            <a:r>
-              <a:rPr lang="ja-JP" altLang="en-US"/>
-              <a:t>鍵共有</a:t>
-            </a:r>
-            <a:r>
-              <a:rPr lang="en-US" altLang="ja-JP"/>
-              <a:t>+OTP+hash</a:t>
-            </a:r>
-          </a:p>
-          <a:p>
-            <a:r>
-              <a:rPr kumimoji="1" lang="en-US" altLang="ja-JP"/>
-              <a:t>HPKE</a:t>
-            </a:r>
-            <a:r>
-              <a:rPr kumimoji="1" lang="ja-JP" altLang="en-US"/>
-              <a:t>は新しい知見を元に仕組みを再定義する</a:t>
-            </a:r>
-            <a:endParaRPr kumimoji="1" lang="en-US" altLang="ja-JP"/>
-          </a:p>
-          <a:p>
-            <a:pPr lvl="1"/>
-            <a:r>
-              <a:rPr kumimoji="1" lang="ja-JP" altLang="en-US"/>
-              <a:t>楕円曲線鍵共有</a:t>
-            </a:r>
-            <a:r>
-              <a:rPr kumimoji="1" lang="en-US" altLang="ja-JP"/>
-              <a:t>ECDH+</a:t>
-            </a:r>
-            <a:r>
-              <a:rPr kumimoji="1" lang="ja-JP" altLang="en-US"/>
-              <a:t>鍵導出関数</a:t>
-            </a:r>
-            <a:r>
-              <a:rPr kumimoji="1" lang="en-US" altLang="ja-JP"/>
-              <a:t>HKDF+</a:t>
-            </a:r>
-            <a:r>
-              <a:rPr kumimoji="1" lang="ja-JP" altLang="en-US"/>
-              <a:t>認証付き暗号</a:t>
-            </a:r>
-            <a:r>
-              <a:rPr kumimoji="1" lang="en-US" altLang="ja-JP"/>
-              <a:t>AEAD</a:t>
-            </a:r>
-          </a:p>
-          <a:p>
-            <a:r>
-              <a:rPr kumimoji="1" lang="ja-JP" altLang="en-US"/>
-              <a:t>簡単な例</a:t>
-            </a:r>
-            <a:r>
-              <a:rPr kumimoji="1" lang="en-US" altLang="ja-JP"/>
-              <a:t>(</a:t>
-            </a:r>
-            <a:r>
-              <a:rPr kumimoji="1" lang="ja-JP" altLang="en-US"/>
-              <a:t>詳細は</a:t>
-            </a:r>
-            <a:r>
-              <a:rPr kumimoji="1" lang="en-US" altLang="ja-JP" sz="1800">
-                <a:hlinkClick r:id="rId2"/>
-              </a:rPr>
-              <a:t>https://datatracker.ietf.org/doc/draft-irtf-cfrg-hpke/</a:t>
-            </a:r>
-            <a:r>
-              <a:rPr kumimoji="1" lang="en-US" altLang="ja-JP"/>
-              <a:t>)</a:t>
-            </a:r>
-          </a:p>
-          <a:p>
-            <a:endParaRPr lang="en-US" altLang="ja-JP"/>
-          </a:p>
-          <a:p>
-            <a:endParaRPr kumimoji="1" lang="en-US" altLang="ja-JP"/>
-          </a:p>
-          <a:p>
-            <a:endParaRPr lang="en-US" altLang="ja-JP"/>
-          </a:p>
-          <a:p>
-            <a:endParaRPr kumimoji="1" lang="en-US" altLang="ja-JP"/>
-          </a:p>
-          <a:p>
-            <a:pPr lvl="1"/>
-            <a:r>
-              <a:rPr kumimoji="1" lang="ja-JP" altLang="en-US"/>
-              <a:t>注 </a:t>
-            </a:r>
-            <a:r>
-              <a:rPr kumimoji="1" lang="en-US" altLang="ja-JP"/>
-              <a:t>: HPKE</a:t>
-            </a:r>
-            <a:r>
-              <a:rPr kumimoji="1" lang="ja-JP" altLang="en-US"/>
-              <a:t>は前方秘匿性</a:t>
-            </a:r>
-            <a:r>
-              <a:rPr kumimoji="1" lang="en-US" altLang="ja-JP"/>
-              <a:t>FS</a:t>
-            </a:r>
-            <a:r>
-              <a:rPr kumimoji="1" lang="ja-JP" altLang="en-US"/>
-              <a:t>は持ってない</a:t>
-            </a:r>
-            <a:endParaRPr kumimoji="1" lang="en-US" altLang="ja-JP"/>
-          </a:p>
-          <a:p>
-            <a:endParaRPr kumimoji="1" lang="ja-JP" altLang="en-US"/>
           </a:p>
         </p:txBody>
       </p:sp>
@@ -7537,7 +7906,7 @@
           <p:cNvPr id="3" name="スライド番号プレースホルダー 2">
             <a:extLst>
               <a:ext uri="{FF2B5EF4-FFF2-40B4-BE49-F238E27FC236}">
-                <a16:creationId xmlns:a16="http://schemas.microsoft.com/office/drawing/2014/main" id="{1AB7528E-0B4D-4205-A1AA-A00145A55E6B}"/>
+                <a16:creationId xmlns:a16="http://schemas.microsoft.com/office/drawing/2014/main" id="{415D051A-6CB1-445B-8D1C-88073783B11F}"/>
               </a:ext>
             </a:extLst>
           </p:cNvPr>
@@ -7566,6 +7935,312 @@
                 <a:defRPr/>
               </a:pPr>
               <a:t>7</a:t>
+            </a:fld>
+            <a:r>
+              <a:rPr lang="en-US" altLang="ja-JP"/>
+              <a:t> / 24</a:t>
+            </a:r>
+          </a:p>
+        </p:txBody>
+      </p:sp>
+      <p:sp>
+        <p:nvSpPr>
+          <p:cNvPr id="4" name="タイトル 3">
+            <a:extLst>
+              <a:ext uri="{FF2B5EF4-FFF2-40B4-BE49-F238E27FC236}">
+                <a16:creationId xmlns:a16="http://schemas.microsoft.com/office/drawing/2014/main" id="{FF0D2AE1-1DAD-4D6A-8CCE-FD783F4C7354}"/>
+              </a:ext>
+            </a:extLst>
+          </p:cNvPr>
+          <p:cNvSpPr>
+            <a:spLocks noGrp="1"/>
+          </p:cNvSpPr>
+          <p:nvPr>
+            <p:ph type="title"/>
+          </p:nvPr>
+        </p:nvSpPr>
+        <p:spPr/>
+        <p:txBody>
+          <a:bodyPr/>
+          <a:lstStyle/>
+          <a:p>
+            <a:r>
+              <a:rPr kumimoji="1" lang="en-US" altLang="ja-JP"/>
+              <a:t>ECH (Encrypted Client Hello)</a:t>
+            </a:r>
+            <a:endParaRPr kumimoji="1" lang="ja-JP" altLang="en-US"/>
+          </a:p>
+        </p:txBody>
+      </p:sp>
+      <p:pic>
+        <p:nvPicPr>
+          <p:cNvPr id="6" name="図 5">
+            <a:extLst>
+              <a:ext uri="{FF2B5EF4-FFF2-40B4-BE49-F238E27FC236}">
+                <a16:creationId xmlns:a16="http://schemas.microsoft.com/office/drawing/2014/main" id="{F0763897-0DF3-423F-A6E0-2CCE91CB3906}"/>
+              </a:ext>
+            </a:extLst>
+          </p:cNvPr>
+          <p:cNvPicPr>
+            <a:picLocks noChangeAspect="1"/>
+          </p:cNvPicPr>
+          <p:nvPr/>
+        </p:nvPicPr>
+        <p:blipFill>
+          <a:blip r:embed="rId2">
+            <a:extLst>
+              <a:ext uri="{28A0092B-C50C-407E-A947-70E740481C1C}">
+                <a14:useLocalDpi xmlns:a14="http://schemas.microsoft.com/office/drawing/2010/main" val="0"/>
+              </a:ext>
+            </a:extLst>
+          </a:blip>
+          <a:stretch>
+            <a:fillRect/>
+          </a:stretch>
+        </p:blipFill>
+        <p:spPr>
+          <a:xfrm>
+            <a:off x="1547664" y="3579116"/>
+            <a:ext cx="5400600" cy="3152599"/>
+          </a:xfrm>
+          <a:prstGeom prst="rect">
+            <a:avLst/>
+          </a:prstGeom>
+        </p:spPr>
+      </p:pic>
+    </p:spTree>
+    <p:extLst>
+      <p:ext uri="{BB962C8B-B14F-4D97-AF65-F5344CB8AC3E}">
+        <p14:creationId xmlns:p14="http://schemas.microsoft.com/office/powerpoint/2010/main" val="2803063954"/>
+      </p:ext>
+    </p:extLst>
+  </p:cSld>
+  <p:clrMapOvr>
+    <a:masterClrMapping/>
+  </p:clrMapOvr>
+</p:sld>
+</file>
+
+<file path=ppt/slides/slide8.xml><?xml version="1.0" encoding="utf-8"?>
+<p:sld xmlns:a="http://schemas.openxmlformats.org/drawingml/2006/main" xmlns:r="http://schemas.openxmlformats.org/officeDocument/2006/relationships" xmlns:p="http://schemas.openxmlformats.org/presentationml/2006/main">
+  <p:cSld>
+    <p:spTree>
+      <p:nvGrpSpPr>
+        <p:cNvPr id="1" name=""/>
+        <p:cNvGrpSpPr/>
+        <p:nvPr/>
+      </p:nvGrpSpPr>
+      <p:grpSpPr>
+        <a:xfrm>
+          <a:off x="0" y="0"/>
+          <a:ext cx="0" cy="0"/>
+          <a:chOff x="0" y="0"/>
+          <a:chExt cx="0" cy="0"/>
+        </a:xfrm>
+      </p:grpSpPr>
+      <p:sp>
+        <p:nvSpPr>
+          <p:cNvPr id="2" name="コンテンツ プレースホルダー 1">
+            <a:extLst>
+              <a:ext uri="{FF2B5EF4-FFF2-40B4-BE49-F238E27FC236}">
+                <a16:creationId xmlns:a16="http://schemas.microsoft.com/office/drawing/2014/main" id="{B4BD72C6-8B8B-4303-BE26-A28E51C7B320}"/>
+              </a:ext>
+            </a:extLst>
+          </p:cNvPr>
+          <p:cNvSpPr>
+            <a:spLocks noGrp="1"/>
+          </p:cNvSpPr>
+          <p:nvPr>
+            <p:ph idx="1"/>
+          </p:nvPr>
+        </p:nvSpPr>
+        <p:spPr/>
+        <p:txBody>
+          <a:bodyPr/>
+          <a:lstStyle/>
+          <a:p>
+            <a:r>
+              <a:rPr kumimoji="1" lang="ja-JP" altLang="en-US"/>
+              <a:t>従来のハイブリッド暗号</a:t>
+            </a:r>
+            <a:r>
+              <a:rPr kumimoji="1" lang="en-US" altLang="ja-JP"/>
+              <a:t>KEM-DEM</a:t>
+            </a:r>
+            <a:r>
+              <a:rPr kumimoji="1" lang="ja-JP" altLang="en-US"/>
+              <a:t>フレームワーク</a:t>
+            </a:r>
+            <a:endParaRPr kumimoji="1" lang="en-US" altLang="ja-JP"/>
+          </a:p>
+          <a:p>
+            <a:pPr lvl="1"/>
+            <a:r>
+              <a:rPr kumimoji="1" lang="ja-JP" altLang="en-US"/>
+              <a:t>様々な方式が提案されている</a:t>
+            </a:r>
+            <a:endParaRPr kumimoji="1" lang="en-US" altLang="ja-JP"/>
+          </a:p>
+          <a:p>
+            <a:pPr lvl="1"/>
+            <a:r>
+              <a:rPr lang="en-US" altLang="ja-JP"/>
+              <a:t>NTT</a:t>
+            </a:r>
+            <a:r>
+              <a:rPr lang="ja-JP" altLang="en-US"/>
+              <a:t>の</a:t>
+            </a:r>
+            <a:r>
+              <a:rPr lang="en-US" altLang="ja-JP"/>
+              <a:t>PSEC-KEM (ISO/IEC 18033-2) ; DH</a:t>
+            </a:r>
+            <a:r>
+              <a:rPr lang="ja-JP" altLang="en-US"/>
+              <a:t>鍵共有</a:t>
+            </a:r>
+            <a:r>
+              <a:rPr lang="en-US" altLang="ja-JP"/>
+              <a:t>+OTP+hash</a:t>
+            </a:r>
+          </a:p>
+          <a:p>
+            <a:r>
+              <a:rPr kumimoji="1" lang="en-US" altLang="ja-JP"/>
+              <a:t>HPKE</a:t>
+            </a:r>
+            <a:r>
+              <a:rPr kumimoji="1" lang="ja-JP" altLang="en-US"/>
+              <a:t>は新しい知見を元に仕組みを再定義する</a:t>
+            </a:r>
+            <a:endParaRPr kumimoji="1" lang="en-US" altLang="ja-JP"/>
+          </a:p>
+          <a:p>
+            <a:pPr lvl="1"/>
+            <a:r>
+              <a:rPr kumimoji="1" lang="ja-JP" altLang="en-US"/>
+              <a:t>楕円曲線鍵共有</a:t>
+            </a:r>
+            <a:r>
+              <a:rPr kumimoji="1" lang="en-US" altLang="ja-JP"/>
+              <a:t>ECDH+</a:t>
+            </a:r>
+            <a:r>
+              <a:rPr kumimoji="1" lang="ja-JP" altLang="en-US"/>
+              <a:t>鍵導出関数</a:t>
+            </a:r>
+            <a:r>
+              <a:rPr kumimoji="1" lang="en-US" altLang="ja-JP"/>
+              <a:t>HKDF+</a:t>
+            </a:r>
+            <a:r>
+              <a:rPr kumimoji="1" lang="ja-JP" altLang="en-US"/>
+              <a:t>認証付き暗号</a:t>
+            </a:r>
+            <a:r>
+              <a:rPr kumimoji="1" lang="en-US" altLang="ja-JP"/>
+              <a:t>AEAD</a:t>
+            </a:r>
+          </a:p>
+          <a:p>
+            <a:r>
+              <a:rPr kumimoji="1" lang="ja-JP" altLang="en-US"/>
+              <a:t>簡単な例</a:t>
+            </a:r>
+            <a:r>
+              <a:rPr kumimoji="1" lang="en-US" altLang="ja-JP"/>
+              <a:t>(</a:t>
+            </a:r>
+            <a:r>
+              <a:rPr kumimoji="1" lang="ja-JP" altLang="en-US"/>
+              <a:t>詳細は</a:t>
+            </a:r>
+            <a:r>
+              <a:rPr kumimoji="1" lang="en-US" altLang="ja-JP" sz="1800">
+                <a:hlinkClick r:id="rId2"/>
+              </a:rPr>
+              <a:t>https://datatracker.ietf.org/doc/draft-irtf-cfrg-hpke/</a:t>
+            </a:r>
+            <a:r>
+              <a:rPr kumimoji="1" lang="en-US" altLang="ja-JP"/>
+              <a:t>)</a:t>
+            </a:r>
+          </a:p>
+          <a:p>
+            <a:endParaRPr lang="en-US" altLang="ja-JP"/>
+          </a:p>
+          <a:p>
+            <a:endParaRPr kumimoji="1" lang="en-US" altLang="ja-JP"/>
+          </a:p>
+          <a:p>
+            <a:endParaRPr lang="en-US" altLang="ja-JP"/>
+          </a:p>
+          <a:p>
+            <a:endParaRPr kumimoji="1" lang="en-US" altLang="ja-JP"/>
+          </a:p>
+          <a:p>
+            <a:pPr lvl="1"/>
+            <a:r>
+              <a:rPr kumimoji="1" lang="ja-JP" altLang="en-US"/>
+              <a:t>注 </a:t>
+            </a:r>
+            <a:r>
+              <a:rPr kumimoji="1" lang="en-US" altLang="ja-JP"/>
+              <a:t>: HPKE</a:t>
+            </a:r>
+            <a:r>
+              <a:rPr kumimoji="1" lang="ja-JP" altLang="en-US"/>
+              <a:t>は前方秘匿性</a:t>
+            </a:r>
+            <a:r>
+              <a:rPr kumimoji="1" lang="en-US" altLang="ja-JP"/>
+              <a:t>FS</a:t>
+            </a:r>
+            <a:r>
+              <a:rPr kumimoji="1" lang="ja-JP" altLang="en-US"/>
+              <a:t>は持ってない</a:t>
+            </a:r>
+            <a:endParaRPr kumimoji="1" lang="en-US" altLang="ja-JP"/>
+          </a:p>
+          <a:p>
+            <a:endParaRPr kumimoji="1" lang="ja-JP" altLang="en-US"/>
+          </a:p>
+        </p:txBody>
+      </p:sp>
+      <p:sp>
+        <p:nvSpPr>
+          <p:cNvPr id="3" name="スライド番号プレースホルダー 2">
+            <a:extLst>
+              <a:ext uri="{FF2B5EF4-FFF2-40B4-BE49-F238E27FC236}">
+                <a16:creationId xmlns:a16="http://schemas.microsoft.com/office/drawing/2014/main" id="{1AB7528E-0B4D-4205-A1AA-A00145A55E6B}"/>
+              </a:ext>
+            </a:extLst>
+          </p:cNvPr>
+          <p:cNvSpPr>
+            <a:spLocks noGrp="1"/>
+          </p:cNvSpPr>
+          <p:nvPr>
+            <p:ph type="sldNum" sz="quarter" idx="12"/>
+          </p:nvPr>
+        </p:nvSpPr>
+        <p:spPr/>
+        <p:txBody>
+          <a:bodyPr/>
+          <a:lstStyle/>
+          <a:p>
+            <a:pPr>
+              <a:defRPr/>
+            </a:pPr>
+            <a:r>
+              <a:rPr lang="en-US" altLang="ja-JP"/>
+              <a:t>    </a:t>
+            </a:r>
+            <a:fld id="{B2782DEB-472A-4FE5-AC34-C17109CF5A91}" type="slidenum">
+              <a:rPr lang="en-US" altLang="ja-JP" smtClean="0"/>
+              <a:pPr>
+                <a:defRPr/>
+              </a:pPr>
+              <a:t>8</a:t>
             </a:fld>
             <a:r>
               <a:rPr lang="en-US" altLang="ja-JP"/>
@@ -7652,7 +8327,7 @@
 </p:sld>
 </file>
 
-<file path=ppt/slides/slide8.xml><?xml version="1.0" encoding="utf-8"?>
+<file path=ppt/slides/slide9.xml><?xml version="1.0" encoding="utf-8"?>
 <p:sld xmlns:a="http://schemas.openxmlformats.org/drawingml/2006/main" xmlns:r="http://schemas.openxmlformats.org/officeDocument/2006/relationships" xmlns:p="http://schemas.openxmlformats.org/presentationml/2006/main">
   <p:cSld>
     <p:spTree>
@@ -7806,7 +8481,7 @@
               <a:pPr>
                 <a:defRPr/>
               </a:pPr>
-              <a:t>8</a:t>
+              <a:t>9</a:t>
             </a:fld>
             <a:r>
               <a:rPr lang="en-US" altLang="ja-JP"/>
@@ -8086,262 +8761,6 @@
     <p:extLst>
       <p:ext uri="{BB962C8B-B14F-4D97-AF65-F5344CB8AC3E}">
         <p14:creationId xmlns:p14="http://schemas.microsoft.com/office/powerpoint/2010/main" val="2959220727"/>
-      </p:ext>
-    </p:extLst>
-  </p:cSld>
-  <p:clrMapOvr>
-    <a:masterClrMapping/>
-  </p:clrMapOvr>
-</p:sld>
-</file>
-
-<file path=ppt/slides/slide9.xml><?xml version="1.0" encoding="utf-8"?>
-<p:sld xmlns:a="http://schemas.openxmlformats.org/drawingml/2006/main" xmlns:r="http://schemas.openxmlformats.org/officeDocument/2006/relationships" xmlns:p="http://schemas.openxmlformats.org/presentationml/2006/main">
-  <p:cSld>
-    <p:spTree>
-      <p:nvGrpSpPr>
-        <p:cNvPr id="1" name=""/>
-        <p:cNvGrpSpPr/>
-        <p:nvPr/>
-      </p:nvGrpSpPr>
-      <p:grpSpPr>
-        <a:xfrm>
-          <a:off x="0" y="0"/>
-          <a:ext cx="0" cy="0"/>
-          <a:chOff x="0" y="0"/>
-          <a:chExt cx="0" cy="0"/>
-        </a:xfrm>
-      </p:grpSpPr>
-      <p:sp>
-        <p:nvSpPr>
-          <p:cNvPr id="2" name="コンテンツ プレースホルダー 1">
-            <a:extLst>
-              <a:ext uri="{FF2B5EF4-FFF2-40B4-BE49-F238E27FC236}">
-                <a16:creationId xmlns:a16="http://schemas.microsoft.com/office/drawing/2014/main" id="{A0254326-D99D-4BDD-89C3-30FDE11DA374}"/>
-              </a:ext>
-            </a:extLst>
-          </p:cNvPr>
-          <p:cNvSpPr>
-            <a:spLocks noGrp="1"/>
-          </p:cNvSpPr>
-          <p:nvPr>
-            <p:ph idx="1"/>
-          </p:nvPr>
-        </p:nvSpPr>
-        <p:spPr/>
-        <p:txBody>
-          <a:bodyPr/>
-          <a:lstStyle/>
-          <a:p>
-            <a:r>
-              <a:rPr kumimoji="1" lang="ja-JP" altLang="en-US"/>
-              <a:t>ブロードバンドルーター</a:t>
-            </a:r>
-            <a:endParaRPr kumimoji="1" lang="en-US" altLang="ja-JP"/>
-          </a:p>
-          <a:p>
-            <a:pPr lvl="1"/>
-            <a:r>
-              <a:rPr lang="en-US" altLang="ja-JP"/>
-              <a:t>LAN</a:t>
-            </a:r>
-            <a:r>
-              <a:rPr lang="ja-JP" altLang="en-US"/>
-              <a:t>とインターネットを相互接続するための機能を持つ</a:t>
-            </a:r>
-            <a:endParaRPr lang="en-US" altLang="ja-JP"/>
-          </a:p>
-          <a:p>
-            <a:r>
-              <a:rPr kumimoji="1" lang="ja-JP" altLang="en-US"/>
-              <a:t>プロトコル</a:t>
-            </a:r>
-            <a:endParaRPr kumimoji="1" lang="en-US" altLang="ja-JP"/>
-          </a:p>
-          <a:p>
-            <a:pPr lvl="1"/>
-            <a:r>
-              <a:rPr kumimoji="1" lang="en-US" altLang="ja-JP"/>
-              <a:t>DNS</a:t>
-            </a:r>
-          </a:p>
-          <a:p>
-            <a:pPr lvl="2"/>
-            <a:r>
-              <a:rPr kumimoji="1" lang="ja-JP" altLang="en-US"/>
-              <a:t>ドメイン名</a:t>
-            </a:r>
-            <a:br>
-              <a:rPr lang="en-US" altLang="ja-JP"/>
-            </a:br>
-            <a:r>
-              <a:rPr kumimoji="1" lang="ja-JP" altLang="en-US"/>
-              <a:t>→</a:t>
-            </a:r>
-            <a:r>
-              <a:rPr kumimoji="1" lang="en-US" altLang="ja-JP"/>
-              <a:t>IP</a:t>
-            </a:r>
-            <a:r>
-              <a:rPr kumimoji="1" lang="ja-JP" altLang="en-US"/>
-              <a:t>アドレス</a:t>
-            </a:r>
-            <a:endParaRPr kumimoji="1" lang="en-US" altLang="ja-JP"/>
-          </a:p>
-          <a:p>
-            <a:pPr lvl="1"/>
-            <a:r>
-              <a:rPr lang="en-US" altLang="ja-JP"/>
-              <a:t>ARP</a:t>
-            </a:r>
-          </a:p>
-          <a:p>
-            <a:pPr lvl="2"/>
-            <a:r>
-              <a:rPr kumimoji="1" lang="en-US" altLang="ja-JP"/>
-              <a:t>IP</a:t>
-            </a:r>
-            <a:r>
-              <a:rPr kumimoji="1" lang="ja-JP" altLang="en-US"/>
-              <a:t>アドレス</a:t>
-            </a:r>
-            <a:br>
-              <a:rPr kumimoji="1" lang="en-US" altLang="ja-JP"/>
-            </a:br>
-            <a:r>
-              <a:rPr kumimoji="1" lang="ja-JP" altLang="en-US"/>
-              <a:t>→</a:t>
-            </a:r>
-            <a:r>
-              <a:rPr kumimoji="1" lang="en-US" altLang="ja-JP"/>
-              <a:t>MAC</a:t>
-            </a:r>
-            <a:r>
-              <a:rPr kumimoji="1" lang="ja-JP" altLang="en-US"/>
-              <a:t>アドレス</a:t>
-            </a:r>
-            <a:endParaRPr kumimoji="1" lang="en-US" altLang="ja-JP"/>
-          </a:p>
-          <a:p>
-            <a:pPr lvl="1"/>
-            <a:endParaRPr kumimoji="1" lang="ja-JP" altLang="en-US"/>
-          </a:p>
-        </p:txBody>
-      </p:sp>
-      <p:sp>
-        <p:nvSpPr>
-          <p:cNvPr id="3" name="スライド番号プレースホルダー 2">
-            <a:extLst>
-              <a:ext uri="{FF2B5EF4-FFF2-40B4-BE49-F238E27FC236}">
-                <a16:creationId xmlns:a16="http://schemas.microsoft.com/office/drawing/2014/main" id="{54844CE4-0606-4B4C-AD83-9B05FE04E1DC}"/>
-              </a:ext>
-            </a:extLst>
-          </p:cNvPr>
-          <p:cNvSpPr>
-            <a:spLocks noGrp="1"/>
-          </p:cNvSpPr>
-          <p:nvPr>
-            <p:ph type="sldNum" sz="quarter" idx="12"/>
-          </p:nvPr>
-        </p:nvSpPr>
-        <p:spPr/>
-        <p:txBody>
-          <a:bodyPr/>
-          <a:lstStyle/>
-          <a:p>
-            <a:pPr>
-              <a:defRPr/>
-            </a:pPr>
-            <a:r>
-              <a:rPr lang="en-US" altLang="ja-JP"/>
-              <a:t>    </a:t>
-            </a:r>
-            <a:fld id="{B2782DEB-472A-4FE5-AC34-C17109CF5A91}" type="slidenum">
-              <a:rPr lang="en-US" altLang="ja-JP" smtClean="0"/>
-              <a:pPr>
-                <a:defRPr/>
-              </a:pPr>
-              <a:t>9</a:t>
-            </a:fld>
-            <a:r>
-              <a:rPr lang="en-US" altLang="ja-JP"/>
-              <a:t> / 24</a:t>
-            </a:r>
-          </a:p>
-        </p:txBody>
-      </p:sp>
-      <p:sp>
-        <p:nvSpPr>
-          <p:cNvPr id="4" name="タイトル 3">
-            <a:extLst>
-              <a:ext uri="{FF2B5EF4-FFF2-40B4-BE49-F238E27FC236}">
-                <a16:creationId xmlns:a16="http://schemas.microsoft.com/office/drawing/2014/main" id="{AF76D7CD-E853-40BC-950F-5E67BB3489F9}"/>
-              </a:ext>
-            </a:extLst>
-          </p:cNvPr>
-          <p:cNvSpPr>
-            <a:spLocks noGrp="1"/>
-          </p:cNvSpPr>
-          <p:nvPr>
-            <p:ph type="title"/>
-          </p:nvPr>
-        </p:nvSpPr>
-        <p:spPr/>
-        <p:txBody>
-          <a:bodyPr/>
-          <a:lstStyle/>
-          <a:p>
-            <a:r>
-              <a:rPr kumimoji="1" lang="en-US" altLang="ja-JP"/>
-              <a:t>LAN</a:t>
-            </a:r>
-            <a:r>
-              <a:rPr kumimoji="1" lang="ja-JP" altLang="en-US"/>
-              <a:t>からインターネットへ</a:t>
-            </a:r>
-          </a:p>
-        </p:txBody>
-      </p:sp>
-      <p:pic>
-        <p:nvPicPr>
-          <p:cNvPr id="6" name="図 5">
-            <a:extLst>
-              <a:ext uri="{FF2B5EF4-FFF2-40B4-BE49-F238E27FC236}">
-                <a16:creationId xmlns:a16="http://schemas.microsoft.com/office/drawing/2014/main" id="{0B3990CB-52DF-456D-82A5-66ADDB3153AF}"/>
-              </a:ext>
-            </a:extLst>
-          </p:cNvPr>
-          <p:cNvPicPr>
-            <a:picLocks noChangeAspect="1"/>
-          </p:cNvPicPr>
-          <p:nvPr/>
-        </p:nvPicPr>
-        <p:blipFill>
-          <a:blip r:embed="rId2">
-            <a:extLst>
-              <a:ext uri="{28A0092B-C50C-407E-A947-70E740481C1C}">
-                <a14:useLocalDpi xmlns:a14="http://schemas.microsoft.com/office/drawing/2010/main" val="0"/>
-              </a:ext>
-            </a:extLst>
-          </a:blip>
-          <a:stretch>
-            <a:fillRect/>
-          </a:stretch>
-        </p:blipFill>
-        <p:spPr>
-          <a:xfrm>
-            <a:off x="3203848" y="1720991"/>
-            <a:ext cx="5688632" cy="4566529"/>
-          </a:xfrm>
-          <a:prstGeom prst="rect">
-            <a:avLst/>
-          </a:prstGeom>
-        </p:spPr>
-      </p:pic>
-    </p:spTree>
-    <p:extLst>
-      <p:ext uri="{BB962C8B-B14F-4D97-AF65-F5344CB8AC3E}">
-        <p14:creationId xmlns:p14="http://schemas.microsoft.com/office/powerpoint/2010/main" val="3235654314"/>
       </p:ext>
     </p:extLst>
   </p:cSld>

--- a/lec/anninbon10.pptx
+++ b/lec/anninbon10.pptx
@@ -4103,8 +4103,8 @@
           <a:chExt cx="0" cy="0"/>
         </a:xfrm>
       </p:grpSpPr>
-      <mc:AlternateContent xmlns:mc="http://schemas.openxmlformats.org/markup-compatibility/2006" xmlns:a14="http://schemas.microsoft.com/office/drawing/2010/main">
-        <mc:Choice Requires="a14">
+      <mc:AlternateContent xmlns:mc="http://schemas.openxmlformats.org/markup-compatibility/2006">
+        <mc:Choice xmlns:a14="http://schemas.microsoft.com/office/drawing/2010/main" Requires="a14">
           <p:sp>
             <p:nvSpPr>
               <p:cNvPr id="2" name="コンテンツ プレースホルダー 1">
@@ -4133,7 +4133,7 @@
               <a:p>
                 <a:r>
                   <a:rPr kumimoji="1" lang="en-US" altLang="ja-JP"/>
-                  <a:t>IEEE 80.211, 2021</a:t>
+                  <a:t>IEEE 802.11, 2021</a:t>
                 </a:r>
                 <a:r>
                   <a:rPr kumimoji="1" lang="ja-JP" altLang="en-US"/>
@@ -4267,7 +4267,7 @@
             </p:txBody>
           </p:sp>
         </mc:Choice>
-        <mc:Fallback xmlns="">
+        <mc:Fallback>
           <p:sp>
             <p:nvSpPr>
               <p:cNvPr id="2" name="コンテンツ プレースホルダー 1">

--- a/lec/anninbon10.pptx
+++ b/lec/anninbon10.pptx
@@ -2399,7 +2399,7 @@
           <a:p>
             <a:r>
               <a:rPr lang="ja-JP" altLang="en-US"/>
-              <a:t>暗認本読書</a:t>
+              <a:t>暗認本読書会</a:t>
             </a:r>
             <a:r>
               <a:rPr lang="en-US" altLang="ja-JP"/>
@@ -4103,8 +4103,8 @@
           <a:chExt cx="0" cy="0"/>
         </a:xfrm>
       </p:grpSpPr>
-      <mc:AlternateContent xmlns:mc="http://schemas.openxmlformats.org/markup-compatibility/2006">
-        <mc:Choice xmlns:a14="http://schemas.microsoft.com/office/drawing/2010/main" Requires="a14">
+      <mc:AlternateContent xmlns:mc="http://schemas.openxmlformats.org/markup-compatibility/2006" xmlns:a14="http://schemas.microsoft.com/office/drawing/2010/main">
+        <mc:Choice Requires="a14">
           <p:sp>
             <p:nvSpPr>
               <p:cNvPr id="2" name="コンテンツ プレースホルダー 1">
@@ -4267,7 +4267,7 @@
             </p:txBody>
           </p:sp>
         </mc:Choice>
-        <mc:Fallback>
+        <mc:Fallback xmlns="">
           <p:sp>
             <p:nvSpPr>
               <p:cNvPr id="2" name="コンテンツ プレースホルダー 1">
